--- a/doc/XXL-JOB架构图.pptx
+++ b/doc/XXL-JOB架构图.pptx
@@ -1,23 +1,23 @@
 
 <file path=ppt/presentation.xml><?xml version="1.0" encoding="utf-8"?>
-<p:presentation xmlns:a="http://schemas.openxmlformats.org/drawingml/2006/main" xmlns:r="http://schemas.openxmlformats.org/officeDocument/2006/relationships" xmlns:p="http://schemas.openxmlformats.org/presentationml/2006/main" saveSubsetFonts="1">
+<p:presentation xmlns:a="http://schemas.openxmlformats.org/drawingml/2006/main" xmlns:r="http://schemas.openxmlformats.org/officeDocument/2006/relationships" xmlns:p="http://schemas.openxmlformats.org/presentationml/2006/main">
   <p:sldMasterIdLst>
     <p:sldMasterId id="2147483648" r:id="rId1"/>
   </p:sldMasterIdLst>
   <p:notesMasterIdLst>
-    <p:notesMasterId r:id="rId12"/>
+    <p:notesMasterId r:id="rId5"/>
   </p:notesMasterIdLst>
   <p:sldIdLst>
-    <p:sldId id="259" r:id="rId2"/>
-    <p:sldId id="258" r:id="rId3"/>
-    <p:sldId id="260" r:id="rId4"/>
-    <p:sldId id="261" r:id="rId5"/>
-    <p:sldId id="262" r:id="rId6"/>
-    <p:sldId id="264" r:id="rId7"/>
-    <p:sldId id="266" r:id="rId8"/>
-    <p:sldId id="267" r:id="rId9"/>
-    <p:sldId id="263" r:id="rId10"/>
-    <p:sldId id="268" r:id="rId11"/>
+    <p:sldId id="259" r:id="rId3"/>
+    <p:sldId id="258" r:id="rId4"/>
+    <p:sldId id="260" r:id="rId6"/>
+    <p:sldId id="261" r:id="rId7"/>
+    <p:sldId id="262" r:id="rId8"/>
+    <p:sldId id="264" r:id="rId9"/>
+    <p:sldId id="266" r:id="rId10"/>
+    <p:sldId id="267" r:id="rId11"/>
+    <p:sldId id="263" r:id="rId12"/>
+    <p:sldId id="268" r:id="rId13"/>
   </p:sldIdLst>
   <p:sldSz cx="12192000" cy="6858000"/>
   <p:notesSz cx="6858000" cy="9144000"/>
@@ -116,11 +116,6 @@
       </a:defRPr>
     </a:lvl9pPr>
   </p:defaultTextStyle>
-  <p:extLst>
-    <p:ext uri="{EFAFB233-063F-42B5-8137-9DF3F51BA10A}">
-      <p15:sldGuideLst xmlns:p15="http://schemas.microsoft.com/office/powerpoint/2012/main"/>
-    </p:ext>
-  </p:extLst>
 </p:presentation>
 </file>
 
@@ -150,7 +145,7 @@
         <p:nvSpPr>
           <p:cNvPr id="2" name="页眉占位符 1"/>
           <p:cNvSpPr>
-            <a:spLocks noGrp="1"/>
+            <a:spLocks noGrp="true"/>
           </p:cNvSpPr>
           <p:nvPr>
             <p:ph type="hdr" sz="quarter"/>
@@ -181,7 +176,7 @@
         <p:nvSpPr>
           <p:cNvPr id="3" name="日期占位符 2"/>
           <p:cNvSpPr>
-            <a:spLocks noGrp="1"/>
+            <a:spLocks noGrp="true"/>
           </p:cNvSpPr>
           <p:nvPr>
             <p:ph type="dt" idx="1"/>
@@ -206,7 +201,6 @@
           <a:p>
             <a:fld id="{D2A48B96-639E-45A3-A0BA-2464DFDB1FAA}" type="datetimeFigureOut">
               <a:rPr lang="zh-CN" altLang="en-US" smtClean="0"/>
-              <a:t>2019/10/11</a:t>
             </a:fld>
             <a:endParaRPr lang="zh-CN" altLang="en-US"/>
           </a:p>
@@ -216,7 +210,7 @@
         <p:nvSpPr>
           <p:cNvPr id="4" name="幻灯片图像占位符 3"/>
           <p:cNvSpPr>
-            <a:spLocks noGrp="1" noRot="1" noChangeAspect="1"/>
+            <a:spLocks noGrp="true" noRot="true" noChangeAspect="true"/>
           </p:cNvSpPr>
           <p:nvPr>
             <p:ph type="sldImg" idx="2"/>
@@ -249,7 +243,7 @@
         <p:nvSpPr>
           <p:cNvPr id="5" name="备注占位符 4"/>
           <p:cNvSpPr>
-            <a:spLocks noGrp="1"/>
+            <a:spLocks noGrp="true"/>
           </p:cNvSpPr>
           <p:nvPr>
             <p:ph type="body" sz="quarter" idx="3"/>
@@ -273,6 +267,7 @@
               <a:rPr lang="zh-CN" altLang="en-US" smtClean="0"/>
               <a:t>单击此处编辑母版文本样式</a:t>
             </a:r>
+            <a:endParaRPr lang="zh-CN" altLang="en-US" smtClean="0"/>
           </a:p>
           <a:p>
             <a:pPr lvl="1"/>
@@ -280,6 +275,7 @@
               <a:rPr lang="zh-CN" altLang="en-US" smtClean="0"/>
               <a:t>第二级</a:t>
             </a:r>
+            <a:endParaRPr lang="zh-CN" altLang="en-US" smtClean="0"/>
           </a:p>
           <a:p>
             <a:pPr lvl="2"/>
@@ -287,6 +283,7 @@
               <a:rPr lang="zh-CN" altLang="en-US" smtClean="0"/>
               <a:t>第三级</a:t>
             </a:r>
+            <a:endParaRPr lang="zh-CN" altLang="en-US" smtClean="0"/>
           </a:p>
           <a:p>
             <a:pPr lvl="3"/>
@@ -294,6 +291,7 @@
               <a:rPr lang="zh-CN" altLang="en-US" smtClean="0"/>
               <a:t>第四级</a:t>
             </a:r>
+            <a:endParaRPr lang="zh-CN" altLang="en-US" smtClean="0"/>
           </a:p>
           <a:p>
             <a:pPr lvl="4"/>
@@ -309,7 +307,7 @@
         <p:nvSpPr>
           <p:cNvPr id="6" name="页脚占位符 5"/>
           <p:cNvSpPr>
-            <a:spLocks noGrp="1"/>
+            <a:spLocks noGrp="true"/>
           </p:cNvSpPr>
           <p:nvPr>
             <p:ph type="ftr" sz="quarter" idx="4"/>
@@ -340,7 +338,7 @@
         <p:nvSpPr>
           <p:cNvPr id="7" name="灯片编号占位符 6"/>
           <p:cNvSpPr>
-            <a:spLocks noGrp="1"/>
+            <a:spLocks noGrp="true"/>
           </p:cNvSpPr>
           <p:nvPr>
             <p:ph type="sldNum" sz="quarter" idx="5"/>
@@ -365,18 +363,12 @@
           <a:p>
             <a:fld id="{A6837353-30EB-4A48-80EB-173D804AEFBD}" type="slidenum">
               <a:rPr lang="zh-CN" altLang="en-US" smtClean="0"/>
-              <a:t>‹#›</a:t>
             </a:fld>
             <a:endParaRPr lang="zh-CN" altLang="en-US"/>
           </a:p>
         </p:txBody>
       </p:sp>
     </p:spTree>
-    <p:extLst>
-      <p:ext uri="{BB962C8B-B14F-4D97-AF65-F5344CB8AC3E}">
-        <p14:creationId xmlns:p14="http://schemas.microsoft.com/office/powerpoint/2010/main" val="1753989497"/>
-      </p:ext>
-    </p:extLst>
   </p:cSld>
   <p:clrMap bg1="lt1" tx1="dk1" bg2="lt2" tx2="dk2" accent1="accent1" accent2="accent2" accent3="accent3" accent4="accent4" accent5="accent5" accent6="accent6" hlink="hlink" folHlink="folHlink"/>
   <p:notesStyle>
@@ -495,7 +487,7 @@
         <p:nvSpPr>
           <p:cNvPr id="2" name="幻灯片图像占位符 1"/>
           <p:cNvSpPr>
-            <a:spLocks noGrp="1" noRot="1" noChangeAspect="1"/>
+            <a:spLocks noGrp="true" noRot="true" noChangeAspect="true"/>
           </p:cNvSpPr>
           <p:nvPr>
             <p:ph type="sldImg" idx="2"/>
@@ -507,7 +499,7 @@
         <p:nvSpPr>
           <p:cNvPr id="3" name="文本占位符 2"/>
           <p:cNvSpPr>
-            <a:spLocks noGrp="1"/>
+            <a:spLocks noGrp="true"/>
           </p:cNvSpPr>
           <p:nvPr>
             <p:ph type="body" idx="3"/>
@@ -523,11 +515,6 @@
         </p:txBody>
       </p:sp>
     </p:spTree>
-    <p:extLst>
-      <p:ext uri="{BB962C8B-B14F-4D97-AF65-F5344CB8AC3E}">
-        <p14:creationId xmlns:p14="http://schemas.microsoft.com/office/powerpoint/2010/main" val="793453710"/>
-      </p:ext>
-    </p:extLst>
   </p:cSld>
   <p:clrMapOvr>
     <a:masterClrMapping/>
@@ -556,7 +543,7 @@
         <p:nvSpPr>
           <p:cNvPr id="2" name="幻灯片图像占位符 1"/>
           <p:cNvSpPr>
-            <a:spLocks noGrp="1" noRot="1" noChangeAspect="1"/>
+            <a:spLocks noGrp="true" noRot="true" noChangeAspect="true"/>
           </p:cNvSpPr>
           <p:nvPr>
             <p:ph type="sldImg"/>
@@ -568,7 +555,7 @@
         <p:nvSpPr>
           <p:cNvPr id="3" name="备注占位符 2"/>
           <p:cNvSpPr>
-            <a:spLocks noGrp="1"/>
+            <a:spLocks noGrp="true"/>
           </p:cNvSpPr>
           <p:nvPr>
             <p:ph type="body" idx="1"/>
@@ -587,7 +574,7 @@
         <p:nvSpPr>
           <p:cNvPr id="4" name="幻灯片编号占位符 3"/>
           <p:cNvSpPr>
-            <a:spLocks noGrp="1"/>
+            <a:spLocks noGrp="true"/>
           </p:cNvSpPr>
           <p:nvPr>
             <p:ph type="sldNum" sz="quarter" idx="10"/>
@@ -600,18 +587,12 @@
           <a:p>
             <a:fld id="{A6837353-30EB-4A48-80EB-173D804AEFBD}" type="slidenum">
               <a:rPr lang="zh-CN" altLang="en-US" smtClean="0"/>
-              <a:t>3</a:t>
             </a:fld>
             <a:endParaRPr lang="zh-CN" altLang="en-US"/>
           </a:p>
         </p:txBody>
       </p:sp>
     </p:spTree>
-    <p:extLst>
-      <p:ext uri="{BB962C8B-B14F-4D97-AF65-F5344CB8AC3E}">
-        <p14:creationId xmlns:p14="http://schemas.microsoft.com/office/powerpoint/2010/main" val="1850539747"/>
-      </p:ext>
-    </p:extLst>
   </p:cSld>
   <p:clrMapOvr>
     <a:masterClrMapping/>
@@ -640,7 +621,7 @@
         <p:nvSpPr>
           <p:cNvPr id="8193" name="幻灯片图像占位符 1"/>
           <p:cNvSpPr>
-            <a:spLocks noGrp="1" noRot="1" noChangeAspect="1" noTextEdit="1"/>
+            <a:spLocks noGrp="true" noRot="true" noChangeAspect="true" noTextEdit="true"/>
           </p:cNvSpPr>
           <p:nvPr>
             <p:ph type="sldImg"/>
@@ -669,7 +650,7 @@
         <p:nvSpPr>
           <p:cNvPr id="8194" name="备注占位符 2"/>
           <p:cNvSpPr>
-            <a:spLocks noGrp="1"/>
+            <a:spLocks noGrp="true"/>
           </p:cNvSpPr>
           <p:nvPr>
             <p:ph type="body" idx="1"/>
@@ -702,7 +683,7 @@
           <a:lstStyle/>
           <a:p>
             <a:endParaRPr kumimoji="0" lang="zh-CN" altLang="en-US" dirty="0">
-              <a:latin typeface="Arial" panose="020B0604020202020204" pitchFamily="34" charset="0"/>
+              <a:latin typeface="Arial" panose="02080604020202020204" pitchFamily="34" charset="0"/>
               <a:ea typeface="MS PGothic" panose="020B0600070205080204" charset="-128"/>
             </a:endParaRPr>
           </a:p>
@@ -712,7 +693,7 @@
         <p:nvSpPr>
           <p:cNvPr id="8195" name="灯片编号占位符 3"/>
           <p:cNvSpPr>
-            <a:spLocks noGrp="1"/>
+            <a:spLocks noGrp="true"/>
           </p:cNvSpPr>
           <p:nvPr>
             <p:ph type="sldNum" sz="quarter" idx="5"/>
@@ -748,8 +729,8 @@
                 <a:solidFill>
                   <a:schemeClr val="tx1"/>
                 </a:solidFill>
-                <a:latin typeface="Arial" panose="020B0604020202020204" pitchFamily="34" charset="0"/>
-                <a:ea typeface="宋体" panose="02010600030101010101" pitchFamily="2" charset="-122"/>
+                <a:latin typeface="Arial" panose="02080604020202020204" pitchFamily="34" charset="0"/>
+                <a:ea typeface="SimSun" panose="02010600030101010101" pitchFamily="2" charset="-122"/>
               </a:defRPr>
             </a:lvl1pPr>
             <a:lvl2pPr marL="742950" indent="-285750">
@@ -757,8 +738,8 @@
                 <a:solidFill>
                   <a:schemeClr val="tx1"/>
                 </a:solidFill>
-                <a:latin typeface="Arial" panose="020B0604020202020204" pitchFamily="34" charset="0"/>
-                <a:ea typeface="宋体" panose="02010600030101010101" pitchFamily="2" charset="-122"/>
+                <a:latin typeface="Arial" panose="02080604020202020204" pitchFamily="34" charset="0"/>
+                <a:ea typeface="SimSun" panose="02010600030101010101" pitchFamily="2" charset="-122"/>
               </a:defRPr>
             </a:lvl2pPr>
             <a:lvl3pPr marL="1143000" indent="-228600">
@@ -766,8 +747,8 @@
                 <a:solidFill>
                   <a:schemeClr val="tx1"/>
                 </a:solidFill>
-                <a:latin typeface="Arial" panose="020B0604020202020204" pitchFamily="34" charset="0"/>
-                <a:ea typeface="宋体" panose="02010600030101010101" pitchFamily="2" charset="-122"/>
+                <a:latin typeface="Arial" panose="02080604020202020204" pitchFamily="34" charset="0"/>
+                <a:ea typeface="SimSun" panose="02010600030101010101" pitchFamily="2" charset="-122"/>
               </a:defRPr>
             </a:lvl3pPr>
             <a:lvl4pPr marL="1600200" indent="-228600">
@@ -775,8 +756,8 @@
                 <a:solidFill>
                   <a:schemeClr val="tx1"/>
                 </a:solidFill>
-                <a:latin typeface="Arial" panose="020B0604020202020204" pitchFamily="34" charset="0"/>
-                <a:ea typeface="宋体" panose="02010600030101010101" pitchFamily="2" charset="-122"/>
+                <a:latin typeface="Arial" panose="02080604020202020204" pitchFamily="34" charset="0"/>
+                <a:ea typeface="SimSun" panose="02010600030101010101" pitchFamily="2" charset="-122"/>
               </a:defRPr>
             </a:lvl4pPr>
             <a:lvl5pPr marL="2057400" indent="-228600">
@@ -784,8 +765,8 @@
                 <a:solidFill>
                   <a:schemeClr val="tx1"/>
                 </a:solidFill>
-                <a:latin typeface="Arial" panose="020B0604020202020204" pitchFamily="34" charset="0"/>
-                <a:ea typeface="宋体" panose="02010600030101010101" pitchFamily="2" charset="-122"/>
+                <a:latin typeface="Arial" panose="02080604020202020204" pitchFamily="34" charset="0"/>
+                <a:ea typeface="SimSun" panose="02010600030101010101" pitchFamily="2" charset="-122"/>
               </a:defRPr>
             </a:lvl5pPr>
             <a:lvl6pPr marL="2514600" indent="-228600" eaLnBrk="0" fontAlgn="base" hangingPunct="0">
@@ -799,8 +780,8 @@
                 <a:solidFill>
                   <a:schemeClr val="tx1"/>
                 </a:solidFill>
-                <a:latin typeface="Arial" panose="020B0604020202020204" pitchFamily="34" charset="0"/>
-                <a:ea typeface="宋体" panose="02010600030101010101" pitchFamily="2" charset="-122"/>
+                <a:latin typeface="Arial" panose="02080604020202020204" pitchFamily="34" charset="0"/>
+                <a:ea typeface="SimSun" panose="02010600030101010101" pitchFamily="2" charset="-122"/>
               </a:defRPr>
             </a:lvl6pPr>
             <a:lvl7pPr marL="2971800" indent="-228600" eaLnBrk="0" fontAlgn="base" hangingPunct="0">
@@ -814,8 +795,8 @@
                 <a:solidFill>
                   <a:schemeClr val="tx1"/>
                 </a:solidFill>
-                <a:latin typeface="Arial" panose="020B0604020202020204" pitchFamily="34" charset="0"/>
-                <a:ea typeface="宋体" panose="02010600030101010101" pitchFamily="2" charset="-122"/>
+                <a:latin typeface="Arial" panose="02080604020202020204" pitchFamily="34" charset="0"/>
+                <a:ea typeface="SimSun" panose="02010600030101010101" pitchFamily="2" charset="-122"/>
               </a:defRPr>
             </a:lvl7pPr>
             <a:lvl8pPr marL="3429000" indent="-228600" eaLnBrk="0" fontAlgn="base" hangingPunct="0">
@@ -829,8 +810,8 @@
                 <a:solidFill>
                   <a:schemeClr val="tx1"/>
                 </a:solidFill>
-                <a:latin typeface="Arial" panose="020B0604020202020204" pitchFamily="34" charset="0"/>
-                <a:ea typeface="宋体" panose="02010600030101010101" pitchFamily="2" charset="-122"/>
+                <a:latin typeface="Arial" panose="02080604020202020204" pitchFamily="34" charset="0"/>
+                <a:ea typeface="SimSun" panose="02010600030101010101" pitchFamily="2" charset="-122"/>
               </a:defRPr>
             </a:lvl8pPr>
             <a:lvl9pPr marL="3886200" indent="-228600" eaLnBrk="0" fontAlgn="base" hangingPunct="0">
@@ -844,26 +825,20 @@
                 <a:solidFill>
                   <a:schemeClr val="tx1"/>
                 </a:solidFill>
-                <a:latin typeface="Arial" panose="020B0604020202020204" pitchFamily="34" charset="0"/>
-                <a:ea typeface="宋体" panose="02010600030101010101" pitchFamily="2" charset="-122"/>
+                <a:latin typeface="Arial" panose="02080604020202020204" pitchFamily="34" charset="0"/>
+                <a:ea typeface="SimSun" panose="02010600030101010101" pitchFamily="2" charset="-122"/>
               </a:defRPr>
             </a:lvl9pPr>
           </a:lstStyle>
           <a:p>
             <a:fld id="{80DF3984-D036-8146-80F3-60605DE9315C}" type="slidenum">
               <a:rPr lang="zh-CN" altLang="en-US" sz="1200"/>
-              <a:t>4</a:t>
             </a:fld>
             <a:endParaRPr lang="zh-CN" altLang="en-US" sz="1200"/>
           </a:p>
         </p:txBody>
       </p:sp>
     </p:spTree>
-    <p:extLst>
-      <p:ext uri="{BB962C8B-B14F-4D97-AF65-F5344CB8AC3E}">
-        <p14:creationId xmlns:p14="http://schemas.microsoft.com/office/powerpoint/2010/main" val="15868328"/>
-      </p:ext>
-    </p:extLst>
   </p:cSld>
   <p:clrMapOvr>
     <a:masterClrMapping/>
@@ -892,7 +867,7 @@
         <p:nvSpPr>
           <p:cNvPr id="8193" name="幻灯片图像占位符 1"/>
           <p:cNvSpPr>
-            <a:spLocks noGrp="1" noRot="1" noChangeAspect="1" noTextEdit="1"/>
+            <a:spLocks noGrp="true" noRot="true" noChangeAspect="true" noTextEdit="true"/>
           </p:cNvSpPr>
           <p:nvPr>
             <p:ph type="sldImg"/>
@@ -921,7 +896,7 @@
         <p:nvSpPr>
           <p:cNvPr id="8194" name="备注占位符 2"/>
           <p:cNvSpPr>
-            <a:spLocks noGrp="1"/>
+            <a:spLocks noGrp="true"/>
           </p:cNvSpPr>
           <p:nvPr>
             <p:ph type="body" idx="1"/>
@@ -954,7 +929,7 @@
           <a:lstStyle/>
           <a:p>
             <a:endParaRPr kumimoji="0" lang="zh-CN" altLang="en-US" dirty="0">
-              <a:latin typeface="Arial" panose="020B0604020202020204" pitchFamily="34" charset="0"/>
+              <a:latin typeface="Arial" panose="02080604020202020204" pitchFamily="34" charset="0"/>
               <a:ea typeface="MS PGothic" panose="020B0600070205080204" charset="-128"/>
             </a:endParaRPr>
           </a:p>
@@ -964,7 +939,7 @@
         <p:nvSpPr>
           <p:cNvPr id="8195" name="灯片编号占位符 3"/>
           <p:cNvSpPr>
-            <a:spLocks noGrp="1"/>
+            <a:spLocks noGrp="true"/>
           </p:cNvSpPr>
           <p:nvPr>
             <p:ph type="sldNum" sz="quarter" idx="5"/>
@@ -1000,8 +975,8 @@
                 <a:solidFill>
                   <a:schemeClr val="tx1"/>
                 </a:solidFill>
-                <a:latin typeface="Arial" panose="020B0604020202020204" pitchFamily="34" charset="0"/>
-                <a:ea typeface="宋体" panose="02010600030101010101" pitchFamily="2" charset="-122"/>
+                <a:latin typeface="Arial" panose="02080604020202020204" pitchFamily="34" charset="0"/>
+                <a:ea typeface="SimSun" panose="02010600030101010101" pitchFamily="2" charset="-122"/>
               </a:defRPr>
             </a:lvl1pPr>
             <a:lvl2pPr marL="742950" indent="-285750">
@@ -1009,8 +984,8 @@
                 <a:solidFill>
                   <a:schemeClr val="tx1"/>
                 </a:solidFill>
-                <a:latin typeface="Arial" panose="020B0604020202020204" pitchFamily="34" charset="0"/>
-                <a:ea typeface="宋体" panose="02010600030101010101" pitchFamily="2" charset="-122"/>
+                <a:latin typeface="Arial" panose="02080604020202020204" pitchFamily="34" charset="0"/>
+                <a:ea typeface="SimSun" panose="02010600030101010101" pitchFamily="2" charset="-122"/>
               </a:defRPr>
             </a:lvl2pPr>
             <a:lvl3pPr marL="1143000" indent="-228600">
@@ -1018,8 +993,8 @@
                 <a:solidFill>
                   <a:schemeClr val="tx1"/>
                 </a:solidFill>
-                <a:latin typeface="Arial" panose="020B0604020202020204" pitchFamily="34" charset="0"/>
-                <a:ea typeface="宋体" panose="02010600030101010101" pitchFamily="2" charset="-122"/>
+                <a:latin typeface="Arial" panose="02080604020202020204" pitchFamily="34" charset="0"/>
+                <a:ea typeface="SimSun" panose="02010600030101010101" pitchFamily="2" charset="-122"/>
               </a:defRPr>
             </a:lvl3pPr>
             <a:lvl4pPr marL="1600200" indent="-228600">
@@ -1027,8 +1002,8 @@
                 <a:solidFill>
                   <a:schemeClr val="tx1"/>
                 </a:solidFill>
-                <a:latin typeface="Arial" panose="020B0604020202020204" pitchFamily="34" charset="0"/>
-                <a:ea typeface="宋体" panose="02010600030101010101" pitchFamily="2" charset="-122"/>
+                <a:latin typeface="Arial" panose="02080604020202020204" pitchFamily="34" charset="0"/>
+                <a:ea typeface="SimSun" panose="02010600030101010101" pitchFamily="2" charset="-122"/>
               </a:defRPr>
             </a:lvl4pPr>
             <a:lvl5pPr marL="2057400" indent="-228600">
@@ -1036,8 +1011,8 @@
                 <a:solidFill>
                   <a:schemeClr val="tx1"/>
                 </a:solidFill>
-                <a:latin typeface="Arial" panose="020B0604020202020204" pitchFamily="34" charset="0"/>
-                <a:ea typeface="宋体" panose="02010600030101010101" pitchFamily="2" charset="-122"/>
+                <a:latin typeface="Arial" panose="02080604020202020204" pitchFamily="34" charset="0"/>
+                <a:ea typeface="SimSun" panose="02010600030101010101" pitchFamily="2" charset="-122"/>
               </a:defRPr>
             </a:lvl5pPr>
             <a:lvl6pPr marL="2514600" indent="-228600" eaLnBrk="0" fontAlgn="base" hangingPunct="0">
@@ -1051,8 +1026,8 @@
                 <a:solidFill>
                   <a:schemeClr val="tx1"/>
                 </a:solidFill>
-                <a:latin typeface="Arial" panose="020B0604020202020204" pitchFamily="34" charset="0"/>
-                <a:ea typeface="宋体" panose="02010600030101010101" pitchFamily="2" charset="-122"/>
+                <a:latin typeface="Arial" panose="02080604020202020204" pitchFamily="34" charset="0"/>
+                <a:ea typeface="SimSun" panose="02010600030101010101" pitchFamily="2" charset="-122"/>
               </a:defRPr>
             </a:lvl6pPr>
             <a:lvl7pPr marL="2971800" indent="-228600" eaLnBrk="0" fontAlgn="base" hangingPunct="0">
@@ -1066,8 +1041,8 @@
                 <a:solidFill>
                   <a:schemeClr val="tx1"/>
                 </a:solidFill>
-                <a:latin typeface="Arial" panose="020B0604020202020204" pitchFamily="34" charset="0"/>
-                <a:ea typeface="宋体" panose="02010600030101010101" pitchFamily="2" charset="-122"/>
+                <a:latin typeface="Arial" panose="02080604020202020204" pitchFamily="34" charset="0"/>
+                <a:ea typeface="SimSun" panose="02010600030101010101" pitchFamily="2" charset="-122"/>
               </a:defRPr>
             </a:lvl7pPr>
             <a:lvl8pPr marL="3429000" indent="-228600" eaLnBrk="0" fontAlgn="base" hangingPunct="0">
@@ -1081,8 +1056,8 @@
                 <a:solidFill>
                   <a:schemeClr val="tx1"/>
                 </a:solidFill>
-                <a:latin typeface="Arial" panose="020B0604020202020204" pitchFamily="34" charset="0"/>
-                <a:ea typeface="宋体" panose="02010600030101010101" pitchFamily="2" charset="-122"/>
+                <a:latin typeface="Arial" panose="02080604020202020204" pitchFamily="34" charset="0"/>
+                <a:ea typeface="SimSun" panose="02010600030101010101" pitchFamily="2" charset="-122"/>
               </a:defRPr>
             </a:lvl8pPr>
             <a:lvl9pPr marL="3886200" indent="-228600" eaLnBrk="0" fontAlgn="base" hangingPunct="0">
@@ -1096,26 +1071,20 @@
                 <a:solidFill>
                   <a:schemeClr val="tx1"/>
                 </a:solidFill>
-                <a:latin typeface="Arial" panose="020B0604020202020204" pitchFamily="34" charset="0"/>
-                <a:ea typeface="宋体" panose="02010600030101010101" pitchFamily="2" charset="-122"/>
+                <a:latin typeface="Arial" panose="02080604020202020204" pitchFamily="34" charset="0"/>
+                <a:ea typeface="SimSun" panose="02010600030101010101" pitchFamily="2" charset="-122"/>
               </a:defRPr>
             </a:lvl9pPr>
           </a:lstStyle>
           <a:p>
             <a:fld id="{80DF3984-D036-8146-80F3-60605DE9315C}" type="slidenum">
               <a:rPr lang="zh-CN" altLang="en-US" sz="1200"/>
-              <a:t>5</a:t>
             </a:fld>
             <a:endParaRPr lang="zh-CN" altLang="en-US" sz="1200"/>
           </a:p>
         </p:txBody>
       </p:sp>
     </p:spTree>
-    <p:extLst>
-      <p:ext uri="{BB962C8B-B14F-4D97-AF65-F5344CB8AC3E}">
-        <p14:creationId xmlns:p14="http://schemas.microsoft.com/office/powerpoint/2010/main" val="411016468"/>
-      </p:ext>
-    </p:extLst>
   </p:cSld>
   <p:clrMapOvr>
     <a:masterClrMapping/>
@@ -1144,7 +1113,7 @@
         <p:nvSpPr>
           <p:cNvPr id="8193" name="幻灯片图像占位符 1"/>
           <p:cNvSpPr>
-            <a:spLocks noGrp="1" noRot="1" noChangeAspect="1" noTextEdit="1"/>
+            <a:spLocks noGrp="true" noRot="true" noChangeAspect="true" noTextEdit="true"/>
           </p:cNvSpPr>
           <p:nvPr>
             <p:ph type="sldImg"/>
@@ -1173,7 +1142,7 @@
         <p:nvSpPr>
           <p:cNvPr id="8194" name="备注占位符 2"/>
           <p:cNvSpPr>
-            <a:spLocks noGrp="1"/>
+            <a:spLocks noGrp="true"/>
           </p:cNvSpPr>
           <p:nvPr>
             <p:ph type="body" idx="1"/>
@@ -1206,7 +1175,7 @@
           <a:lstStyle/>
           <a:p>
             <a:endParaRPr kumimoji="0" lang="zh-CN" altLang="en-US" dirty="0">
-              <a:latin typeface="Arial" panose="020B0604020202020204" pitchFamily="34" charset="0"/>
+              <a:latin typeface="Arial" panose="02080604020202020204" pitchFamily="34" charset="0"/>
               <a:ea typeface="MS PGothic" panose="020B0600070205080204" charset="-128"/>
             </a:endParaRPr>
           </a:p>
@@ -1216,7 +1185,7 @@
         <p:nvSpPr>
           <p:cNvPr id="8195" name="灯片编号占位符 3"/>
           <p:cNvSpPr>
-            <a:spLocks noGrp="1"/>
+            <a:spLocks noGrp="true"/>
           </p:cNvSpPr>
           <p:nvPr>
             <p:ph type="sldNum" sz="quarter" idx="5"/>
@@ -1252,8 +1221,8 @@
                 <a:solidFill>
                   <a:schemeClr val="tx1"/>
                 </a:solidFill>
-                <a:latin typeface="Arial" panose="020B0604020202020204" pitchFamily="34" charset="0"/>
-                <a:ea typeface="宋体" panose="02010600030101010101" pitchFamily="2" charset="-122"/>
+                <a:latin typeface="Arial" panose="02080604020202020204" pitchFamily="34" charset="0"/>
+                <a:ea typeface="SimSun" panose="02010600030101010101" pitchFamily="2" charset="-122"/>
               </a:defRPr>
             </a:lvl1pPr>
             <a:lvl2pPr marL="742950" indent="-285750">
@@ -1261,8 +1230,8 @@
                 <a:solidFill>
                   <a:schemeClr val="tx1"/>
                 </a:solidFill>
-                <a:latin typeface="Arial" panose="020B0604020202020204" pitchFamily="34" charset="0"/>
-                <a:ea typeface="宋体" panose="02010600030101010101" pitchFamily="2" charset="-122"/>
+                <a:latin typeface="Arial" panose="02080604020202020204" pitchFamily="34" charset="0"/>
+                <a:ea typeface="SimSun" panose="02010600030101010101" pitchFamily="2" charset="-122"/>
               </a:defRPr>
             </a:lvl2pPr>
             <a:lvl3pPr marL="1143000" indent="-228600">
@@ -1270,8 +1239,8 @@
                 <a:solidFill>
                   <a:schemeClr val="tx1"/>
                 </a:solidFill>
-                <a:latin typeface="Arial" panose="020B0604020202020204" pitchFamily="34" charset="0"/>
-                <a:ea typeface="宋体" panose="02010600030101010101" pitchFamily="2" charset="-122"/>
+                <a:latin typeface="Arial" panose="02080604020202020204" pitchFamily="34" charset="0"/>
+                <a:ea typeface="SimSun" panose="02010600030101010101" pitchFamily="2" charset="-122"/>
               </a:defRPr>
             </a:lvl3pPr>
             <a:lvl4pPr marL="1600200" indent="-228600">
@@ -1279,8 +1248,8 @@
                 <a:solidFill>
                   <a:schemeClr val="tx1"/>
                 </a:solidFill>
-                <a:latin typeface="Arial" panose="020B0604020202020204" pitchFamily="34" charset="0"/>
-                <a:ea typeface="宋体" panose="02010600030101010101" pitchFamily="2" charset="-122"/>
+                <a:latin typeface="Arial" panose="02080604020202020204" pitchFamily="34" charset="0"/>
+                <a:ea typeface="SimSun" panose="02010600030101010101" pitchFamily="2" charset="-122"/>
               </a:defRPr>
             </a:lvl4pPr>
             <a:lvl5pPr marL="2057400" indent="-228600">
@@ -1288,8 +1257,8 @@
                 <a:solidFill>
                   <a:schemeClr val="tx1"/>
                 </a:solidFill>
-                <a:latin typeface="Arial" panose="020B0604020202020204" pitchFamily="34" charset="0"/>
-                <a:ea typeface="宋体" panose="02010600030101010101" pitchFamily="2" charset="-122"/>
+                <a:latin typeface="Arial" panose="02080604020202020204" pitchFamily="34" charset="0"/>
+                <a:ea typeface="SimSun" panose="02010600030101010101" pitchFamily="2" charset="-122"/>
               </a:defRPr>
             </a:lvl5pPr>
             <a:lvl6pPr marL="2514600" indent="-228600" eaLnBrk="0" fontAlgn="base" hangingPunct="0">
@@ -1303,8 +1272,8 @@
                 <a:solidFill>
                   <a:schemeClr val="tx1"/>
                 </a:solidFill>
-                <a:latin typeface="Arial" panose="020B0604020202020204" pitchFamily="34" charset="0"/>
-                <a:ea typeface="宋体" panose="02010600030101010101" pitchFamily="2" charset="-122"/>
+                <a:latin typeface="Arial" panose="02080604020202020204" pitchFamily="34" charset="0"/>
+                <a:ea typeface="SimSun" panose="02010600030101010101" pitchFamily="2" charset="-122"/>
               </a:defRPr>
             </a:lvl6pPr>
             <a:lvl7pPr marL="2971800" indent="-228600" eaLnBrk="0" fontAlgn="base" hangingPunct="0">
@@ -1318,8 +1287,8 @@
                 <a:solidFill>
                   <a:schemeClr val="tx1"/>
                 </a:solidFill>
-                <a:latin typeface="Arial" panose="020B0604020202020204" pitchFamily="34" charset="0"/>
-                <a:ea typeface="宋体" panose="02010600030101010101" pitchFamily="2" charset="-122"/>
+                <a:latin typeface="Arial" panose="02080604020202020204" pitchFamily="34" charset="0"/>
+                <a:ea typeface="SimSun" panose="02010600030101010101" pitchFamily="2" charset="-122"/>
               </a:defRPr>
             </a:lvl7pPr>
             <a:lvl8pPr marL="3429000" indent="-228600" eaLnBrk="0" fontAlgn="base" hangingPunct="0">
@@ -1333,8 +1302,8 @@
                 <a:solidFill>
                   <a:schemeClr val="tx1"/>
                 </a:solidFill>
-                <a:latin typeface="Arial" panose="020B0604020202020204" pitchFamily="34" charset="0"/>
-                <a:ea typeface="宋体" panose="02010600030101010101" pitchFamily="2" charset="-122"/>
+                <a:latin typeface="Arial" panose="02080604020202020204" pitchFamily="34" charset="0"/>
+                <a:ea typeface="SimSun" panose="02010600030101010101" pitchFamily="2" charset="-122"/>
               </a:defRPr>
             </a:lvl8pPr>
             <a:lvl9pPr marL="3886200" indent="-228600" eaLnBrk="0" fontAlgn="base" hangingPunct="0">
@@ -1348,26 +1317,20 @@
                 <a:solidFill>
                   <a:schemeClr val="tx1"/>
                 </a:solidFill>
-                <a:latin typeface="Arial" panose="020B0604020202020204" pitchFamily="34" charset="0"/>
-                <a:ea typeface="宋体" panose="02010600030101010101" pitchFamily="2" charset="-122"/>
+                <a:latin typeface="Arial" panose="02080604020202020204" pitchFamily="34" charset="0"/>
+                <a:ea typeface="SimSun" panose="02010600030101010101" pitchFamily="2" charset="-122"/>
               </a:defRPr>
             </a:lvl9pPr>
           </a:lstStyle>
           <a:p>
             <a:fld id="{80DF3984-D036-8146-80F3-60605DE9315C}" type="slidenum">
               <a:rPr lang="zh-CN" altLang="en-US" sz="1200"/>
-              <a:t>6</a:t>
             </a:fld>
             <a:endParaRPr lang="zh-CN" altLang="en-US" sz="1200"/>
           </a:p>
         </p:txBody>
       </p:sp>
     </p:spTree>
-    <p:extLst>
-      <p:ext uri="{BB962C8B-B14F-4D97-AF65-F5344CB8AC3E}">
-        <p14:creationId xmlns:p14="http://schemas.microsoft.com/office/powerpoint/2010/main" val="1646368924"/>
-      </p:ext>
-    </p:extLst>
   </p:cSld>
   <p:clrMapOvr>
     <a:masterClrMapping/>
@@ -1396,7 +1359,7 @@
         <p:nvSpPr>
           <p:cNvPr id="8193" name="幻灯片图像占位符 1"/>
           <p:cNvSpPr>
-            <a:spLocks noGrp="1" noRot="1" noChangeAspect="1" noTextEdit="1"/>
+            <a:spLocks noGrp="true" noRot="true" noChangeAspect="true" noTextEdit="true"/>
           </p:cNvSpPr>
           <p:nvPr>
             <p:ph type="sldImg"/>
@@ -1425,7 +1388,7 @@
         <p:nvSpPr>
           <p:cNvPr id="8194" name="备注占位符 2"/>
           <p:cNvSpPr>
-            <a:spLocks noGrp="1"/>
+            <a:spLocks noGrp="true"/>
           </p:cNvSpPr>
           <p:nvPr>
             <p:ph type="body" idx="1"/>
@@ -1458,7 +1421,7 @@
           <a:lstStyle/>
           <a:p>
             <a:endParaRPr kumimoji="0" lang="zh-CN" altLang="en-US" dirty="0">
-              <a:latin typeface="Arial" panose="020B0604020202020204" pitchFamily="34" charset="0"/>
+              <a:latin typeface="Arial" panose="02080604020202020204" pitchFamily="34" charset="0"/>
               <a:ea typeface="MS PGothic" panose="020B0600070205080204" charset="-128"/>
             </a:endParaRPr>
           </a:p>
@@ -1468,7 +1431,7 @@
         <p:nvSpPr>
           <p:cNvPr id="8195" name="灯片编号占位符 3"/>
           <p:cNvSpPr>
-            <a:spLocks noGrp="1"/>
+            <a:spLocks noGrp="true"/>
           </p:cNvSpPr>
           <p:nvPr>
             <p:ph type="sldNum" sz="quarter" idx="5"/>
@@ -1504,8 +1467,8 @@
                 <a:solidFill>
                   <a:schemeClr val="tx1"/>
                 </a:solidFill>
-                <a:latin typeface="Arial" panose="020B0604020202020204" pitchFamily="34" charset="0"/>
-                <a:ea typeface="宋体" panose="02010600030101010101" pitchFamily="2" charset="-122"/>
+                <a:latin typeface="Arial" panose="02080604020202020204" pitchFamily="34" charset="0"/>
+                <a:ea typeface="SimSun" panose="02010600030101010101" pitchFamily="2" charset="-122"/>
               </a:defRPr>
             </a:lvl1pPr>
             <a:lvl2pPr marL="742950" indent="-285750">
@@ -1513,8 +1476,8 @@
                 <a:solidFill>
                   <a:schemeClr val="tx1"/>
                 </a:solidFill>
-                <a:latin typeface="Arial" panose="020B0604020202020204" pitchFamily="34" charset="0"/>
-                <a:ea typeface="宋体" panose="02010600030101010101" pitchFamily="2" charset="-122"/>
+                <a:latin typeface="Arial" panose="02080604020202020204" pitchFamily="34" charset="0"/>
+                <a:ea typeface="SimSun" panose="02010600030101010101" pitchFamily="2" charset="-122"/>
               </a:defRPr>
             </a:lvl2pPr>
             <a:lvl3pPr marL="1143000" indent="-228600">
@@ -1522,8 +1485,8 @@
                 <a:solidFill>
                   <a:schemeClr val="tx1"/>
                 </a:solidFill>
-                <a:latin typeface="Arial" panose="020B0604020202020204" pitchFamily="34" charset="0"/>
-                <a:ea typeface="宋体" panose="02010600030101010101" pitchFamily="2" charset="-122"/>
+                <a:latin typeface="Arial" panose="02080604020202020204" pitchFamily="34" charset="0"/>
+                <a:ea typeface="SimSun" panose="02010600030101010101" pitchFamily="2" charset="-122"/>
               </a:defRPr>
             </a:lvl3pPr>
             <a:lvl4pPr marL="1600200" indent="-228600">
@@ -1531,8 +1494,8 @@
                 <a:solidFill>
                   <a:schemeClr val="tx1"/>
                 </a:solidFill>
-                <a:latin typeface="Arial" panose="020B0604020202020204" pitchFamily="34" charset="0"/>
-                <a:ea typeface="宋体" panose="02010600030101010101" pitchFamily="2" charset="-122"/>
+                <a:latin typeface="Arial" panose="02080604020202020204" pitchFamily="34" charset="0"/>
+                <a:ea typeface="SimSun" panose="02010600030101010101" pitchFamily="2" charset="-122"/>
               </a:defRPr>
             </a:lvl4pPr>
             <a:lvl5pPr marL="2057400" indent="-228600">
@@ -1540,8 +1503,8 @@
                 <a:solidFill>
                   <a:schemeClr val="tx1"/>
                 </a:solidFill>
-                <a:latin typeface="Arial" panose="020B0604020202020204" pitchFamily="34" charset="0"/>
-                <a:ea typeface="宋体" panose="02010600030101010101" pitchFamily="2" charset="-122"/>
+                <a:latin typeface="Arial" panose="02080604020202020204" pitchFamily="34" charset="0"/>
+                <a:ea typeface="SimSun" panose="02010600030101010101" pitchFamily="2" charset="-122"/>
               </a:defRPr>
             </a:lvl5pPr>
             <a:lvl6pPr marL="2514600" indent="-228600" eaLnBrk="0" fontAlgn="base" hangingPunct="0">
@@ -1555,8 +1518,8 @@
                 <a:solidFill>
                   <a:schemeClr val="tx1"/>
                 </a:solidFill>
-                <a:latin typeface="Arial" panose="020B0604020202020204" pitchFamily="34" charset="0"/>
-                <a:ea typeface="宋体" panose="02010600030101010101" pitchFamily="2" charset="-122"/>
+                <a:latin typeface="Arial" panose="02080604020202020204" pitchFamily="34" charset="0"/>
+                <a:ea typeface="SimSun" panose="02010600030101010101" pitchFamily="2" charset="-122"/>
               </a:defRPr>
             </a:lvl6pPr>
             <a:lvl7pPr marL="2971800" indent="-228600" eaLnBrk="0" fontAlgn="base" hangingPunct="0">
@@ -1570,8 +1533,8 @@
                 <a:solidFill>
                   <a:schemeClr val="tx1"/>
                 </a:solidFill>
-                <a:latin typeface="Arial" panose="020B0604020202020204" pitchFamily="34" charset="0"/>
-                <a:ea typeface="宋体" panose="02010600030101010101" pitchFamily="2" charset="-122"/>
+                <a:latin typeface="Arial" panose="02080604020202020204" pitchFamily="34" charset="0"/>
+                <a:ea typeface="SimSun" panose="02010600030101010101" pitchFamily="2" charset="-122"/>
               </a:defRPr>
             </a:lvl7pPr>
             <a:lvl8pPr marL="3429000" indent="-228600" eaLnBrk="0" fontAlgn="base" hangingPunct="0">
@@ -1585,8 +1548,8 @@
                 <a:solidFill>
                   <a:schemeClr val="tx1"/>
                 </a:solidFill>
-                <a:latin typeface="Arial" panose="020B0604020202020204" pitchFamily="34" charset="0"/>
-                <a:ea typeface="宋体" panose="02010600030101010101" pitchFamily="2" charset="-122"/>
+                <a:latin typeface="Arial" panose="02080604020202020204" pitchFamily="34" charset="0"/>
+                <a:ea typeface="SimSun" panose="02010600030101010101" pitchFamily="2" charset="-122"/>
               </a:defRPr>
             </a:lvl8pPr>
             <a:lvl9pPr marL="3886200" indent="-228600" eaLnBrk="0" fontAlgn="base" hangingPunct="0">
@@ -1600,26 +1563,20 @@
                 <a:solidFill>
                   <a:schemeClr val="tx1"/>
                 </a:solidFill>
-                <a:latin typeface="Arial" panose="020B0604020202020204" pitchFamily="34" charset="0"/>
-                <a:ea typeface="宋体" panose="02010600030101010101" pitchFamily="2" charset="-122"/>
+                <a:latin typeface="Arial" panose="02080604020202020204" pitchFamily="34" charset="0"/>
+                <a:ea typeface="SimSun" panose="02010600030101010101" pitchFamily="2" charset="-122"/>
               </a:defRPr>
             </a:lvl9pPr>
           </a:lstStyle>
           <a:p>
             <a:fld id="{80DF3984-D036-8146-80F3-60605DE9315C}" type="slidenum">
               <a:rPr lang="zh-CN" altLang="en-US" sz="1200"/>
-              <a:t>7</a:t>
             </a:fld>
             <a:endParaRPr lang="zh-CN" altLang="en-US" sz="1200"/>
           </a:p>
         </p:txBody>
       </p:sp>
     </p:spTree>
-    <p:extLst>
-      <p:ext uri="{BB962C8B-B14F-4D97-AF65-F5344CB8AC3E}">
-        <p14:creationId xmlns:p14="http://schemas.microsoft.com/office/powerpoint/2010/main" val="195714073"/>
-      </p:ext>
-    </p:extLst>
   </p:cSld>
   <p:clrMapOvr>
     <a:masterClrMapping/>
@@ -1648,7 +1605,7 @@
         <p:nvSpPr>
           <p:cNvPr id="8193" name="幻灯片图像占位符 1"/>
           <p:cNvSpPr>
-            <a:spLocks noGrp="1" noRot="1" noChangeAspect="1" noTextEdit="1"/>
+            <a:spLocks noGrp="true" noRot="true" noChangeAspect="true" noTextEdit="true"/>
           </p:cNvSpPr>
           <p:nvPr>
             <p:ph type="sldImg"/>
@@ -1677,7 +1634,7 @@
         <p:nvSpPr>
           <p:cNvPr id="8194" name="备注占位符 2"/>
           <p:cNvSpPr>
-            <a:spLocks noGrp="1"/>
+            <a:spLocks noGrp="true"/>
           </p:cNvSpPr>
           <p:nvPr>
             <p:ph type="body" idx="1"/>
@@ -1710,7 +1667,7 @@
           <a:lstStyle/>
           <a:p>
             <a:endParaRPr kumimoji="0" lang="zh-CN" altLang="en-US" dirty="0">
-              <a:latin typeface="Arial" panose="020B0604020202020204" pitchFamily="34" charset="0"/>
+              <a:latin typeface="Arial" panose="02080604020202020204" pitchFamily="34" charset="0"/>
               <a:ea typeface="MS PGothic" panose="020B0600070205080204" charset="-128"/>
             </a:endParaRPr>
           </a:p>
@@ -1720,7 +1677,7 @@
         <p:nvSpPr>
           <p:cNvPr id="8195" name="灯片编号占位符 3"/>
           <p:cNvSpPr>
-            <a:spLocks noGrp="1"/>
+            <a:spLocks noGrp="true"/>
           </p:cNvSpPr>
           <p:nvPr>
             <p:ph type="sldNum" sz="quarter" idx="5"/>
@@ -1756,8 +1713,8 @@
                 <a:solidFill>
                   <a:schemeClr val="tx1"/>
                 </a:solidFill>
-                <a:latin typeface="Arial" panose="020B0604020202020204" pitchFamily="34" charset="0"/>
-                <a:ea typeface="宋体" panose="02010600030101010101" pitchFamily="2" charset="-122"/>
+                <a:latin typeface="Arial" panose="02080604020202020204" pitchFamily="34" charset="0"/>
+                <a:ea typeface="SimSun" panose="02010600030101010101" pitchFamily="2" charset="-122"/>
               </a:defRPr>
             </a:lvl1pPr>
             <a:lvl2pPr marL="742950" indent="-285750">
@@ -1765,8 +1722,8 @@
                 <a:solidFill>
                   <a:schemeClr val="tx1"/>
                 </a:solidFill>
-                <a:latin typeface="Arial" panose="020B0604020202020204" pitchFamily="34" charset="0"/>
-                <a:ea typeface="宋体" panose="02010600030101010101" pitchFamily="2" charset="-122"/>
+                <a:latin typeface="Arial" panose="02080604020202020204" pitchFamily="34" charset="0"/>
+                <a:ea typeface="SimSun" panose="02010600030101010101" pitchFamily="2" charset="-122"/>
               </a:defRPr>
             </a:lvl2pPr>
             <a:lvl3pPr marL="1143000" indent="-228600">
@@ -1774,8 +1731,8 @@
                 <a:solidFill>
                   <a:schemeClr val="tx1"/>
                 </a:solidFill>
-                <a:latin typeface="Arial" panose="020B0604020202020204" pitchFamily="34" charset="0"/>
-                <a:ea typeface="宋体" panose="02010600030101010101" pitchFamily="2" charset="-122"/>
+                <a:latin typeface="Arial" panose="02080604020202020204" pitchFamily="34" charset="0"/>
+                <a:ea typeface="SimSun" panose="02010600030101010101" pitchFamily="2" charset="-122"/>
               </a:defRPr>
             </a:lvl3pPr>
             <a:lvl4pPr marL="1600200" indent="-228600">
@@ -1783,8 +1740,8 @@
                 <a:solidFill>
                   <a:schemeClr val="tx1"/>
                 </a:solidFill>
-                <a:latin typeface="Arial" panose="020B0604020202020204" pitchFamily="34" charset="0"/>
-                <a:ea typeface="宋体" panose="02010600030101010101" pitchFamily="2" charset="-122"/>
+                <a:latin typeface="Arial" panose="02080604020202020204" pitchFamily="34" charset="0"/>
+                <a:ea typeface="SimSun" panose="02010600030101010101" pitchFamily="2" charset="-122"/>
               </a:defRPr>
             </a:lvl4pPr>
             <a:lvl5pPr marL="2057400" indent="-228600">
@@ -1792,8 +1749,8 @@
                 <a:solidFill>
                   <a:schemeClr val="tx1"/>
                 </a:solidFill>
-                <a:latin typeface="Arial" panose="020B0604020202020204" pitchFamily="34" charset="0"/>
-                <a:ea typeface="宋体" panose="02010600030101010101" pitchFamily="2" charset="-122"/>
+                <a:latin typeface="Arial" panose="02080604020202020204" pitchFamily="34" charset="0"/>
+                <a:ea typeface="SimSun" panose="02010600030101010101" pitchFamily="2" charset="-122"/>
               </a:defRPr>
             </a:lvl5pPr>
             <a:lvl6pPr marL="2514600" indent="-228600" eaLnBrk="0" fontAlgn="base" hangingPunct="0">
@@ -1807,8 +1764,8 @@
                 <a:solidFill>
                   <a:schemeClr val="tx1"/>
                 </a:solidFill>
-                <a:latin typeface="Arial" panose="020B0604020202020204" pitchFamily="34" charset="0"/>
-                <a:ea typeface="宋体" panose="02010600030101010101" pitchFamily="2" charset="-122"/>
+                <a:latin typeface="Arial" panose="02080604020202020204" pitchFamily="34" charset="0"/>
+                <a:ea typeface="SimSun" panose="02010600030101010101" pitchFamily="2" charset="-122"/>
               </a:defRPr>
             </a:lvl6pPr>
             <a:lvl7pPr marL="2971800" indent="-228600" eaLnBrk="0" fontAlgn="base" hangingPunct="0">
@@ -1822,8 +1779,8 @@
                 <a:solidFill>
                   <a:schemeClr val="tx1"/>
                 </a:solidFill>
-                <a:latin typeface="Arial" panose="020B0604020202020204" pitchFamily="34" charset="0"/>
-                <a:ea typeface="宋体" panose="02010600030101010101" pitchFamily="2" charset="-122"/>
+                <a:latin typeface="Arial" panose="02080604020202020204" pitchFamily="34" charset="0"/>
+                <a:ea typeface="SimSun" panose="02010600030101010101" pitchFamily="2" charset="-122"/>
               </a:defRPr>
             </a:lvl7pPr>
             <a:lvl8pPr marL="3429000" indent="-228600" eaLnBrk="0" fontAlgn="base" hangingPunct="0">
@@ -1837,8 +1794,8 @@
                 <a:solidFill>
                   <a:schemeClr val="tx1"/>
                 </a:solidFill>
-                <a:latin typeface="Arial" panose="020B0604020202020204" pitchFamily="34" charset="0"/>
-                <a:ea typeface="宋体" panose="02010600030101010101" pitchFamily="2" charset="-122"/>
+                <a:latin typeface="Arial" panose="02080604020202020204" pitchFamily="34" charset="0"/>
+                <a:ea typeface="SimSun" panose="02010600030101010101" pitchFamily="2" charset="-122"/>
               </a:defRPr>
             </a:lvl8pPr>
             <a:lvl9pPr marL="3886200" indent="-228600" eaLnBrk="0" fontAlgn="base" hangingPunct="0">
@@ -1852,26 +1809,20 @@
                 <a:solidFill>
                   <a:schemeClr val="tx1"/>
                 </a:solidFill>
-                <a:latin typeface="Arial" panose="020B0604020202020204" pitchFamily="34" charset="0"/>
-                <a:ea typeface="宋体" panose="02010600030101010101" pitchFamily="2" charset="-122"/>
+                <a:latin typeface="Arial" panose="02080604020202020204" pitchFamily="34" charset="0"/>
+                <a:ea typeface="SimSun" panose="02010600030101010101" pitchFamily="2" charset="-122"/>
               </a:defRPr>
             </a:lvl9pPr>
           </a:lstStyle>
           <a:p>
             <a:fld id="{80DF3984-D036-8146-80F3-60605DE9315C}" type="slidenum">
               <a:rPr lang="zh-CN" altLang="en-US" sz="1200"/>
-              <a:t>8</a:t>
             </a:fld>
             <a:endParaRPr lang="zh-CN" altLang="en-US" sz="1200"/>
           </a:p>
         </p:txBody>
       </p:sp>
     </p:spTree>
-    <p:extLst>
-      <p:ext uri="{BB962C8B-B14F-4D97-AF65-F5344CB8AC3E}">
-        <p14:creationId xmlns:p14="http://schemas.microsoft.com/office/powerpoint/2010/main" val="879406952"/>
-      </p:ext>
-    </p:extLst>
   </p:cSld>
   <p:clrMapOvr>
     <a:masterClrMapping/>
@@ -1900,7 +1851,7 @@
         <p:nvSpPr>
           <p:cNvPr id="8193" name="幻灯片图像占位符 1"/>
           <p:cNvSpPr>
-            <a:spLocks noGrp="1" noRot="1" noChangeAspect="1" noTextEdit="1"/>
+            <a:spLocks noGrp="true" noRot="true" noChangeAspect="true" noTextEdit="true"/>
           </p:cNvSpPr>
           <p:nvPr>
             <p:ph type="sldImg"/>
@@ -1929,7 +1880,7 @@
         <p:nvSpPr>
           <p:cNvPr id="8194" name="备注占位符 2"/>
           <p:cNvSpPr>
-            <a:spLocks noGrp="1"/>
+            <a:spLocks noGrp="true"/>
           </p:cNvSpPr>
           <p:nvPr>
             <p:ph type="body" idx="1"/>
@@ -1962,7 +1913,7 @@
           <a:lstStyle/>
           <a:p>
             <a:endParaRPr kumimoji="0" lang="zh-CN" altLang="en-US" dirty="0">
-              <a:latin typeface="Arial" panose="020B0604020202020204" pitchFamily="34" charset="0"/>
+              <a:latin typeface="Arial" panose="02080604020202020204" pitchFamily="34" charset="0"/>
               <a:ea typeface="MS PGothic" panose="020B0600070205080204" charset="-128"/>
             </a:endParaRPr>
           </a:p>
@@ -1972,7 +1923,7 @@
         <p:nvSpPr>
           <p:cNvPr id="8195" name="灯片编号占位符 3"/>
           <p:cNvSpPr>
-            <a:spLocks noGrp="1"/>
+            <a:spLocks noGrp="true"/>
           </p:cNvSpPr>
           <p:nvPr>
             <p:ph type="sldNum" sz="quarter" idx="5"/>
@@ -2008,8 +1959,8 @@
                 <a:solidFill>
                   <a:schemeClr val="tx1"/>
                 </a:solidFill>
-                <a:latin typeface="Arial" panose="020B0604020202020204" pitchFamily="34" charset="0"/>
-                <a:ea typeface="宋体" panose="02010600030101010101" pitchFamily="2" charset="-122"/>
+                <a:latin typeface="Arial" panose="02080604020202020204" pitchFamily="34" charset="0"/>
+                <a:ea typeface="SimSun" panose="02010600030101010101" pitchFamily="2" charset="-122"/>
               </a:defRPr>
             </a:lvl1pPr>
             <a:lvl2pPr marL="742950" indent="-285750">
@@ -2017,8 +1968,8 @@
                 <a:solidFill>
                   <a:schemeClr val="tx1"/>
                 </a:solidFill>
-                <a:latin typeface="Arial" panose="020B0604020202020204" pitchFamily="34" charset="0"/>
-                <a:ea typeface="宋体" panose="02010600030101010101" pitchFamily="2" charset="-122"/>
+                <a:latin typeface="Arial" panose="02080604020202020204" pitchFamily="34" charset="0"/>
+                <a:ea typeface="SimSun" panose="02010600030101010101" pitchFamily="2" charset="-122"/>
               </a:defRPr>
             </a:lvl2pPr>
             <a:lvl3pPr marL="1143000" indent="-228600">
@@ -2026,8 +1977,8 @@
                 <a:solidFill>
                   <a:schemeClr val="tx1"/>
                 </a:solidFill>
-                <a:latin typeface="Arial" panose="020B0604020202020204" pitchFamily="34" charset="0"/>
-                <a:ea typeface="宋体" panose="02010600030101010101" pitchFamily="2" charset="-122"/>
+                <a:latin typeface="Arial" panose="02080604020202020204" pitchFamily="34" charset="0"/>
+                <a:ea typeface="SimSun" panose="02010600030101010101" pitchFamily="2" charset="-122"/>
               </a:defRPr>
             </a:lvl3pPr>
             <a:lvl4pPr marL="1600200" indent="-228600">
@@ -2035,8 +1986,8 @@
                 <a:solidFill>
                   <a:schemeClr val="tx1"/>
                 </a:solidFill>
-                <a:latin typeface="Arial" panose="020B0604020202020204" pitchFamily="34" charset="0"/>
-                <a:ea typeface="宋体" panose="02010600030101010101" pitchFamily="2" charset="-122"/>
+                <a:latin typeface="Arial" panose="02080604020202020204" pitchFamily="34" charset="0"/>
+                <a:ea typeface="SimSun" panose="02010600030101010101" pitchFamily="2" charset="-122"/>
               </a:defRPr>
             </a:lvl4pPr>
             <a:lvl5pPr marL="2057400" indent="-228600">
@@ -2044,8 +1995,8 @@
                 <a:solidFill>
                   <a:schemeClr val="tx1"/>
                 </a:solidFill>
-                <a:latin typeface="Arial" panose="020B0604020202020204" pitchFamily="34" charset="0"/>
-                <a:ea typeface="宋体" panose="02010600030101010101" pitchFamily="2" charset="-122"/>
+                <a:latin typeface="Arial" panose="02080604020202020204" pitchFamily="34" charset="0"/>
+                <a:ea typeface="SimSun" panose="02010600030101010101" pitchFamily="2" charset="-122"/>
               </a:defRPr>
             </a:lvl5pPr>
             <a:lvl6pPr marL="2514600" indent="-228600" eaLnBrk="0" fontAlgn="base" hangingPunct="0">
@@ -2059,8 +2010,8 @@
                 <a:solidFill>
                   <a:schemeClr val="tx1"/>
                 </a:solidFill>
-                <a:latin typeface="Arial" panose="020B0604020202020204" pitchFamily="34" charset="0"/>
-                <a:ea typeface="宋体" panose="02010600030101010101" pitchFamily="2" charset="-122"/>
+                <a:latin typeface="Arial" panose="02080604020202020204" pitchFamily="34" charset="0"/>
+                <a:ea typeface="SimSun" panose="02010600030101010101" pitchFamily="2" charset="-122"/>
               </a:defRPr>
             </a:lvl6pPr>
             <a:lvl7pPr marL="2971800" indent="-228600" eaLnBrk="0" fontAlgn="base" hangingPunct="0">
@@ -2074,8 +2025,8 @@
                 <a:solidFill>
                   <a:schemeClr val="tx1"/>
                 </a:solidFill>
-                <a:latin typeface="Arial" panose="020B0604020202020204" pitchFamily="34" charset="0"/>
-                <a:ea typeface="宋体" panose="02010600030101010101" pitchFamily="2" charset="-122"/>
+                <a:latin typeface="Arial" panose="02080604020202020204" pitchFamily="34" charset="0"/>
+                <a:ea typeface="SimSun" panose="02010600030101010101" pitchFamily="2" charset="-122"/>
               </a:defRPr>
             </a:lvl7pPr>
             <a:lvl8pPr marL="3429000" indent="-228600" eaLnBrk="0" fontAlgn="base" hangingPunct="0">
@@ -2089,8 +2040,8 @@
                 <a:solidFill>
                   <a:schemeClr val="tx1"/>
                 </a:solidFill>
-                <a:latin typeface="Arial" panose="020B0604020202020204" pitchFamily="34" charset="0"/>
-                <a:ea typeface="宋体" panose="02010600030101010101" pitchFamily="2" charset="-122"/>
+                <a:latin typeface="Arial" panose="02080604020202020204" pitchFamily="34" charset="0"/>
+                <a:ea typeface="SimSun" panose="02010600030101010101" pitchFamily="2" charset="-122"/>
               </a:defRPr>
             </a:lvl8pPr>
             <a:lvl9pPr marL="3886200" indent="-228600" eaLnBrk="0" fontAlgn="base" hangingPunct="0">
@@ -2104,26 +2055,20 @@
                 <a:solidFill>
                   <a:schemeClr val="tx1"/>
                 </a:solidFill>
-                <a:latin typeface="Arial" panose="020B0604020202020204" pitchFamily="34" charset="0"/>
-                <a:ea typeface="宋体" panose="02010600030101010101" pitchFamily="2" charset="-122"/>
+                <a:latin typeface="Arial" panose="02080604020202020204" pitchFamily="34" charset="0"/>
+                <a:ea typeface="SimSun" panose="02010600030101010101" pitchFamily="2" charset="-122"/>
               </a:defRPr>
             </a:lvl9pPr>
           </a:lstStyle>
           <a:p>
             <a:fld id="{80DF3984-D036-8146-80F3-60605DE9315C}" type="slidenum">
               <a:rPr lang="zh-CN" altLang="en-US" sz="1200"/>
-              <a:t>10</a:t>
             </a:fld>
             <a:endParaRPr lang="zh-CN" altLang="en-US" sz="1200"/>
           </a:p>
         </p:txBody>
       </p:sp>
     </p:spTree>
-    <p:extLst>
-      <p:ext uri="{BB962C8B-B14F-4D97-AF65-F5344CB8AC3E}">
-        <p14:creationId xmlns:p14="http://schemas.microsoft.com/office/powerpoint/2010/main" val="911974567"/>
-      </p:ext>
-    </p:extLst>
   </p:cSld>
   <p:clrMapOvr>
     <a:masterClrMapping/>
@@ -2152,7 +2097,7 @@
         <p:nvSpPr>
           <p:cNvPr id="2" name="标题 1"/>
           <p:cNvSpPr>
-            <a:spLocks noGrp="1"/>
+            <a:spLocks noGrp="true"/>
           </p:cNvSpPr>
           <p:nvPr>
             <p:ph type="ctrTitle"/>
@@ -2184,7 +2129,7 @@
         <p:nvSpPr>
           <p:cNvPr id="3" name="副标题 2"/>
           <p:cNvSpPr>
-            <a:spLocks noGrp="1"/>
+            <a:spLocks noGrp="true"/>
           </p:cNvSpPr>
           <p:nvPr>
             <p:ph type="subTitle" idx="1"/>
@@ -2249,7 +2194,7 @@
         <p:nvSpPr>
           <p:cNvPr id="4" name="日期占位符 3"/>
           <p:cNvSpPr>
-            <a:spLocks noGrp="1"/>
+            <a:spLocks noGrp="true"/>
           </p:cNvSpPr>
           <p:nvPr>
             <p:ph type="dt" sz="half" idx="10"/>
@@ -2262,7 +2207,6 @@
           <a:p>
             <a:fld id="{D997B5FA-0921-464F-AAE1-844C04324D75}" type="datetimeFigureOut">
               <a:rPr lang="zh-CN" altLang="en-US" smtClean="0"/>
-              <a:t>2019/10/11</a:t>
             </a:fld>
             <a:endParaRPr lang="zh-CN" altLang="en-US"/>
           </a:p>
@@ -2272,7 +2216,7 @@
         <p:nvSpPr>
           <p:cNvPr id="5" name="页脚占位符 4"/>
           <p:cNvSpPr>
-            <a:spLocks noGrp="1"/>
+            <a:spLocks noGrp="true"/>
           </p:cNvSpPr>
           <p:nvPr>
             <p:ph type="ftr" sz="quarter" idx="11"/>
@@ -2291,7 +2235,7 @@
         <p:nvSpPr>
           <p:cNvPr id="6" name="灯片编号占位符 5"/>
           <p:cNvSpPr>
-            <a:spLocks noGrp="1"/>
+            <a:spLocks noGrp="true"/>
           </p:cNvSpPr>
           <p:nvPr>
             <p:ph type="sldNum" sz="quarter" idx="12"/>
@@ -2304,7 +2248,6 @@
           <a:p>
             <a:fld id="{565CE74E-AB26-4998-AD42-012C4C1AD076}" type="slidenum">
               <a:rPr lang="zh-CN" altLang="en-US" smtClean="0"/>
-              <a:t>‹#›</a:t>
             </a:fld>
             <a:endParaRPr lang="zh-CN" altLang="en-US"/>
           </a:p>
@@ -2339,7 +2282,7 @@
         <p:nvSpPr>
           <p:cNvPr id="2" name="标题 1"/>
           <p:cNvSpPr>
-            <a:spLocks noGrp="1"/>
+            <a:spLocks noGrp="true"/>
           </p:cNvSpPr>
           <p:nvPr>
             <p:ph type="title"/>
@@ -2362,7 +2305,7 @@
         <p:nvSpPr>
           <p:cNvPr id="3" name="竖排文字占位符 2"/>
           <p:cNvSpPr>
-            <a:spLocks noGrp="1"/>
+            <a:spLocks noGrp="true"/>
           </p:cNvSpPr>
           <p:nvPr>
             <p:ph type="body" orient="vert" idx="1"/>
@@ -2378,6 +2321,7 @@
               <a:rPr lang="zh-CN" altLang="en-US" smtClean="0"/>
               <a:t>单击此处编辑母版文本样式</a:t>
             </a:r>
+            <a:endParaRPr lang="zh-CN" altLang="en-US" smtClean="0"/>
           </a:p>
           <a:p>
             <a:pPr lvl="1"/>
@@ -2385,6 +2329,7 @@
               <a:rPr lang="zh-CN" altLang="en-US" smtClean="0"/>
               <a:t>第二级</a:t>
             </a:r>
+            <a:endParaRPr lang="zh-CN" altLang="en-US" smtClean="0"/>
           </a:p>
           <a:p>
             <a:pPr lvl="2"/>
@@ -2392,6 +2337,7 @@
               <a:rPr lang="zh-CN" altLang="en-US" smtClean="0"/>
               <a:t>第三级</a:t>
             </a:r>
+            <a:endParaRPr lang="zh-CN" altLang="en-US" smtClean="0"/>
           </a:p>
           <a:p>
             <a:pPr lvl="3"/>
@@ -2399,6 +2345,7 @@
               <a:rPr lang="zh-CN" altLang="en-US" smtClean="0"/>
               <a:t>第四级</a:t>
             </a:r>
+            <a:endParaRPr lang="zh-CN" altLang="en-US" smtClean="0"/>
           </a:p>
           <a:p>
             <a:pPr lvl="4"/>
@@ -2414,7 +2361,7 @@
         <p:nvSpPr>
           <p:cNvPr id="4" name="日期占位符 3"/>
           <p:cNvSpPr>
-            <a:spLocks noGrp="1"/>
+            <a:spLocks noGrp="true"/>
           </p:cNvSpPr>
           <p:nvPr>
             <p:ph type="dt" sz="half" idx="10"/>
@@ -2427,7 +2374,6 @@
           <a:p>
             <a:fld id="{D997B5FA-0921-464F-AAE1-844C04324D75}" type="datetimeFigureOut">
               <a:rPr lang="zh-CN" altLang="en-US" smtClean="0"/>
-              <a:t>2019/10/11</a:t>
             </a:fld>
             <a:endParaRPr lang="zh-CN" altLang="en-US"/>
           </a:p>
@@ -2437,7 +2383,7 @@
         <p:nvSpPr>
           <p:cNvPr id="5" name="页脚占位符 4"/>
           <p:cNvSpPr>
-            <a:spLocks noGrp="1"/>
+            <a:spLocks noGrp="true"/>
           </p:cNvSpPr>
           <p:nvPr>
             <p:ph type="ftr" sz="quarter" idx="11"/>
@@ -2456,7 +2402,7 @@
         <p:nvSpPr>
           <p:cNvPr id="6" name="灯片编号占位符 5"/>
           <p:cNvSpPr>
-            <a:spLocks noGrp="1"/>
+            <a:spLocks noGrp="true"/>
           </p:cNvSpPr>
           <p:nvPr>
             <p:ph type="sldNum" sz="quarter" idx="12"/>
@@ -2469,7 +2415,6 @@
           <a:p>
             <a:fld id="{565CE74E-AB26-4998-AD42-012C4C1AD076}" type="slidenum">
               <a:rPr lang="zh-CN" altLang="en-US" smtClean="0"/>
-              <a:t>‹#›</a:t>
             </a:fld>
             <a:endParaRPr lang="zh-CN" altLang="en-US"/>
           </a:p>
@@ -2504,7 +2449,7 @@
         <p:nvSpPr>
           <p:cNvPr id="2" name="竖排标题 1"/>
           <p:cNvSpPr>
-            <a:spLocks noGrp="1"/>
+            <a:spLocks noGrp="true"/>
           </p:cNvSpPr>
           <p:nvPr>
             <p:ph type="title" orient="vert"/>
@@ -2532,7 +2477,7 @@
         <p:nvSpPr>
           <p:cNvPr id="3" name="竖排文字占位符 2"/>
           <p:cNvSpPr>
-            <a:spLocks noGrp="1"/>
+            <a:spLocks noGrp="true"/>
           </p:cNvSpPr>
           <p:nvPr>
             <p:ph type="body" orient="vert" idx="1"/>
@@ -2553,6 +2498,7 @@
               <a:rPr lang="zh-CN" altLang="en-US" smtClean="0"/>
               <a:t>单击此处编辑母版文本样式</a:t>
             </a:r>
+            <a:endParaRPr lang="zh-CN" altLang="en-US" smtClean="0"/>
           </a:p>
           <a:p>
             <a:pPr lvl="1"/>
@@ -2560,6 +2506,7 @@
               <a:rPr lang="zh-CN" altLang="en-US" smtClean="0"/>
               <a:t>第二级</a:t>
             </a:r>
+            <a:endParaRPr lang="zh-CN" altLang="en-US" smtClean="0"/>
           </a:p>
           <a:p>
             <a:pPr lvl="2"/>
@@ -2567,6 +2514,7 @@
               <a:rPr lang="zh-CN" altLang="en-US" smtClean="0"/>
               <a:t>第三级</a:t>
             </a:r>
+            <a:endParaRPr lang="zh-CN" altLang="en-US" smtClean="0"/>
           </a:p>
           <a:p>
             <a:pPr lvl="3"/>
@@ -2574,6 +2522,7 @@
               <a:rPr lang="zh-CN" altLang="en-US" smtClean="0"/>
               <a:t>第四级</a:t>
             </a:r>
+            <a:endParaRPr lang="zh-CN" altLang="en-US" smtClean="0"/>
           </a:p>
           <a:p>
             <a:pPr lvl="4"/>
@@ -2589,7 +2538,7 @@
         <p:nvSpPr>
           <p:cNvPr id="4" name="日期占位符 3"/>
           <p:cNvSpPr>
-            <a:spLocks noGrp="1"/>
+            <a:spLocks noGrp="true"/>
           </p:cNvSpPr>
           <p:nvPr>
             <p:ph type="dt" sz="half" idx="10"/>
@@ -2602,7 +2551,6 @@
           <a:p>
             <a:fld id="{D997B5FA-0921-464F-AAE1-844C04324D75}" type="datetimeFigureOut">
               <a:rPr lang="zh-CN" altLang="en-US" smtClean="0"/>
-              <a:t>2019/10/11</a:t>
             </a:fld>
             <a:endParaRPr lang="zh-CN" altLang="en-US"/>
           </a:p>
@@ -2612,7 +2560,7 @@
         <p:nvSpPr>
           <p:cNvPr id="5" name="页脚占位符 4"/>
           <p:cNvSpPr>
-            <a:spLocks noGrp="1"/>
+            <a:spLocks noGrp="true"/>
           </p:cNvSpPr>
           <p:nvPr>
             <p:ph type="ftr" sz="quarter" idx="11"/>
@@ -2631,7 +2579,7 @@
         <p:nvSpPr>
           <p:cNvPr id="6" name="灯片编号占位符 5"/>
           <p:cNvSpPr>
-            <a:spLocks noGrp="1"/>
+            <a:spLocks noGrp="true"/>
           </p:cNvSpPr>
           <p:nvPr>
             <p:ph type="sldNum" sz="quarter" idx="12"/>
@@ -2644,7 +2592,6 @@
           <a:p>
             <a:fld id="{565CE74E-AB26-4998-AD42-012C4C1AD076}" type="slidenum">
               <a:rPr lang="zh-CN" altLang="en-US" smtClean="0"/>
-              <a:t>‹#›</a:t>
             </a:fld>
             <a:endParaRPr lang="zh-CN" altLang="en-US"/>
           </a:p>
@@ -2679,7 +2626,7 @@
         <p:nvSpPr>
           <p:cNvPr id="2" name="标题 1"/>
           <p:cNvSpPr>
-            <a:spLocks noGrp="1"/>
+            <a:spLocks noGrp="true"/>
           </p:cNvSpPr>
           <p:nvPr>
             <p:ph type="title"/>
@@ -2702,7 +2649,7 @@
         <p:nvSpPr>
           <p:cNvPr id="3" name="内容占位符 2"/>
           <p:cNvSpPr>
-            <a:spLocks noGrp="1"/>
+            <a:spLocks noGrp="true"/>
           </p:cNvSpPr>
           <p:nvPr>
             <p:ph idx="1"/>
@@ -2718,6 +2665,7 @@
               <a:rPr lang="zh-CN" altLang="en-US" smtClean="0"/>
               <a:t>单击此处编辑母版文本样式</a:t>
             </a:r>
+            <a:endParaRPr lang="zh-CN" altLang="en-US" smtClean="0"/>
           </a:p>
           <a:p>
             <a:pPr lvl="1"/>
@@ -2725,6 +2673,7 @@
               <a:rPr lang="zh-CN" altLang="en-US" smtClean="0"/>
               <a:t>第二级</a:t>
             </a:r>
+            <a:endParaRPr lang="zh-CN" altLang="en-US" smtClean="0"/>
           </a:p>
           <a:p>
             <a:pPr lvl="2"/>
@@ -2732,6 +2681,7 @@
               <a:rPr lang="zh-CN" altLang="en-US" smtClean="0"/>
               <a:t>第三级</a:t>
             </a:r>
+            <a:endParaRPr lang="zh-CN" altLang="en-US" smtClean="0"/>
           </a:p>
           <a:p>
             <a:pPr lvl="3"/>
@@ -2739,6 +2689,7 @@
               <a:rPr lang="zh-CN" altLang="en-US" smtClean="0"/>
               <a:t>第四级</a:t>
             </a:r>
+            <a:endParaRPr lang="zh-CN" altLang="en-US" smtClean="0"/>
           </a:p>
           <a:p>
             <a:pPr lvl="4"/>
@@ -2754,7 +2705,7 @@
         <p:nvSpPr>
           <p:cNvPr id="4" name="日期占位符 3"/>
           <p:cNvSpPr>
-            <a:spLocks noGrp="1"/>
+            <a:spLocks noGrp="true"/>
           </p:cNvSpPr>
           <p:nvPr>
             <p:ph type="dt" sz="half" idx="10"/>
@@ -2767,7 +2718,6 @@
           <a:p>
             <a:fld id="{D997B5FA-0921-464F-AAE1-844C04324D75}" type="datetimeFigureOut">
               <a:rPr lang="zh-CN" altLang="en-US" smtClean="0"/>
-              <a:t>2019/10/11</a:t>
             </a:fld>
             <a:endParaRPr lang="zh-CN" altLang="en-US"/>
           </a:p>
@@ -2777,7 +2727,7 @@
         <p:nvSpPr>
           <p:cNvPr id="5" name="页脚占位符 4"/>
           <p:cNvSpPr>
-            <a:spLocks noGrp="1"/>
+            <a:spLocks noGrp="true"/>
           </p:cNvSpPr>
           <p:nvPr>
             <p:ph type="ftr" sz="quarter" idx="11"/>
@@ -2796,7 +2746,7 @@
         <p:nvSpPr>
           <p:cNvPr id="6" name="灯片编号占位符 5"/>
           <p:cNvSpPr>
-            <a:spLocks noGrp="1"/>
+            <a:spLocks noGrp="true"/>
           </p:cNvSpPr>
           <p:nvPr>
             <p:ph type="sldNum" sz="quarter" idx="12"/>
@@ -2809,7 +2759,6 @@
           <a:p>
             <a:fld id="{565CE74E-AB26-4998-AD42-012C4C1AD076}" type="slidenum">
               <a:rPr lang="zh-CN" altLang="en-US" smtClean="0"/>
-              <a:t>‹#›</a:t>
             </a:fld>
             <a:endParaRPr lang="zh-CN" altLang="en-US"/>
           </a:p>
@@ -2844,7 +2793,7 @@
         <p:nvSpPr>
           <p:cNvPr id="2" name="标题 1"/>
           <p:cNvSpPr>
-            <a:spLocks noGrp="1"/>
+            <a:spLocks noGrp="true"/>
           </p:cNvSpPr>
           <p:nvPr>
             <p:ph type="title"/>
@@ -2876,7 +2825,7 @@
         <p:nvSpPr>
           <p:cNvPr id="3" name="文本占位符 2"/>
           <p:cNvSpPr>
-            <a:spLocks noGrp="1"/>
+            <a:spLocks noGrp="true"/>
           </p:cNvSpPr>
           <p:nvPr>
             <p:ph type="body" idx="1"/>
@@ -2988,6 +2937,7 @@
               <a:rPr lang="zh-CN" altLang="en-US" smtClean="0"/>
               <a:t>单击此处编辑母版文本样式</a:t>
             </a:r>
+            <a:endParaRPr lang="zh-CN" altLang="en-US" smtClean="0"/>
           </a:p>
         </p:txBody>
       </p:sp>
@@ -2995,7 +2945,7 @@
         <p:nvSpPr>
           <p:cNvPr id="4" name="日期占位符 3"/>
           <p:cNvSpPr>
-            <a:spLocks noGrp="1"/>
+            <a:spLocks noGrp="true"/>
           </p:cNvSpPr>
           <p:nvPr>
             <p:ph type="dt" sz="half" idx="10"/>
@@ -3008,7 +2958,6 @@
           <a:p>
             <a:fld id="{D997B5FA-0921-464F-AAE1-844C04324D75}" type="datetimeFigureOut">
               <a:rPr lang="zh-CN" altLang="en-US" smtClean="0"/>
-              <a:t>2019/10/11</a:t>
             </a:fld>
             <a:endParaRPr lang="zh-CN" altLang="en-US"/>
           </a:p>
@@ -3018,7 +2967,7 @@
         <p:nvSpPr>
           <p:cNvPr id="5" name="页脚占位符 4"/>
           <p:cNvSpPr>
-            <a:spLocks noGrp="1"/>
+            <a:spLocks noGrp="true"/>
           </p:cNvSpPr>
           <p:nvPr>
             <p:ph type="ftr" sz="quarter" idx="11"/>
@@ -3037,7 +2986,7 @@
         <p:nvSpPr>
           <p:cNvPr id="6" name="灯片编号占位符 5"/>
           <p:cNvSpPr>
-            <a:spLocks noGrp="1"/>
+            <a:spLocks noGrp="true"/>
           </p:cNvSpPr>
           <p:nvPr>
             <p:ph type="sldNum" sz="quarter" idx="12"/>
@@ -3050,7 +2999,6 @@
           <a:p>
             <a:fld id="{565CE74E-AB26-4998-AD42-012C4C1AD076}" type="slidenum">
               <a:rPr lang="zh-CN" altLang="en-US" smtClean="0"/>
-              <a:t>‹#›</a:t>
             </a:fld>
             <a:endParaRPr lang="zh-CN" altLang="en-US"/>
           </a:p>
@@ -3085,7 +3033,7 @@
         <p:nvSpPr>
           <p:cNvPr id="2" name="标题 1"/>
           <p:cNvSpPr>
-            <a:spLocks noGrp="1"/>
+            <a:spLocks noGrp="true"/>
           </p:cNvSpPr>
           <p:nvPr>
             <p:ph type="title"/>
@@ -3108,7 +3056,7 @@
         <p:nvSpPr>
           <p:cNvPr id="3" name="内容占位符 2"/>
           <p:cNvSpPr>
-            <a:spLocks noGrp="1"/>
+            <a:spLocks noGrp="true"/>
           </p:cNvSpPr>
           <p:nvPr>
             <p:ph sz="half" idx="1"/>
@@ -3129,6 +3077,7 @@
               <a:rPr lang="zh-CN" altLang="en-US" smtClean="0"/>
               <a:t>单击此处编辑母版文本样式</a:t>
             </a:r>
+            <a:endParaRPr lang="zh-CN" altLang="en-US" smtClean="0"/>
           </a:p>
           <a:p>
             <a:pPr lvl="1"/>
@@ -3136,6 +3085,7 @@
               <a:rPr lang="zh-CN" altLang="en-US" smtClean="0"/>
               <a:t>第二级</a:t>
             </a:r>
+            <a:endParaRPr lang="zh-CN" altLang="en-US" smtClean="0"/>
           </a:p>
           <a:p>
             <a:pPr lvl="2"/>
@@ -3143,6 +3093,7 @@
               <a:rPr lang="zh-CN" altLang="en-US" smtClean="0"/>
               <a:t>第三级</a:t>
             </a:r>
+            <a:endParaRPr lang="zh-CN" altLang="en-US" smtClean="0"/>
           </a:p>
           <a:p>
             <a:pPr lvl="3"/>
@@ -3150,6 +3101,7 @@
               <a:rPr lang="zh-CN" altLang="en-US" smtClean="0"/>
               <a:t>第四级</a:t>
             </a:r>
+            <a:endParaRPr lang="zh-CN" altLang="en-US" smtClean="0"/>
           </a:p>
           <a:p>
             <a:pPr lvl="4"/>
@@ -3165,7 +3117,7 @@
         <p:nvSpPr>
           <p:cNvPr id="4" name="内容占位符 3"/>
           <p:cNvSpPr>
-            <a:spLocks noGrp="1"/>
+            <a:spLocks noGrp="true"/>
           </p:cNvSpPr>
           <p:nvPr>
             <p:ph sz="half" idx="2"/>
@@ -3186,6 +3138,7 @@
               <a:rPr lang="zh-CN" altLang="en-US" smtClean="0"/>
               <a:t>单击此处编辑母版文本样式</a:t>
             </a:r>
+            <a:endParaRPr lang="zh-CN" altLang="en-US" smtClean="0"/>
           </a:p>
           <a:p>
             <a:pPr lvl="1"/>
@@ -3193,6 +3146,7 @@
               <a:rPr lang="zh-CN" altLang="en-US" smtClean="0"/>
               <a:t>第二级</a:t>
             </a:r>
+            <a:endParaRPr lang="zh-CN" altLang="en-US" smtClean="0"/>
           </a:p>
           <a:p>
             <a:pPr lvl="2"/>
@@ -3200,6 +3154,7 @@
               <a:rPr lang="zh-CN" altLang="en-US" smtClean="0"/>
               <a:t>第三级</a:t>
             </a:r>
+            <a:endParaRPr lang="zh-CN" altLang="en-US" smtClean="0"/>
           </a:p>
           <a:p>
             <a:pPr lvl="3"/>
@@ -3207,6 +3162,7 @@
               <a:rPr lang="zh-CN" altLang="en-US" smtClean="0"/>
               <a:t>第四级</a:t>
             </a:r>
+            <a:endParaRPr lang="zh-CN" altLang="en-US" smtClean="0"/>
           </a:p>
           <a:p>
             <a:pPr lvl="4"/>
@@ -3222,7 +3178,7 @@
         <p:nvSpPr>
           <p:cNvPr id="5" name="日期占位符 4"/>
           <p:cNvSpPr>
-            <a:spLocks noGrp="1"/>
+            <a:spLocks noGrp="true"/>
           </p:cNvSpPr>
           <p:nvPr>
             <p:ph type="dt" sz="half" idx="10"/>
@@ -3235,7 +3191,6 @@
           <a:p>
             <a:fld id="{D997B5FA-0921-464F-AAE1-844C04324D75}" type="datetimeFigureOut">
               <a:rPr lang="zh-CN" altLang="en-US" smtClean="0"/>
-              <a:t>2019/10/11</a:t>
             </a:fld>
             <a:endParaRPr lang="zh-CN" altLang="en-US"/>
           </a:p>
@@ -3245,7 +3200,7 @@
         <p:nvSpPr>
           <p:cNvPr id="6" name="页脚占位符 5"/>
           <p:cNvSpPr>
-            <a:spLocks noGrp="1"/>
+            <a:spLocks noGrp="true"/>
           </p:cNvSpPr>
           <p:nvPr>
             <p:ph type="ftr" sz="quarter" idx="11"/>
@@ -3264,7 +3219,7 @@
         <p:nvSpPr>
           <p:cNvPr id="7" name="灯片编号占位符 6"/>
           <p:cNvSpPr>
-            <a:spLocks noGrp="1"/>
+            <a:spLocks noGrp="true"/>
           </p:cNvSpPr>
           <p:nvPr>
             <p:ph type="sldNum" sz="quarter" idx="12"/>
@@ -3277,7 +3232,6 @@
           <a:p>
             <a:fld id="{565CE74E-AB26-4998-AD42-012C4C1AD076}" type="slidenum">
               <a:rPr lang="zh-CN" altLang="en-US" smtClean="0"/>
-              <a:t>‹#›</a:t>
             </a:fld>
             <a:endParaRPr lang="zh-CN" altLang="en-US"/>
           </a:p>
@@ -3312,7 +3266,7 @@
         <p:nvSpPr>
           <p:cNvPr id="2" name="标题 1"/>
           <p:cNvSpPr>
-            <a:spLocks noGrp="1"/>
+            <a:spLocks noGrp="true"/>
           </p:cNvSpPr>
           <p:nvPr>
             <p:ph type="title"/>
@@ -3340,7 +3294,7 @@
         <p:nvSpPr>
           <p:cNvPr id="3" name="文本占位符 2"/>
           <p:cNvSpPr>
-            <a:spLocks noGrp="1"/>
+            <a:spLocks noGrp="true"/>
           </p:cNvSpPr>
           <p:nvPr>
             <p:ph type="body" idx="1"/>
@@ -3398,6 +3352,7 @@
               <a:rPr lang="zh-CN" altLang="en-US" smtClean="0"/>
               <a:t>单击此处编辑母版文本样式</a:t>
             </a:r>
+            <a:endParaRPr lang="zh-CN" altLang="en-US" smtClean="0"/>
           </a:p>
         </p:txBody>
       </p:sp>
@@ -3405,7 +3360,7 @@
         <p:nvSpPr>
           <p:cNvPr id="4" name="内容占位符 3"/>
           <p:cNvSpPr>
-            <a:spLocks noGrp="1"/>
+            <a:spLocks noGrp="true"/>
           </p:cNvSpPr>
           <p:nvPr>
             <p:ph sz="half" idx="2"/>
@@ -3426,6 +3381,7 @@
               <a:rPr lang="zh-CN" altLang="en-US" smtClean="0"/>
               <a:t>单击此处编辑母版文本样式</a:t>
             </a:r>
+            <a:endParaRPr lang="zh-CN" altLang="en-US" smtClean="0"/>
           </a:p>
           <a:p>
             <a:pPr lvl="1"/>
@@ -3433,6 +3389,7 @@
               <a:rPr lang="zh-CN" altLang="en-US" smtClean="0"/>
               <a:t>第二级</a:t>
             </a:r>
+            <a:endParaRPr lang="zh-CN" altLang="en-US" smtClean="0"/>
           </a:p>
           <a:p>
             <a:pPr lvl="2"/>
@@ -3440,6 +3397,7 @@
               <a:rPr lang="zh-CN" altLang="en-US" smtClean="0"/>
               <a:t>第三级</a:t>
             </a:r>
+            <a:endParaRPr lang="zh-CN" altLang="en-US" smtClean="0"/>
           </a:p>
           <a:p>
             <a:pPr lvl="3"/>
@@ -3447,6 +3405,7 @@
               <a:rPr lang="zh-CN" altLang="en-US" smtClean="0"/>
               <a:t>第四级</a:t>
             </a:r>
+            <a:endParaRPr lang="zh-CN" altLang="en-US" smtClean="0"/>
           </a:p>
           <a:p>
             <a:pPr lvl="4"/>
@@ -3462,7 +3421,7 @@
         <p:nvSpPr>
           <p:cNvPr id="5" name="文本占位符 4"/>
           <p:cNvSpPr>
-            <a:spLocks noGrp="1"/>
+            <a:spLocks noGrp="true"/>
           </p:cNvSpPr>
           <p:nvPr>
             <p:ph type="body" sz="quarter" idx="3"/>
@@ -3520,6 +3479,7 @@
               <a:rPr lang="zh-CN" altLang="en-US" smtClean="0"/>
               <a:t>单击此处编辑母版文本样式</a:t>
             </a:r>
+            <a:endParaRPr lang="zh-CN" altLang="en-US" smtClean="0"/>
           </a:p>
         </p:txBody>
       </p:sp>
@@ -3527,7 +3487,7 @@
         <p:nvSpPr>
           <p:cNvPr id="6" name="内容占位符 5"/>
           <p:cNvSpPr>
-            <a:spLocks noGrp="1"/>
+            <a:spLocks noGrp="true"/>
           </p:cNvSpPr>
           <p:nvPr>
             <p:ph sz="quarter" idx="4"/>
@@ -3548,6 +3508,7 @@
               <a:rPr lang="zh-CN" altLang="en-US" smtClean="0"/>
               <a:t>单击此处编辑母版文本样式</a:t>
             </a:r>
+            <a:endParaRPr lang="zh-CN" altLang="en-US" smtClean="0"/>
           </a:p>
           <a:p>
             <a:pPr lvl="1"/>
@@ -3555,6 +3516,7 @@
               <a:rPr lang="zh-CN" altLang="en-US" smtClean="0"/>
               <a:t>第二级</a:t>
             </a:r>
+            <a:endParaRPr lang="zh-CN" altLang="en-US" smtClean="0"/>
           </a:p>
           <a:p>
             <a:pPr lvl="2"/>
@@ -3562,6 +3524,7 @@
               <a:rPr lang="zh-CN" altLang="en-US" smtClean="0"/>
               <a:t>第三级</a:t>
             </a:r>
+            <a:endParaRPr lang="zh-CN" altLang="en-US" smtClean="0"/>
           </a:p>
           <a:p>
             <a:pPr lvl="3"/>
@@ -3569,6 +3532,7 @@
               <a:rPr lang="zh-CN" altLang="en-US" smtClean="0"/>
               <a:t>第四级</a:t>
             </a:r>
+            <a:endParaRPr lang="zh-CN" altLang="en-US" smtClean="0"/>
           </a:p>
           <a:p>
             <a:pPr lvl="4"/>
@@ -3584,7 +3548,7 @@
         <p:nvSpPr>
           <p:cNvPr id="7" name="日期占位符 6"/>
           <p:cNvSpPr>
-            <a:spLocks noGrp="1"/>
+            <a:spLocks noGrp="true"/>
           </p:cNvSpPr>
           <p:nvPr>
             <p:ph type="dt" sz="half" idx="10"/>
@@ -3597,7 +3561,6 @@
           <a:p>
             <a:fld id="{D997B5FA-0921-464F-AAE1-844C04324D75}" type="datetimeFigureOut">
               <a:rPr lang="zh-CN" altLang="en-US" smtClean="0"/>
-              <a:t>2019/10/11</a:t>
             </a:fld>
             <a:endParaRPr lang="zh-CN" altLang="en-US"/>
           </a:p>
@@ -3607,7 +3570,7 @@
         <p:nvSpPr>
           <p:cNvPr id="8" name="页脚占位符 7"/>
           <p:cNvSpPr>
-            <a:spLocks noGrp="1"/>
+            <a:spLocks noGrp="true"/>
           </p:cNvSpPr>
           <p:nvPr>
             <p:ph type="ftr" sz="quarter" idx="11"/>
@@ -3626,7 +3589,7 @@
         <p:nvSpPr>
           <p:cNvPr id="9" name="灯片编号占位符 8"/>
           <p:cNvSpPr>
-            <a:spLocks noGrp="1"/>
+            <a:spLocks noGrp="true"/>
           </p:cNvSpPr>
           <p:nvPr>
             <p:ph type="sldNum" sz="quarter" idx="12"/>
@@ -3639,7 +3602,6 @@
           <a:p>
             <a:fld id="{565CE74E-AB26-4998-AD42-012C4C1AD076}" type="slidenum">
               <a:rPr lang="zh-CN" altLang="en-US" smtClean="0"/>
-              <a:t>‹#›</a:t>
             </a:fld>
             <a:endParaRPr lang="zh-CN" altLang="en-US"/>
           </a:p>
@@ -3674,7 +3636,7 @@
         <p:nvSpPr>
           <p:cNvPr id="2" name="标题 1"/>
           <p:cNvSpPr>
-            <a:spLocks noGrp="1"/>
+            <a:spLocks noGrp="true"/>
           </p:cNvSpPr>
           <p:nvPr>
             <p:ph type="title"/>
@@ -3697,7 +3659,7 @@
         <p:nvSpPr>
           <p:cNvPr id="3" name="日期占位符 2"/>
           <p:cNvSpPr>
-            <a:spLocks noGrp="1"/>
+            <a:spLocks noGrp="true"/>
           </p:cNvSpPr>
           <p:nvPr>
             <p:ph type="dt" sz="half" idx="10"/>
@@ -3710,7 +3672,6 @@
           <a:p>
             <a:fld id="{D997B5FA-0921-464F-AAE1-844C04324D75}" type="datetimeFigureOut">
               <a:rPr lang="zh-CN" altLang="en-US" smtClean="0"/>
-              <a:t>2019/10/11</a:t>
             </a:fld>
             <a:endParaRPr lang="zh-CN" altLang="en-US"/>
           </a:p>
@@ -3720,7 +3681,7 @@
         <p:nvSpPr>
           <p:cNvPr id="4" name="页脚占位符 3"/>
           <p:cNvSpPr>
-            <a:spLocks noGrp="1"/>
+            <a:spLocks noGrp="true"/>
           </p:cNvSpPr>
           <p:nvPr>
             <p:ph type="ftr" sz="quarter" idx="11"/>
@@ -3739,7 +3700,7 @@
         <p:nvSpPr>
           <p:cNvPr id="5" name="灯片编号占位符 4"/>
           <p:cNvSpPr>
-            <a:spLocks noGrp="1"/>
+            <a:spLocks noGrp="true"/>
           </p:cNvSpPr>
           <p:nvPr>
             <p:ph type="sldNum" sz="quarter" idx="12"/>
@@ -3752,7 +3713,6 @@
           <a:p>
             <a:fld id="{565CE74E-AB26-4998-AD42-012C4C1AD076}" type="slidenum">
               <a:rPr lang="zh-CN" altLang="en-US" smtClean="0"/>
-              <a:t>‹#›</a:t>
             </a:fld>
             <a:endParaRPr lang="zh-CN" altLang="en-US"/>
           </a:p>
@@ -3787,7 +3747,7 @@
         <p:nvSpPr>
           <p:cNvPr id="2" name="日期占位符 1"/>
           <p:cNvSpPr>
-            <a:spLocks noGrp="1"/>
+            <a:spLocks noGrp="true"/>
           </p:cNvSpPr>
           <p:nvPr>
             <p:ph type="dt" sz="half" idx="10"/>
@@ -3800,7 +3760,6 @@
           <a:p>
             <a:fld id="{D997B5FA-0921-464F-AAE1-844C04324D75}" type="datetimeFigureOut">
               <a:rPr lang="zh-CN" altLang="en-US" smtClean="0"/>
-              <a:t>2019/10/11</a:t>
             </a:fld>
             <a:endParaRPr lang="zh-CN" altLang="en-US"/>
           </a:p>
@@ -3810,7 +3769,7 @@
         <p:nvSpPr>
           <p:cNvPr id="3" name="页脚占位符 2"/>
           <p:cNvSpPr>
-            <a:spLocks noGrp="1"/>
+            <a:spLocks noGrp="true"/>
           </p:cNvSpPr>
           <p:nvPr>
             <p:ph type="ftr" sz="quarter" idx="11"/>
@@ -3829,7 +3788,7 @@
         <p:nvSpPr>
           <p:cNvPr id="4" name="灯片编号占位符 3"/>
           <p:cNvSpPr>
-            <a:spLocks noGrp="1"/>
+            <a:spLocks noGrp="true"/>
           </p:cNvSpPr>
           <p:nvPr>
             <p:ph type="sldNum" sz="quarter" idx="12"/>
@@ -3842,7 +3801,6 @@
           <a:p>
             <a:fld id="{565CE74E-AB26-4998-AD42-012C4C1AD076}" type="slidenum">
               <a:rPr lang="zh-CN" altLang="en-US" smtClean="0"/>
-              <a:t>‹#›</a:t>
             </a:fld>
             <a:endParaRPr lang="zh-CN" altLang="en-US"/>
           </a:p>
@@ -3877,7 +3835,7 @@
         <p:nvSpPr>
           <p:cNvPr id="2" name="标题 1"/>
           <p:cNvSpPr>
-            <a:spLocks noGrp="1"/>
+            <a:spLocks noGrp="true"/>
           </p:cNvSpPr>
           <p:nvPr>
             <p:ph type="title"/>
@@ -3909,7 +3867,7 @@
         <p:nvSpPr>
           <p:cNvPr id="3" name="内容占位符 2"/>
           <p:cNvSpPr>
-            <a:spLocks noGrp="1"/>
+            <a:spLocks noGrp="true"/>
           </p:cNvSpPr>
           <p:nvPr>
             <p:ph idx="1"/>
@@ -3958,6 +3916,7 @@
               <a:rPr lang="zh-CN" altLang="en-US" smtClean="0"/>
               <a:t>单击此处编辑母版文本样式</a:t>
             </a:r>
+            <a:endParaRPr lang="zh-CN" altLang="en-US" smtClean="0"/>
           </a:p>
           <a:p>
             <a:pPr lvl="1"/>
@@ -3965,6 +3924,7 @@
               <a:rPr lang="zh-CN" altLang="en-US" smtClean="0"/>
               <a:t>第二级</a:t>
             </a:r>
+            <a:endParaRPr lang="zh-CN" altLang="en-US" smtClean="0"/>
           </a:p>
           <a:p>
             <a:pPr lvl="2"/>
@@ -3972,6 +3932,7 @@
               <a:rPr lang="zh-CN" altLang="en-US" smtClean="0"/>
               <a:t>第三级</a:t>
             </a:r>
+            <a:endParaRPr lang="zh-CN" altLang="en-US" smtClean="0"/>
           </a:p>
           <a:p>
             <a:pPr lvl="3"/>
@@ -3979,6 +3940,7 @@
               <a:rPr lang="zh-CN" altLang="en-US" smtClean="0"/>
               <a:t>第四级</a:t>
             </a:r>
+            <a:endParaRPr lang="zh-CN" altLang="en-US" smtClean="0"/>
           </a:p>
           <a:p>
             <a:pPr lvl="4"/>
@@ -3994,7 +3956,7 @@
         <p:nvSpPr>
           <p:cNvPr id="4" name="文本占位符 3"/>
           <p:cNvSpPr>
-            <a:spLocks noGrp="1"/>
+            <a:spLocks noGrp="true"/>
           </p:cNvSpPr>
           <p:nvPr>
             <p:ph type="body" sz="half" idx="2"/>
@@ -4052,6 +4014,7 @@
               <a:rPr lang="zh-CN" altLang="en-US" smtClean="0"/>
               <a:t>单击此处编辑母版文本样式</a:t>
             </a:r>
+            <a:endParaRPr lang="zh-CN" altLang="en-US" smtClean="0"/>
           </a:p>
         </p:txBody>
       </p:sp>
@@ -4059,7 +4022,7 @@
         <p:nvSpPr>
           <p:cNvPr id="5" name="日期占位符 4"/>
           <p:cNvSpPr>
-            <a:spLocks noGrp="1"/>
+            <a:spLocks noGrp="true"/>
           </p:cNvSpPr>
           <p:nvPr>
             <p:ph type="dt" sz="half" idx="10"/>
@@ -4072,7 +4035,6 @@
           <a:p>
             <a:fld id="{D997B5FA-0921-464F-AAE1-844C04324D75}" type="datetimeFigureOut">
               <a:rPr lang="zh-CN" altLang="en-US" smtClean="0"/>
-              <a:t>2019/10/11</a:t>
             </a:fld>
             <a:endParaRPr lang="zh-CN" altLang="en-US"/>
           </a:p>
@@ -4082,7 +4044,7 @@
         <p:nvSpPr>
           <p:cNvPr id="6" name="页脚占位符 5"/>
           <p:cNvSpPr>
-            <a:spLocks noGrp="1"/>
+            <a:spLocks noGrp="true"/>
           </p:cNvSpPr>
           <p:nvPr>
             <p:ph type="ftr" sz="quarter" idx="11"/>
@@ -4101,7 +4063,7 @@
         <p:nvSpPr>
           <p:cNvPr id="7" name="灯片编号占位符 6"/>
           <p:cNvSpPr>
-            <a:spLocks noGrp="1"/>
+            <a:spLocks noGrp="true"/>
           </p:cNvSpPr>
           <p:nvPr>
             <p:ph type="sldNum" sz="quarter" idx="12"/>
@@ -4114,7 +4076,6 @@
           <a:p>
             <a:fld id="{565CE74E-AB26-4998-AD42-012C4C1AD076}" type="slidenum">
               <a:rPr lang="zh-CN" altLang="en-US" smtClean="0"/>
-              <a:t>‹#›</a:t>
             </a:fld>
             <a:endParaRPr lang="zh-CN" altLang="en-US"/>
           </a:p>
@@ -4149,7 +4110,7 @@
         <p:nvSpPr>
           <p:cNvPr id="2" name="标题 1"/>
           <p:cNvSpPr>
-            <a:spLocks noGrp="1"/>
+            <a:spLocks noGrp="true"/>
           </p:cNvSpPr>
           <p:nvPr>
             <p:ph type="title"/>
@@ -4181,7 +4142,7 @@
         <p:nvSpPr>
           <p:cNvPr id="3" name="图片占位符 2"/>
           <p:cNvSpPr>
-            <a:spLocks noGrp="1"/>
+            <a:spLocks noGrp="true"/>
           </p:cNvSpPr>
           <p:nvPr>
             <p:ph type="pic" idx="1"/>
@@ -4242,7 +4203,7 @@
         <p:nvSpPr>
           <p:cNvPr id="4" name="文本占位符 3"/>
           <p:cNvSpPr>
-            <a:spLocks noGrp="1"/>
+            <a:spLocks noGrp="true"/>
           </p:cNvSpPr>
           <p:nvPr>
             <p:ph type="body" sz="half" idx="2"/>
@@ -4300,6 +4261,7 @@
               <a:rPr lang="zh-CN" altLang="en-US" smtClean="0"/>
               <a:t>单击此处编辑母版文本样式</a:t>
             </a:r>
+            <a:endParaRPr lang="zh-CN" altLang="en-US" smtClean="0"/>
           </a:p>
         </p:txBody>
       </p:sp>
@@ -4307,7 +4269,7 @@
         <p:nvSpPr>
           <p:cNvPr id="5" name="日期占位符 4"/>
           <p:cNvSpPr>
-            <a:spLocks noGrp="1"/>
+            <a:spLocks noGrp="true"/>
           </p:cNvSpPr>
           <p:nvPr>
             <p:ph type="dt" sz="half" idx="10"/>
@@ -4320,7 +4282,6 @@
           <a:p>
             <a:fld id="{D997B5FA-0921-464F-AAE1-844C04324D75}" type="datetimeFigureOut">
               <a:rPr lang="zh-CN" altLang="en-US" smtClean="0"/>
-              <a:t>2019/10/11</a:t>
             </a:fld>
             <a:endParaRPr lang="zh-CN" altLang="en-US"/>
           </a:p>
@@ -4330,7 +4291,7 @@
         <p:nvSpPr>
           <p:cNvPr id="6" name="页脚占位符 5"/>
           <p:cNvSpPr>
-            <a:spLocks noGrp="1"/>
+            <a:spLocks noGrp="true"/>
           </p:cNvSpPr>
           <p:nvPr>
             <p:ph type="ftr" sz="quarter" idx="11"/>
@@ -4349,7 +4310,7 @@
         <p:nvSpPr>
           <p:cNvPr id="7" name="灯片编号占位符 6"/>
           <p:cNvSpPr>
-            <a:spLocks noGrp="1"/>
+            <a:spLocks noGrp="true"/>
           </p:cNvSpPr>
           <p:nvPr>
             <p:ph type="sldNum" sz="quarter" idx="12"/>
@@ -4362,7 +4323,6 @@
           <a:p>
             <a:fld id="{565CE74E-AB26-4998-AD42-012C4C1AD076}" type="slidenum">
               <a:rPr lang="zh-CN" altLang="en-US" smtClean="0"/>
-              <a:t>‹#›</a:t>
             </a:fld>
             <a:endParaRPr lang="zh-CN" altLang="en-US"/>
           </a:p>
@@ -4402,7 +4362,7 @@
         <p:nvSpPr>
           <p:cNvPr id="2" name="标题占位符 1"/>
           <p:cNvSpPr>
-            <a:spLocks noGrp="1"/>
+            <a:spLocks noGrp="true"/>
           </p:cNvSpPr>
           <p:nvPr>
             <p:ph type="title"/>
@@ -4435,7 +4395,7 @@
         <p:nvSpPr>
           <p:cNvPr id="3" name="文本占位符 2"/>
           <p:cNvSpPr>
-            <a:spLocks noGrp="1"/>
+            <a:spLocks noGrp="true"/>
           </p:cNvSpPr>
           <p:nvPr>
             <p:ph type="body" idx="1"/>
@@ -4461,6 +4421,7 @@
               <a:rPr lang="zh-CN" altLang="en-US" smtClean="0"/>
               <a:t>单击此处编辑母版文本样式</a:t>
             </a:r>
+            <a:endParaRPr lang="zh-CN" altLang="en-US" smtClean="0"/>
           </a:p>
           <a:p>
             <a:pPr lvl="1"/>
@@ -4468,6 +4429,7 @@
               <a:rPr lang="zh-CN" altLang="en-US" smtClean="0"/>
               <a:t>第二级</a:t>
             </a:r>
+            <a:endParaRPr lang="zh-CN" altLang="en-US" smtClean="0"/>
           </a:p>
           <a:p>
             <a:pPr lvl="2"/>
@@ -4475,6 +4437,7 @@
               <a:rPr lang="zh-CN" altLang="en-US" smtClean="0"/>
               <a:t>第三级</a:t>
             </a:r>
+            <a:endParaRPr lang="zh-CN" altLang="en-US" smtClean="0"/>
           </a:p>
           <a:p>
             <a:pPr lvl="3"/>
@@ -4482,6 +4445,7 @@
               <a:rPr lang="zh-CN" altLang="en-US" smtClean="0"/>
               <a:t>第四级</a:t>
             </a:r>
+            <a:endParaRPr lang="zh-CN" altLang="en-US" smtClean="0"/>
           </a:p>
           <a:p>
             <a:pPr lvl="4"/>
@@ -4497,7 +4461,7 @@
         <p:nvSpPr>
           <p:cNvPr id="4" name="日期占位符 3"/>
           <p:cNvSpPr>
-            <a:spLocks noGrp="1"/>
+            <a:spLocks noGrp="true"/>
           </p:cNvSpPr>
           <p:nvPr>
             <p:ph type="dt" sz="half" idx="2"/>
@@ -4528,7 +4492,6 @@
           <a:p>
             <a:fld id="{D997B5FA-0921-464F-AAE1-844C04324D75}" type="datetimeFigureOut">
               <a:rPr lang="zh-CN" altLang="en-US" smtClean="0"/>
-              <a:t>2019/10/11</a:t>
             </a:fld>
             <a:endParaRPr lang="zh-CN" altLang="en-US"/>
           </a:p>
@@ -4538,7 +4501,7 @@
         <p:nvSpPr>
           <p:cNvPr id="5" name="页脚占位符 4"/>
           <p:cNvSpPr>
-            <a:spLocks noGrp="1"/>
+            <a:spLocks noGrp="true"/>
           </p:cNvSpPr>
           <p:nvPr>
             <p:ph type="ftr" sz="quarter" idx="3"/>
@@ -4575,7 +4538,7 @@
         <p:nvSpPr>
           <p:cNvPr id="6" name="灯片编号占位符 5"/>
           <p:cNvSpPr>
-            <a:spLocks noGrp="1"/>
+            <a:spLocks noGrp="true"/>
           </p:cNvSpPr>
           <p:nvPr>
             <p:ph type="sldNum" sz="quarter" idx="4"/>
@@ -4606,7 +4569,6 @@
           <a:p>
             <a:fld id="{565CE74E-AB26-4998-AD42-012C4C1AD076}" type="slidenum">
               <a:rPr lang="zh-CN" altLang="en-US" smtClean="0"/>
-              <a:t>‹#›</a:t>
             </a:fld>
             <a:endParaRPr lang="zh-CN" altLang="en-US"/>
           </a:p>
@@ -4656,7 +4618,7 @@
         <a:spcBef>
           <a:spcPts val="1000"/>
         </a:spcBef>
-        <a:buFont typeface="Arial" panose="020B0604020202020204" pitchFamily="34" charset="0"/>
+        <a:buFont typeface="Arial" panose="02080604020202020204" pitchFamily="34" charset="0"/>
         <a:buChar char="•"/>
         <a:defRPr sz="2800" kern="1200">
           <a:solidFill>
@@ -4674,7 +4636,7 @@
         <a:spcBef>
           <a:spcPts val="500"/>
         </a:spcBef>
-        <a:buFont typeface="Arial" panose="020B0604020202020204" pitchFamily="34" charset="0"/>
+        <a:buFont typeface="Arial" panose="02080604020202020204" pitchFamily="34" charset="0"/>
         <a:buChar char="•"/>
         <a:defRPr sz="2400" kern="1200">
           <a:solidFill>
@@ -4692,7 +4654,7 @@
         <a:spcBef>
           <a:spcPts val="500"/>
         </a:spcBef>
-        <a:buFont typeface="Arial" panose="020B0604020202020204" pitchFamily="34" charset="0"/>
+        <a:buFont typeface="Arial" panose="02080604020202020204" pitchFamily="34" charset="0"/>
         <a:buChar char="•"/>
         <a:defRPr sz="2000" kern="1200">
           <a:solidFill>
@@ -4710,7 +4672,7 @@
         <a:spcBef>
           <a:spcPts val="500"/>
         </a:spcBef>
-        <a:buFont typeface="Arial" panose="020B0604020202020204" pitchFamily="34" charset="0"/>
+        <a:buFont typeface="Arial" panose="02080604020202020204" pitchFamily="34" charset="0"/>
         <a:buChar char="•"/>
         <a:defRPr sz="1800" kern="1200">
           <a:solidFill>
@@ -4728,7 +4690,7 @@
         <a:spcBef>
           <a:spcPts val="500"/>
         </a:spcBef>
-        <a:buFont typeface="Arial" panose="020B0604020202020204" pitchFamily="34" charset="0"/>
+        <a:buFont typeface="Arial" panose="02080604020202020204" pitchFamily="34" charset="0"/>
         <a:buChar char="•"/>
         <a:defRPr sz="1800" kern="1200">
           <a:solidFill>
@@ -4746,7 +4708,7 @@
         <a:spcBef>
           <a:spcPts val="500"/>
         </a:spcBef>
-        <a:buFont typeface="Arial" panose="020B0604020202020204" pitchFamily="34" charset="0"/>
+        <a:buFont typeface="Arial" panose="02080604020202020204" pitchFamily="34" charset="0"/>
         <a:buChar char="•"/>
         <a:defRPr sz="1800" kern="1200">
           <a:solidFill>
@@ -4764,7 +4726,7 @@
         <a:spcBef>
           <a:spcPts val="500"/>
         </a:spcBef>
-        <a:buFont typeface="Arial" panose="020B0604020202020204" pitchFamily="34" charset="0"/>
+        <a:buFont typeface="Arial" panose="02080604020202020204" pitchFamily="34" charset="0"/>
         <a:buChar char="•"/>
         <a:defRPr sz="1800" kern="1200">
           <a:solidFill>
@@ -4782,7 +4744,7 @@
         <a:spcBef>
           <a:spcPts val="500"/>
         </a:spcBef>
-        <a:buFont typeface="Arial" panose="020B0604020202020204" pitchFamily="34" charset="0"/>
+        <a:buFont typeface="Arial" panose="02080604020202020204" pitchFamily="34" charset="0"/>
         <a:buChar char="•"/>
         <a:defRPr sz="1800" kern="1200">
           <a:solidFill>
@@ -4800,7 +4762,7 @@
         <a:spcBef>
           <a:spcPts val="500"/>
         </a:spcBef>
-        <a:buFont typeface="Arial" panose="020B0604020202020204" pitchFamily="34" charset="0"/>
+        <a:buFont typeface="Arial" panose="02080604020202020204" pitchFamily="34" charset="0"/>
         <a:buChar char="•"/>
         <a:defRPr sz="1800" kern="1200">
           <a:solidFill>
@@ -5054,6 +5016,7 @@
               <a:rPr lang="en-US" altLang="zh-CN" sz="3200" b="1" dirty="0"/>
               <a:t>v1.1</a:t>
             </a:r>
+            <a:endParaRPr lang="en-US" altLang="zh-CN" sz="3200" b="1" dirty="0"/>
           </a:p>
         </p:txBody>
       </p:sp>
@@ -5247,6 +5210,15 @@
               </a:rPr>
               <a:t>调度中心</a:t>
             </a:r>
+            <a:endParaRPr lang="zh-CN" altLang="en-US" sz="2400" b="1">
+              <a:solidFill>
+                <a:schemeClr val="accent5">
+                  <a:lumMod val="50000"/>
+                </a:schemeClr>
+              </a:solidFill>
+              <a:latin typeface="微软雅黑" panose="020B0503020204020204" charset="-122"/>
+              <a:ea typeface="微软雅黑" panose="020B0503020204020204" charset="-122"/>
+            </a:endParaRPr>
           </a:p>
         </p:txBody>
       </p:sp>
@@ -5343,6 +5315,13 @@
               </a:rPr>
               <a:t>任务池</a:t>
             </a:r>
+            <a:endParaRPr lang="zh-CN" altLang="en-US" b="1">
+              <a:solidFill>
+                <a:schemeClr val="tx1"/>
+              </a:solidFill>
+              <a:latin typeface="微软雅黑" panose="020B0503020204020204" charset="-122"/>
+              <a:ea typeface="微软雅黑" panose="020B0503020204020204" charset="-122"/>
+            </a:endParaRPr>
           </a:p>
         </p:txBody>
       </p:sp>
@@ -5394,6 +5373,10 @@
               </a:rPr>
               <a:t>JOB</a:t>
             </a:r>
+            <a:endParaRPr lang="en-US" altLang="zh-CN" dirty="0">
+              <a:latin typeface="微软雅黑" panose="020B0503020204020204" charset="-122"/>
+              <a:ea typeface="微软雅黑" panose="020B0503020204020204" charset="-122"/>
+            </a:endParaRPr>
           </a:p>
         </p:txBody>
       </p:sp>
@@ -5460,6 +5443,10 @@
               </a:rPr>
               <a:t>JOB</a:t>
             </a:r>
+            <a:endParaRPr lang="en-US" altLang="zh-CN" dirty="0">
+              <a:latin typeface="微软雅黑" panose="020B0503020204020204" charset="-122"/>
+              <a:ea typeface="微软雅黑" panose="020B0503020204020204" charset="-122"/>
+            </a:endParaRPr>
           </a:p>
         </p:txBody>
       </p:sp>
@@ -5504,6 +5491,10 @@
               </a:rPr>
               <a:t>……</a:t>
             </a:r>
+            <a:endParaRPr lang="en-US" altLang="zh-CN" dirty="0">
+              <a:latin typeface="微软雅黑" panose="020B0503020204020204" charset="-122"/>
+              <a:ea typeface="微软雅黑" panose="020B0503020204020204" charset="-122"/>
+            </a:endParaRPr>
           </a:p>
         </p:txBody>
       </p:sp>
@@ -5560,6 +5551,10 @@
               </a:rPr>
               <a:t>A</a:t>
             </a:r>
+            <a:endParaRPr lang="en-US" altLang="zh-CN" dirty="0">
+              <a:latin typeface="微软雅黑" panose="020B0503020204020204" charset="-122"/>
+              <a:ea typeface="微软雅黑" panose="020B0503020204020204" charset="-122"/>
+            </a:endParaRPr>
           </a:p>
           <a:p>
             <a:pPr algn="ctr"/>
@@ -5570,6 +5565,10 @@
               </a:rPr>
               <a:t>【block】</a:t>
             </a:r>
+            <a:endParaRPr lang="zh-CN" altLang="en-US">
+              <a:latin typeface="微软雅黑" panose="020B0503020204020204" charset="-122"/>
+              <a:ea typeface="微软雅黑" panose="020B0503020204020204" charset="-122"/>
+            </a:endParaRPr>
           </a:p>
         </p:txBody>
       </p:sp>
@@ -5626,6 +5625,10 @@
               </a:rPr>
               <a:t>B</a:t>
             </a:r>
+            <a:endParaRPr lang="en-US" altLang="zh-CN" dirty="0">
+              <a:latin typeface="微软雅黑" panose="020B0503020204020204" charset="-122"/>
+              <a:ea typeface="微软雅黑" panose="020B0503020204020204" charset="-122"/>
+            </a:endParaRPr>
           </a:p>
           <a:p>
             <a:pPr algn="ctr"/>
@@ -5692,6 +5695,10 @@
               </a:rPr>
               <a:t>C</a:t>
             </a:r>
+            <a:endParaRPr lang="en-US" altLang="zh-CN" dirty="0">
+              <a:latin typeface="微软雅黑" panose="020B0503020204020204" charset="-122"/>
+              <a:ea typeface="微软雅黑" panose="020B0503020204020204" charset="-122"/>
+            </a:endParaRPr>
           </a:p>
           <a:p>
             <a:pPr algn="ctr"/>
@@ -5756,6 +5763,13 @@
               </a:rPr>
               <a:t>调度日志</a:t>
             </a:r>
+            <a:endParaRPr lang="zh-CN" altLang="en-US" b="1">
+              <a:solidFill>
+                <a:schemeClr val="tx1"/>
+              </a:solidFill>
+              <a:latin typeface="微软雅黑" panose="020B0503020204020204" charset="-122"/>
+              <a:ea typeface="微软雅黑" panose="020B0503020204020204" charset="-122"/>
+            </a:endParaRPr>
           </a:p>
         </p:txBody>
       </p:sp>
@@ -5965,6 +5979,15 @@
               </a:rPr>
               <a:t>执行器</a:t>
             </a:r>
+            <a:endParaRPr lang="zh-CN" altLang="en-US" sz="2400" b="1">
+              <a:solidFill>
+                <a:schemeClr val="accent1">
+                  <a:lumMod val="50000"/>
+                </a:schemeClr>
+              </a:solidFill>
+              <a:latin typeface="微软雅黑" panose="020B0503020204020204" charset="-122"/>
+              <a:ea typeface="微软雅黑" panose="020B0503020204020204" charset="-122"/>
+            </a:endParaRPr>
           </a:p>
         </p:txBody>
       </p:sp>
@@ -6140,6 +6163,10 @@
               </a:rPr>
               <a:t>调度队列</a:t>
             </a:r>
+            <a:endParaRPr lang="zh-CN" altLang="en-US" sz="1600" b="1">
+              <a:latin typeface="微软雅黑" panose="020B0503020204020204" charset="-122"/>
+              <a:ea typeface="微软雅黑" panose="020B0503020204020204" charset="-122"/>
+            </a:endParaRPr>
           </a:p>
         </p:txBody>
       </p:sp>
@@ -6232,6 +6259,10 @@
               </a:rPr>
               <a:t>调度请求</a:t>
             </a:r>
+            <a:endParaRPr lang="zh-CN" altLang="en-US" sz="1600">
+              <a:latin typeface="微软雅黑" panose="020B0503020204020204" charset="-122"/>
+              <a:ea typeface="微软雅黑" panose="020B0503020204020204" charset="-122"/>
+            </a:endParaRPr>
           </a:p>
         </p:txBody>
       </p:sp>
@@ -6276,6 +6307,10 @@
               </a:rPr>
               <a:t>调度请求</a:t>
             </a:r>
+            <a:endParaRPr lang="zh-CN" altLang="en-US" sz="1600">
+              <a:latin typeface="微软雅黑" panose="020B0503020204020204" charset="-122"/>
+              <a:ea typeface="微软雅黑" panose="020B0503020204020204" charset="-122"/>
+            </a:endParaRPr>
           </a:p>
         </p:txBody>
       </p:sp>
@@ -6320,6 +6355,10 @@
               </a:rPr>
               <a:t>……</a:t>
             </a:r>
+            <a:endParaRPr lang="en-US" altLang="zh-CN" sz="1600" dirty="0">
+              <a:latin typeface="微软雅黑" panose="020B0503020204020204" charset="-122"/>
+              <a:ea typeface="微软雅黑" panose="020B0503020204020204" charset="-122"/>
+            </a:endParaRPr>
           </a:p>
         </p:txBody>
       </p:sp>
@@ -6361,6 +6400,7 @@
               <a:rPr lang="zh-CN" altLang="en-US" sz="1600" b="1"/>
               <a:t>任务执行</a:t>
             </a:r>
+            <a:endParaRPr lang="zh-CN" altLang="en-US" sz="1600" b="1"/>
           </a:p>
           <a:p>
             <a:pPr algn="ctr"/>
@@ -6368,6 +6408,7 @@
               <a:rPr lang="zh-CN" altLang="en-US" sz="1600" b="1"/>
               <a:t>【业务逻辑】</a:t>
             </a:r>
+            <a:endParaRPr lang="zh-CN" altLang="en-US" sz="1600" b="1"/>
           </a:p>
         </p:txBody>
       </p:sp>
@@ -6451,6 +6492,14 @@
               </a:rPr>
               <a:t>调度中心</a:t>
             </a:r>
+            <a:endParaRPr kumimoji="1" lang="zh-CN" altLang="en-US" sz="1600" b="1" dirty="0">
+              <a:solidFill>
+                <a:schemeClr val="tx1"/>
+              </a:solidFill>
+              <a:latin typeface="Heiti SC Light" charset="-122"/>
+              <a:ea typeface="Heiti SC Light" charset="-122"/>
+              <a:cs typeface="Heiti SC Light" charset="-122"/>
+            </a:endParaRPr>
           </a:p>
         </p:txBody>
       </p:sp>
@@ -6553,6 +6602,11 @@
               </a:rPr>
               <a:t>注册服务</a:t>
             </a:r>
+            <a:endParaRPr kumimoji="1" lang="zh-CN" altLang="en-US" sz="1400" dirty="0" smtClean="0">
+              <a:latin typeface="Heiti SC Light" charset="-122"/>
+              <a:ea typeface="Heiti SC Light" charset="-122"/>
+              <a:cs typeface="Heiti SC Light" charset="-122"/>
+            </a:endParaRPr>
           </a:p>
         </p:txBody>
       </p:sp>
@@ -6606,6 +6660,11 @@
               </a:rPr>
               <a:t>任务管理</a:t>
             </a:r>
+            <a:endParaRPr kumimoji="1" lang="zh-CN" altLang="en-US" sz="1400" b="1" dirty="0" smtClean="0">
+              <a:latin typeface="Heiti SC Light" charset="-122"/>
+              <a:ea typeface="Heiti SC Light" charset="-122"/>
+              <a:cs typeface="Heiti SC Light" charset="-122"/>
+            </a:endParaRPr>
           </a:p>
         </p:txBody>
       </p:sp>
@@ -7225,6 +7284,11 @@
               </a:rPr>
               <a:t>服务</a:t>
             </a:r>
+            <a:endParaRPr kumimoji="1" lang="zh-CN" altLang="en-US" sz="1400" dirty="0" smtClean="0">
+              <a:latin typeface="Heiti SC Light" charset="-122"/>
+              <a:ea typeface="Heiti SC Light" charset="-122"/>
+              <a:cs typeface="Heiti SC Light" charset="-122"/>
+            </a:endParaRPr>
           </a:p>
         </p:txBody>
       </p:sp>
@@ -7278,6 +7342,11 @@
               </a:rPr>
               <a:t>日志管理</a:t>
             </a:r>
+            <a:endParaRPr kumimoji="1" lang="zh-CN" altLang="en-US" sz="1400" b="1" dirty="0">
+              <a:latin typeface="Heiti SC Light" charset="-122"/>
+              <a:ea typeface="Heiti SC Light" charset="-122"/>
+              <a:cs typeface="Heiti SC Light" charset="-122"/>
+            </a:endParaRPr>
           </a:p>
         </p:txBody>
       </p:sp>
@@ -7328,6 +7397,11 @@
               </a:rPr>
               <a:t>调度日志</a:t>
             </a:r>
+            <a:endParaRPr kumimoji="1" lang="zh-CN" altLang="en-US" sz="1400" dirty="0">
+              <a:latin typeface="Heiti SC Light" charset="-122"/>
+              <a:ea typeface="Heiti SC Light" charset="-122"/>
+              <a:cs typeface="Heiti SC Light" charset="-122"/>
+            </a:endParaRPr>
           </a:p>
         </p:txBody>
       </p:sp>
@@ -7386,6 +7460,11 @@
               </a:rPr>
               <a:t>日志</a:t>
             </a:r>
+            <a:endParaRPr kumimoji="1" lang="zh-CN" altLang="en-US" sz="1400" dirty="0">
+              <a:latin typeface="Heiti SC Light" charset="-122"/>
+              <a:ea typeface="Heiti SC Light" charset="-122"/>
+              <a:cs typeface="Heiti SC Light" charset="-122"/>
+            </a:endParaRPr>
           </a:p>
         </p:txBody>
       </p:sp>
@@ -7444,6 +7523,11 @@
               </a:rPr>
               <a:t>版本日志</a:t>
             </a:r>
+            <a:endParaRPr kumimoji="1" lang="zh-CN" altLang="en-US" sz="1400" dirty="0">
+              <a:latin typeface="Heiti SC Light" charset="-122"/>
+              <a:ea typeface="Heiti SC Light" charset="-122"/>
+              <a:cs typeface="Heiti SC Light" charset="-122"/>
+            </a:endParaRPr>
           </a:p>
         </p:txBody>
       </p:sp>
@@ -7552,6 +7636,11 @@
               </a:rPr>
               <a:t>其他</a:t>
             </a:r>
+            <a:endParaRPr kumimoji="1" lang="zh-CN" altLang="en-US" sz="1400" b="1" dirty="0" smtClean="0">
+              <a:latin typeface="Heiti SC Light" charset="-122"/>
+              <a:ea typeface="Heiti SC Light" charset="-122"/>
+              <a:cs typeface="Heiti SC Light" charset="-122"/>
+            </a:endParaRPr>
           </a:p>
         </p:txBody>
       </p:sp>
@@ -8059,6 +8148,11 @@
               </a:rPr>
               <a:t>调度结果</a:t>
             </a:r>
+            <a:endParaRPr kumimoji="1" lang="zh-CN" altLang="en-US" sz="1400" dirty="0" smtClean="0">
+              <a:latin typeface="Heiti SC Light" charset="-122"/>
+              <a:ea typeface="Heiti SC Light" charset="-122"/>
+              <a:cs typeface="Heiti SC Light" charset="-122"/>
+            </a:endParaRPr>
           </a:p>
           <a:p>
             <a:pPr algn="ctr"/>
@@ -8085,7 +8179,7 @@
           <p:nvPr/>
         </p:nvCxnSpPr>
         <p:spPr>
-          <a:xfrm flipH="1">
+          <a:xfrm flipH="true">
             <a:off x="5940012" y="2356487"/>
             <a:ext cx="893129" cy="645"/>
           </a:xfrm>
@@ -8211,62 +8305,6 @@
               </a:rPr>
               <a:t>任务线程</a:t>
             </a:r>
-          </a:p>
-        </p:txBody>
-      </p:sp>
-      <p:sp>
-        <p:nvSpPr>
-          <p:cNvPr id="196" name="磁盘 195"/>
-          <p:cNvSpPr/>
-          <p:nvPr/>
-        </p:nvSpPr>
-        <p:spPr>
-          <a:xfrm>
-            <a:off x="9904842" y="1079536"/>
-            <a:ext cx="1295671" cy="663886"/>
-          </a:xfrm>
-          <a:prstGeom prst="flowChartMagneticDisk">
-            <a:avLst/>
-          </a:prstGeom>
-        </p:spPr>
-        <p:style>
-          <a:lnRef idx="1">
-            <a:schemeClr val="accent4"/>
-          </a:lnRef>
-          <a:fillRef idx="2">
-            <a:schemeClr val="accent4"/>
-          </a:fillRef>
-          <a:effectRef idx="1">
-            <a:schemeClr val="accent4"/>
-          </a:effectRef>
-          <a:fontRef idx="minor">
-            <a:schemeClr val="dk1"/>
-          </a:fontRef>
-        </p:style>
-        <p:txBody>
-          <a:bodyPr anchor="ctr"/>
-          <a:lstStyle/>
-          <a:p>
-            <a:pPr algn="ctr"/>
-            <a:r>
-              <a:rPr kumimoji="1" lang="zh-CN" altLang="en-US" sz="1400" dirty="0">
-                <a:latin typeface="Heiti SC Light" charset="-122"/>
-                <a:ea typeface="Heiti SC Light" charset="-122"/>
-                <a:cs typeface="Heiti SC Light" charset="-122"/>
-              </a:rPr>
-              <a:t>调度请求</a:t>
-            </a:r>
-          </a:p>
-          <a:p>
-            <a:pPr algn="ctr"/>
-            <a:r>
-              <a:rPr kumimoji="1" lang="en-US" altLang="zh-CN" sz="1400" dirty="0">
-                <a:latin typeface="Heiti SC Light" charset="-122"/>
-                <a:ea typeface="Heiti SC Light" charset="-122"/>
-                <a:cs typeface="Heiti SC Light" charset="-122"/>
-              </a:rPr>
-              <a:t>(queue)</a:t>
-            </a:r>
             <a:endParaRPr kumimoji="1" lang="zh-CN" altLang="en-US" sz="1400" dirty="0">
               <a:latin typeface="Heiti SC Light" charset="-122"/>
               <a:ea typeface="Heiti SC Light" charset="-122"/>
@@ -8275,6 +8313,72 @@
           </a:p>
         </p:txBody>
       </p:sp>
+      <p:sp>
+        <p:nvSpPr>
+          <p:cNvPr id="196" name="磁盘 195"/>
+          <p:cNvSpPr/>
+          <p:nvPr/>
+        </p:nvSpPr>
+        <p:spPr>
+          <a:xfrm>
+            <a:off x="9904842" y="1079536"/>
+            <a:ext cx="1295671" cy="663886"/>
+          </a:xfrm>
+          <a:prstGeom prst="flowChartMagneticDisk">
+            <a:avLst/>
+          </a:prstGeom>
+        </p:spPr>
+        <p:style>
+          <a:lnRef idx="1">
+            <a:schemeClr val="accent4"/>
+          </a:lnRef>
+          <a:fillRef idx="2">
+            <a:schemeClr val="accent4"/>
+          </a:fillRef>
+          <a:effectRef idx="1">
+            <a:schemeClr val="accent4"/>
+          </a:effectRef>
+          <a:fontRef idx="minor">
+            <a:schemeClr val="dk1"/>
+          </a:fontRef>
+        </p:style>
+        <p:txBody>
+          <a:bodyPr anchor="ctr"/>
+          <a:lstStyle/>
+          <a:p>
+            <a:pPr algn="ctr"/>
+            <a:r>
+              <a:rPr kumimoji="1" lang="zh-CN" altLang="en-US" sz="1400" dirty="0">
+                <a:latin typeface="Heiti SC Light" charset="-122"/>
+                <a:ea typeface="Heiti SC Light" charset="-122"/>
+                <a:cs typeface="Heiti SC Light" charset="-122"/>
+              </a:rPr>
+              <a:t>调度请求</a:t>
+            </a:r>
+            <a:endParaRPr kumimoji="1" lang="zh-CN" altLang="en-US" sz="1400" dirty="0">
+              <a:latin typeface="Heiti SC Light" charset="-122"/>
+              <a:ea typeface="Heiti SC Light" charset="-122"/>
+              <a:cs typeface="Heiti SC Light" charset="-122"/>
+            </a:endParaRPr>
+          </a:p>
+          <a:p>
+            <a:pPr algn="ctr"/>
+            <a:r>
+              <a:rPr kumimoji="1" lang="en-US" altLang="zh-CN" sz="1400" dirty="0">
+                <a:latin typeface="Heiti SC Light" charset="-122"/>
+                <a:ea typeface="Heiti SC Light" charset="-122"/>
+                <a:cs typeface="Heiti SC Light" charset="-122"/>
+              </a:rPr>
+              <a:t>(queue)</a:t>
+            </a:r>
+            <a:endParaRPr kumimoji="1" lang="zh-CN" altLang="en-US" sz="1400" dirty="0">
+              <a:latin typeface="Heiti SC Light" charset="-122"/>
+              <a:ea typeface="Heiti SC Light" charset="-122"/>
+              <a:cs typeface="Heiti SC Light" charset="-122"/>
+            </a:endParaRPr>
+          </a:p>
+        </p:txBody>
+      </p:sp>
       <p:cxnSp>
         <p:nvCxnSpPr>
           <p:cNvPr id="207" name="直线箭头连接符 206"/>
@@ -8282,7 +8386,7 @@
           <p:nvPr/>
         </p:nvCxnSpPr>
         <p:spPr>
-          <a:xfrm flipH="1" flipV="1">
+          <a:xfrm flipH="true" flipV="true">
             <a:off x="5938417" y="3627371"/>
             <a:ext cx="872707" cy="11641"/>
           </a:xfrm>
@@ -8389,6 +8493,11 @@
               </a:rPr>
               <a:t>）</a:t>
             </a:r>
+            <a:endParaRPr kumimoji="1" lang="zh-CN" altLang="en-US" sz="1400" dirty="0" smtClean="0">
+              <a:latin typeface="Heiti SC Light" charset="-122"/>
+              <a:ea typeface="Heiti SC Light" charset="-122"/>
+              <a:cs typeface="Heiti SC Light" charset="-122"/>
+            </a:endParaRPr>
           </a:p>
         </p:txBody>
       </p:sp>
@@ -8399,7 +8508,7 @@
           <p:nvPr/>
         </p:nvCxnSpPr>
         <p:spPr>
-          <a:xfrm flipH="1" flipV="1">
+          <a:xfrm flipH="true" flipV="true">
             <a:off x="5943168" y="4896551"/>
             <a:ext cx="903294" cy="11119"/>
           </a:xfrm>
@@ -8523,41 +8632,46 @@
               </a:rPr>
               <a:t>执行日志</a:t>
             </a:r>
-          </a:p>
-          <a:p>
-            <a:pPr algn="ctr">
-              <a:defRPr/>
-            </a:pPr>
-            <a:r>
-              <a:rPr kumimoji="1" lang="en-US" altLang="zh-CN" sz="1400" dirty="0">
-                <a:latin typeface="Heiti SC Light" charset="-122"/>
-                <a:ea typeface="Heiti SC Light" charset="-122"/>
-                <a:cs typeface="Heiti SC Light" charset="-122"/>
-              </a:rPr>
-              <a:t>(Log</a:t>
-            </a:r>
-            <a:r>
-              <a:rPr kumimoji="1" lang="zh-CN" altLang="en-US" sz="1400" dirty="0">
-                <a:latin typeface="Heiti SC Light" charset="-122"/>
-                <a:ea typeface="Heiti SC Light" charset="-122"/>
-                <a:cs typeface="Heiti SC Light" charset="-122"/>
-              </a:rPr>
-              <a:t>文件</a:t>
-            </a:r>
-            <a:r>
-              <a:rPr kumimoji="1" lang="en-US" altLang="zh-CN" sz="1400" dirty="0">
-                <a:latin typeface="Heiti SC Light" charset="-122"/>
-                <a:ea typeface="Heiti SC Light" charset="-122"/>
-                <a:cs typeface="Heiti SC Light" charset="-122"/>
-              </a:rPr>
-              <a:t>)</a:t>
-            </a:r>
             <a:endParaRPr kumimoji="1" lang="zh-CN" altLang="en-US" sz="1400" dirty="0">
               <a:latin typeface="Heiti SC Light" charset="-122"/>
               <a:ea typeface="Heiti SC Light" charset="-122"/>
               <a:cs typeface="Heiti SC Light" charset="-122"/>
             </a:endParaRPr>
           </a:p>
+          <a:p>
+            <a:pPr algn="ctr">
+              <a:defRPr/>
+            </a:pPr>
+            <a:r>
+              <a:rPr kumimoji="1" lang="en-US" altLang="zh-CN" sz="1400" dirty="0">
+                <a:latin typeface="Heiti SC Light" charset="-122"/>
+                <a:ea typeface="Heiti SC Light" charset="-122"/>
+                <a:cs typeface="Heiti SC Light" charset="-122"/>
+              </a:rPr>
+              <a:t>(Log</a:t>
+            </a:r>
+            <a:r>
+              <a:rPr kumimoji="1" lang="zh-CN" altLang="en-US" sz="1400" dirty="0">
+                <a:latin typeface="Heiti SC Light" charset="-122"/>
+                <a:ea typeface="Heiti SC Light" charset="-122"/>
+                <a:cs typeface="Heiti SC Light" charset="-122"/>
+              </a:rPr>
+              <a:t>文件</a:t>
+            </a:r>
+            <a:r>
+              <a:rPr kumimoji="1" lang="en-US" altLang="zh-CN" sz="1400" dirty="0">
+                <a:latin typeface="Heiti SC Light" charset="-122"/>
+                <a:ea typeface="Heiti SC Light" charset="-122"/>
+                <a:cs typeface="Heiti SC Light" charset="-122"/>
+              </a:rPr>
+              <a:t>)</a:t>
+            </a:r>
+            <a:endParaRPr kumimoji="1" lang="zh-CN" altLang="en-US" sz="1400" dirty="0">
+              <a:latin typeface="Heiti SC Light" charset="-122"/>
+              <a:ea typeface="Heiti SC Light" charset="-122"/>
+              <a:cs typeface="Heiti SC Light" charset="-122"/>
+            </a:endParaRPr>
+          </a:p>
         </p:txBody>
       </p:sp>
       <p:sp>
@@ -8605,6 +8719,11 @@
               </a:rPr>
               <a:t>回调线程</a:t>
             </a:r>
+            <a:endParaRPr kumimoji="1" lang="zh-CN" altLang="en-US" sz="1400" dirty="0">
+              <a:latin typeface="Heiti SC Light" charset="-122"/>
+              <a:ea typeface="Heiti SC Light" charset="-122"/>
+              <a:cs typeface="Heiti SC Light" charset="-122"/>
+            </a:endParaRPr>
           </a:p>
         </p:txBody>
       </p:sp>
@@ -8615,7 +8734,7 @@
           <p:nvPr/>
         </p:nvCxnSpPr>
         <p:spPr>
-          <a:xfrm flipH="1">
+          <a:xfrm flipH="true">
             <a:off x="9337243" y="2378430"/>
             <a:ext cx="366394" cy="3349"/>
           </a:xfrm>
@@ -8650,7 +8769,7 @@
           <p:nvPr/>
         </p:nvCxnSpPr>
         <p:spPr>
-          <a:xfrm flipH="1">
+          <a:xfrm flipH="true">
             <a:off x="9337243" y="3661114"/>
             <a:ext cx="366394" cy="3349"/>
           </a:xfrm>
@@ -8733,97 +8852,39 @@
               </a:rPr>
               <a:t>日志</a:t>
             </a:r>
-          </a:p>
-          <a:p>
-            <a:pPr algn="ctr">
-              <a:defRPr/>
-            </a:pPr>
-            <a:r>
-              <a:rPr kumimoji="1" lang="en-US" altLang="zh-CN" sz="1400" dirty="0">
-                <a:latin typeface="Heiti SC Light" charset="-122"/>
-                <a:ea typeface="Heiti SC Light" charset="-122"/>
-                <a:cs typeface="Heiti SC Light" charset="-122"/>
-              </a:rPr>
-              <a:t>(</a:t>
-            </a:r>
-            <a:r>
-              <a:rPr kumimoji="1" lang="zh-CN" altLang="en-US" sz="1400" dirty="0">
-                <a:latin typeface="Heiti SC Light" charset="-122"/>
-                <a:ea typeface="Heiti SC Light" charset="-122"/>
-                <a:cs typeface="Heiti SC Light" charset="-122"/>
-              </a:rPr>
-              <a:t>实时</a:t>
-            </a:r>
-            <a:r>
-              <a:rPr kumimoji="1" lang="en-US" altLang="zh-CN" sz="1400" dirty="0">
-                <a:latin typeface="Heiti SC Light" charset="-122"/>
-                <a:ea typeface="Heiti SC Light" charset="-122"/>
-                <a:cs typeface="Heiti SC Light" charset="-122"/>
-              </a:rPr>
-              <a:t>)</a:t>
-            </a:r>
             <a:endParaRPr kumimoji="1" lang="zh-CN" altLang="en-US" sz="1400" dirty="0">
               <a:latin typeface="Heiti SC Light" charset="-122"/>
               <a:ea typeface="Heiti SC Light" charset="-122"/>
               <a:cs typeface="Heiti SC Light" charset="-122"/>
             </a:endParaRPr>
           </a:p>
-        </p:txBody>
-      </p:sp>
-      <p:sp>
-        <p:nvSpPr>
-          <p:cNvPr id="122" name="可选流程 121"/>
-          <p:cNvSpPr/>
-          <p:nvPr/>
-        </p:nvSpPr>
-        <p:spPr>
-          <a:xfrm>
-            <a:off x="6959118" y="2073918"/>
-            <a:ext cx="1074713" cy="580685"/>
-          </a:xfrm>
-          <a:prstGeom prst="flowChartAlternateProcess">
-            <a:avLst/>
-          </a:prstGeom>
-          <a:solidFill>
-            <a:srgbClr val="6095C9"/>
-          </a:solidFill>
-        </p:spPr>
-        <p:style>
-          <a:lnRef idx="0">
-            <a:schemeClr val="accent1"/>
-          </a:lnRef>
-          <a:fillRef idx="3">
-            <a:schemeClr val="accent1"/>
-          </a:fillRef>
-          <a:effectRef idx="3">
-            <a:schemeClr val="accent1"/>
-          </a:effectRef>
-          <a:fontRef idx="minor">
-            <a:schemeClr val="lt1"/>
-          </a:fontRef>
-        </p:style>
-        <p:txBody>
-          <a:bodyPr anchor="ctr"/>
-          <a:lstStyle/>
           <a:p>
             <a:pPr algn="ctr">
               <a:defRPr/>
             </a:pPr>
             <a:r>
+              <a:rPr kumimoji="1" lang="en-US" altLang="zh-CN" sz="1400" dirty="0">
+                <a:latin typeface="Heiti SC Light" charset="-122"/>
+                <a:ea typeface="Heiti SC Light" charset="-122"/>
+                <a:cs typeface="Heiti SC Light" charset="-122"/>
+              </a:rPr>
+              <a:t>(</a:t>
+            </a:r>
+            <a:r>
               <a:rPr kumimoji="1" lang="zh-CN" altLang="en-US" sz="1400" dirty="0">
                 <a:latin typeface="Heiti SC Light" charset="-122"/>
                 <a:ea typeface="Heiti SC Light" charset="-122"/>
                 <a:cs typeface="Heiti SC Light" charset="-122"/>
               </a:rPr>
-              <a:t>日志</a:t>
-            </a:r>
-            <a:r>
-              <a:rPr kumimoji="1" lang="zh-CN" altLang="en-US" sz="1400" dirty="0" smtClean="0">
-                <a:latin typeface="Heiti SC Light" charset="-122"/>
-                <a:ea typeface="Heiti SC Light" charset="-122"/>
-                <a:cs typeface="Heiti SC Light" charset="-122"/>
-              </a:rPr>
-              <a:t>服务</a:t>
+              <a:t>实时</a:t>
+            </a:r>
+            <a:r>
+              <a:rPr kumimoji="1" lang="en-US" altLang="zh-CN" sz="1400" dirty="0">
+                <a:latin typeface="Heiti SC Light" charset="-122"/>
+                <a:ea typeface="Heiti SC Light" charset="-122"/>
+                <a:cs typeface="Heiti SC Light" charset="-122"/>
+              </a:rPr>
+              <a:t>)</a:t>
             </a:r>
             <a:endParaRPr kumimoji="1" lang="zh-CN" altLang="en-US" sz="1400" dirty="0">
               <a:latin typeface="Heiti SC Light" charset="-122"/>
@@ -8835,6 +8896,69 @@
       </p:sp>
       <p:sp>
         <p:nvSpPr>
+          <p:cNvPr id="122" name="可选流程 121"/>
+          <p:cNvSpPr/>
+          <p:nvPr/>
+        </p:nvSpPr>
+        <p:spPr>
+          <a:xfrm>
+            <a:off x="6959118" y="2073918"/>
+            <a:ext cx="1074713" cy="580685"/>
+          </a:xfrm>
+          <a:prstGeom prst="flowChartAlternateProcess">
+            <a:avLst/>
+          </a:prstGeom>
+          <a:solidFill>
+            <a:srgbClr val="6095C9"/>
+          </a:solidFill>
+        </p:spPr>
+        <p:style>
+          <a:lnRef idx="0">
+            <a:schemeClr val="accent1"/>
+          </a:lnRef>
+          <a:fillRef idx="3">
+            <a:schemeClr val="accent1"/>
+          </a:fillRef>
+          <a:effectRef idx="3">
+            <a:schemeClr val="accent1"/>
+          </a:effectRef>
+          <a:fontRef idx="minor">
+            <a:schemeClr val="lt1"/>
+          </a:fontRef>
+        </p:style>
+        <p:txBody>
+          <a:bodyPr anchor="ctr"/>
+          <a:lstStyle/>
+          <a:p>
+            <a:pPr algn="ctr">
+              <a:defRPr/>
+            </a:pPr>
+            <a:r>
+              <a:rPr kumimoji="1" lang="zh-CN" altLang="en-US" sz="1400" dirty="0">
+                <a:latin typeface="Heiti SC Light" charset="-122"/>
+                <a:ea typeface="Heiti SC Light" charset="-122"/>
+                <a:cs typeface="Heiti SC Light" charset="-122"/>
+              </a:rPr>
+              <a:t>日志</a:t>
+            </a:r>
+            <a:r>
+              <a:rPr kumimoji="1" lang="zh-CN" altLang="en-US" sz="1400" dirty="0" smtClean="0">
+                <a:latin typeface="Heiti SC Light" charset="-122"/>
+                <a:ea typeface="Heiti SC Light" charset="-122"/>
+                <a:cs typeface="Heiti SC Light" charset="-122"/>
+              </a:rPr>
+              <a:t>服务</a:t>
+            </a:r>
+            <a:endParaRPr kumimoji="1" lang="zh-CN" altLang="en-US" sz="1400" dirty="0">
+              <a:latin typeface="Heiti SC Light" charset="-122"/>
+              <a:ea typeface="Heiti SC Light" charset="-122"/>
+              <a:cs typeface="Heiti SC Light" charset="-122"/>
+            </a:endParaRPr>
+          </a:p>
+        </p:txBody>
+      </p:sp>
+      <p:sp>
+        <p:nvSpPr>
           <p:cNvPr id="2" name="矩形 1"/>
           <p:cNvSpPr/>
           <p:nvPr/>
@@ -8931,25 +9055,30 @@
               </a:rPr>
               <a:t>调度器</a:t>
             </a:r>
-          </a:p>
-          <a:p>
-            <a:pPr algn="ctr">
-              <a:defRPr/>
-            </a:pPr>
-            <a:r>
-              <a:rPr kumimoji="1" lang="en-US" altLang="zh-CN" sz="1400" dirty="0">
-                <a:latin typeface="Heiti SC Light" charset="-122"/>
-                <a:ea typeface="Heiti SC Light" charset="-122"/>
-                <a:cs typeface="Heiti SC Light" charset="-122"/>
-              </a:rPr>
-              <a:t>(timewheel)</a:t>
-            </a:r>
             <a:endParaRPr kumimoji="1" lang="zh-CN" altLang="en-US" sz="1400" dirty="0" smtClean="0">
               <a:latin typeface="Heiti SC Light" charset="-122"/>
               <a:ea typeface="Heiti SC Light" charset="-122"/>
               <a:cs typeface="Heiti SC Light" charset="-122"/>
             </a:endParaRPr>
           </a:p>
+          <a:p>
+            <a:pPr algn="ctr">
+              <a:defRPr/>
+            </a:pPr>
+            <a:r>
+              <a:rPr kumimoji="1" lang="en-US" altLang="zh-CN" sz="1400" dirty="0">
+                <a:latin typeface="Heiti SC Light" charset="-122"/>
+                <a:ea typeface="Heiti SC Light" charset="-122"/>
+                <a:cs typeface="Heiti SC Light" charset="-122"/>
+              </a:rPr>
+              <a:t>(timewheel)</a:t>
+            </a:r>
+            <a:endParaRPr kumimoji="1" lang="zh-CN" altLang="en-US" sz="1400" dirty="0" smtClean="0">
+              <a:latin typeface="Heiti SC Light" charset="-122"/>
+              <a:ea typeface="Heiti SC Light" charset="-122"/>
+              <a:cs typeface="Heiti SC Light" charset="-122"/>
+            </a:endParaRPr>
+          </a:p>
         </p:txBody>
       </p:sp>
       <p:cxnSp>
@@ -8959,7 +9088,7 @@
           <p:nvPr/>
         </p:nvCxnSpPr>
         <p:spPr>
-          <a:xfrm rot="10800000" flipH="1">
+          <a:xfrm rot="10800000" flipH="true">
             <a:off x="5945824" y="1334309"/>
             <a:ext cx="893129" cy="645"/>
           </a:xfrm>
@@ -8988,11 +9117,6 @@
         </p:style>
       </p:cxnSp>
     </p:spTree>
-    <p:extLst>
-      <p:ext uri="{BB962C8B-B14F-4D97-AF65-F5344CB8AC3E}">
-        <p14:creationId xmlns:p14="http://schemas.microsoft.com/office/powerpoint/2010/main" val="1453474056"/>
-      </p:ext>
-    </p:extLst>
   </p:cSld>
   <p:clrMapOvr>
     <a:masterClrMapping/>
@@ -9159,6 +9283,7 @@
               <a:rPr lang="en-US" altLang="zh-CN" sz="3200" b="1" dirty="0"/>
               <a:t>v1.3</a:t>
             </a:r>
+            <a:endParaRPr lang="en-US" altLang="zh-CN" sz="3200" b="1" dirty="0"/>
           </a:p>
         </p:txBody>
       </p:sp>
@@ -9343,6 +9468,15 @@
               </a:rPr>
               <a:t>调度中心</a:t>
             </a:r>
+            <a:endParaRPr lang="zh-CN" altLang="en-US" sz="2400" b="1">
+              <a:solidFill>
+                <a:schemeClr val="accent5">
+                  <a:lumMod val="50000"/>
+                </a:schemeClr>
+              </a:solidFill>
+              <a:latin typeface="微软雅黑" panose="020B0503020204020204" charset="-122"/>
+              <a:ea typeface="微软雅黑" panose="020B0503020204020204" charset="-122"/>
+            </a:endParaRPr>
           </a:p>
         </p:txBody>
       </p:sp>
@@ -9445,6 +9579,13 @@
               </a:rPr>
               <a:t>调度池</a:t>
             </a:r>
+            <a:endParaRPr lang="zh-CN" altLang="en-US" b="1">
+              <a:solidFill>
+                <a:schemeClr val="tx1"/>
+              </a:solidFill>
+              <a:latin typeface="微软雅黑" panose="020B0503020204020204" charset="-122"/>
+              <a:ea typeface="微软雅黑" panose="020B0503020204020204" charset="-122"/>
+            </a:endParaRPr>
           </a:p>
         </p:txBody>
       </p:sp>
@@ -9495,6 +9636,10 @@
               </a:rPr>
               <a:t>执行器地址</a:t>
             </a:r>
+            <a:endParaRPr lang="zh-CN" altLang="en-US">
+              <a:latin typeface="微软雅黑" panose="020B0503020204020204" charset="-122"/>
+              <a:ea typeface="微软雅黑" panose="020B0503020204020204" charset="-122"/>
+            </a:endParaRPr>
           </a:p>
         </p:txBody>
       </p:sp>
@@ -9568,6 +9713,13 @@
               </a:rPr>
               <a:t>日志</a:t>
             </a:r>
+            <a:endParaRPr lang="zh-CN" altLang="en-US" b="1">
+              <a:solidFill>
+                <a:schemeClr val="tx1"/>
+              </a:solidFill>
+              <a:latin typeface="微软雅黑" panose="020B0503020204020204" charset="-122"/>
+              <a:ea typeface="微软雅黑" panose="020B0503020204020204" charset="-122"/>
+            </a:endParaRPr>
           </a:p>
         </p:txBody>
       </p:sp>
@@ -9700,6 +9852,15 @@
               </a:rPr>
               <a:t>执行器</a:t>
             </a:r>
+            <a:endParaRPr lang="zh-CN" altLang="en-US" sz="2400" b="1">
+              <a:solidFill>
+                <a:schemeClr val="accent1">
+                  <a:lumMod val="50000"/>
+                </a:schemeClr>
+              </a:solidFill>
+              <a:latin typeface="微软雅黑" panose="020B0503020204020204" charset="-122"/>
+              <a:ea typeface="微软雅黑" panose="020B0503020204020204" charset="-122"/>
+            </a:endParaRPr>
           </a:p>
         </p:txBody>
       </p:sp>
@@ -9750,6 +9911,10 @@
               </a:rPr>
               <a:t>JobHandler</a:t>
             </a:r>
+            <a:endParaRPr lang="en-US" dirty="0">
+              <a:latin typeface="微软雅黑" panose="020B0503020204020204" charset="-122"/>
+              <a:ea typeface="微软雅黑" panose="020B0503020204020204" charset="-122"/>
+            </a:endParaRPr>
           </a:p>
         </p:txBody>
       </p:sp>
@@ -9800,6 +9965,10 @@
               </a:rPr>
               <a:t>……</a:t>
             </a:r>
+            <a:endParaRPr lang="en-US" dirty="0">
+              <a:latin typeface="微软雅黑" panose="020B0503020204020204" charset="-122"/>
+              <a:ea typeface="微软雅黑" panose="020B0503020204020204" charset="-122"/>
+            </a:endParaRPr>
           </a:p>
         </p:txBody>
       </p:sp>
@@ -9845,6 +10014,11 @@
               </a:rPr>
               <a:t>调度器</a:t>
             </a:r>
+            <a:endParaRPr lang="zh-CN" altLang="en-US">
+              <a:latin typeface="微软雅黑" panose="020B0503020204020204" charset="-122"/>
+              <a:ea typeface="微软雅黑" panose="020B0503020204020204" charset="-122"/>
+              <a:sym typeface="+mn-ea"/>
+            </a:endParaRPr>
           </a:p>
           <a:p>
             <a:pPr algn="ctr"/>
@@ -9855,6 +10029,10 @@
               </a:rPr>
               <a:t>quartz</a:t>
             </a:r>
+            <a:endParaRPr lang="en-US" altLang="zh-CN" dirty="0">
+              <a:latin typeface="微软雅黑" panose="020B0503020204020204" charset="-122"/>
+              <a:ea typeface="微软雅黑" panose="020B0503020204020204" charset="-122"/>
+            </a:endParaRPr>
           </a:p>
         </p:txBody>
       </p:sp>
@@ -10095,6 +10273,11 @@
               </a:rPr>
               <a:t>执行器服务</a:t>
             </a:r>
+            <a:endParaRPr lang="zh-CN" altLang="en-US">
+              <a:solidFill>
+                <a:schemeClr val="tx1"/>
+              </a:solidFill>
+            </a:endParaRPr>
           </a:p>
           <a:p>
             <a:pPr algn="ctr"/>
@@ -10106,6 +10289,11 @@
               </a:rPr>
               <a:t>jetty</a:t>
             </a:r>
+            <a:endParaRPr lang="en-US" altLang="zh-CN" dirty="0">
+              <a:solidFill>
+                <a:schemeClr val="tx1"/>
+              </a:solidFill>
+            </a:endParaRPr>
           </a:p>
         </p:txBody>
       </p:sp>
@@ -10155,7 +10343,7 @@
           <p:nvPr/>
         </p:nvCxnSpPr>
         <p:spPr>
-          <a:xfrm flipH="1">
+          <a:xfrm flipH="true">
             <a:off x="5210175" y="3423920"/>
             <a:ext cx="1571625" cy="0"/>
           </a:xfrm>
@@ -10238,6 +10426,12 @@
               </a:rPr>
               <a:t>回调日志</a:t>
             </a:r>
+            <a:endParaRPr lang="zh-CN" altLang="en-US">
+              <a:solidFill>
+                <a:schemeClr val="tx1"/>
+              </a:solidFill>
+              <a:sym typeface="+mn-ea"/>
+            </a:endParaRPr>
           </a:p>
           <a:p>
             <a:pPr algn="ctr"/>
@@ -10249,6 +10443,11 @@
               </a:rPr>
               <a:t>queue</a:t>
             </a:r>
+            <a:endParaRPr lang="en-US" altLang="zh-CN" dirty="0">
+              <a:solidFill>
+                <a:schemeClr val="tx1"/>
+              </a:solidFill>
+            </a:endParaRPr>
           </a:p>
         </p:txBody>
       </p:sp>
@@ -10374,6 +10573,11 @@
               </a:rPr>
               <a:t>任务</a:t>
             </a:r>
+            <a:endParaRPr lang="zh-CN" altLang="en-US">
+              <a:solidFill>
+                <a:schemeClr val="tx1"/>
+              </a:solidFill>
+            </a:endParaRPr>
           </a:p>
         </p:txBody>
       </p:sp>
@@ -10384,7 +10588,7 @@
           <p:nvPr/>
         </p:nvCxnSpPr>
         <p:spPr>
-          <a:xfrm flipV="1">
+          <a:xfrm flipV="true">
             <a:off x="8699500" y="2127885"/>
             <a:ext cx="528955" cy="9525"/>
           </a:xfrm>
@@ -10423,7 +10627,7 @@
           <p:nvPr/>
         </p:nvCxnSpPr>
         <p:spPr>
-          <a:xfrm flipH="1">
+          <a:xfrm flipH="true">
             <a:off x="8629015" y="3753485"/>
             <a:ext cx="546100" cy="0"/>
           </a:xfrm>
@@ -10514,6 +10718,11 @@
               </a:rPr>
               <a:t>queue</a:t>
             </a:r>
+            <a:endParaRPr lang="en-US" altLang="zh-CN" dirty="0">
+              <a:solidFill>
+                <a:schemeClr val="tx1"/>
+              </a:solidFill>
+            </a:endParaRPr>
           </a:p>
         </p:txBody>
       </p:sp>
@@ -10567,6 +10776,11 @@
               </a:rPr>
               <a:t>执行线程</a:t>
             </a:r>
+            <a:endParaRPr lang="zh-CN" altLang="en-US">
+              <a:solidFill>
+                <a:schemeClr val="tx1"/>
+              </a:solidFill>
+            </a:endParaRPr>
           </a:p>
         </p:txBody>
       </p:sp>
@@ -10961,6 +11175,15 @@
               </a:rPr>
               <a:t>调度中心</a:t>
             </a:r>
+            <a:endParaRPr lang="zh-CN" altLang="en-US" sz="2400" b="1">
+              <a:solidFill>
+                <a:schemeClr val="accent5">
+                  <a:lumMod val="50000"/>
+                </a:schemeClr>
+              </a:solidFill>
+              <a:latin typeface="微软雅黑" panose="020B0503020204020204" charset="-122"/>
+              <a:ea typeface="微软雅黑" panose="020B0503020204020204" charset="-122"/>
+            </a:endParaRPr>
           </a:p>
         </p:txBody>
       </p:sp>
@@ -11063,6 +11286,13 @@
               </a:rPr>
               <a:t>调度池</a:t>
             </a:r>
+            <a:endParaRPr lang="zh-CN" altLang="en-US" b="1">
+              <a:solidFill>
+                <a:schemeClr val="tx1"/>
+              </a:solidFill>
+              <a:latin typeface="微软雅黑" panose="020B0503020204020204" charset="-122"/>
+              <a:ea typeface="微软雅黑" panose="020B0503020204020204" charset="-122"/>
+            </a:endParaRPr>
           </a:p>
         </p:txBody>
       </p:sp>
@@ -11190,6 +11420,13 @@
               </a:rPr>
               <a:t>日志</a:t>
             </a:r>
+            <a:endParaRPr lang="zh-CN" altLang="en-US" b="1">
+              <a:solidFill>
+                <a:schemeClr val="tx1"/>
+              </a:solidFill>
+              <a:latin typeface="微软雅黑" panose="020B0503020204020204" charset="-122"/>
+              <a:ea typeface="微软雅黑" panose="020B0503020204020204" charset="-122"/>
+            </a:endParaRPr>
           </a:p>
         </p:txBody>
       </p:sp>
@@ -11322,6 +11559,15 @@
               </a:rPr>
               <a:t>执行器</a:t>
             </a:r>
+            <a:endParaRPr lang="zh-CN" altLang="en-US" sz="2400" b="1" dirty="0">
+              <a:solidFill>
+                <a:schemeClr val="accent1">
+                  <a:lumMod val="50000"/>
+                </a:schemeClr>
+              </a:solidFill>
+              <a:latin typeface="微软雅黑" panose="020B0503020204020204" charset="-122"/>
+              <a:ea typeface="微软雅黑" panose="020B0503020204020204" charset="-122"/>
+            </a:endParaRPr>
           </a:p>
         </p:txBody>
       </p:sp>
@@ -11372,6 +11618,10 @@
               </a:rPr>
               <a:t>JobHandler</a:t>
             </a:r>
+            <a:endParaRPr lang="en-US" dirty="0">
+              <a:latin typeface="微软雅黑" panose="020B0503020204020204" charset="-122"/>
+              <a:ea typeface="微软雅黑" panose="020B0503020204020204" charset="-122"/>
+            </a:endParaRPr>
           </a:p>
         </p:txBody>
       </p:sp>
@@ -11422,6 +11672,10 @@
               </a:rPr>
               <a:t>……</a:t>
             </a:r>
+            <a:endParaRPr lang="en-US" dirty="0">
+              <a:latin typeface="微软雅黑" panose="020B0503020204020204" charset="-122"/>
+              <a:ea typeface="微软雅黑" panose="020B0503020204020204" charset="-122"/>
+            </a:endParaRPr>
           </a:p>
         </p:txBody>
       </p:sp>
@@ -11467,6 +11721,11 @@
               </a:rPr>
               <a:t>调度器</a:t>
             </a:r>
+            <a:endParaRPr lang="zh-CN" altLang="en-US" dirty="0">
+              <a:latin typeface="微软雅黑" panose="020B0503020204020204" charset="-122"/>
+              <a:ea typeface="微软雅黑" panose="020B0503020204020204" charset="-122"/>
+              <a:sym typeface="+mn-ea"/>
+            </a:endParaRPr>
           </a:p>
           <a:p>
             <a:pPr algn="ctr"/>
@@ -11477,6 +11736,10 @@
               </a:rPr>
               <a:t>quartz</a:t>
             </a:r>
+            <a:endParaRPr lang="en-US" altLang="zh-CN" dirty="0">
+              <a:latin typeface="微软雅黑" panose="020B0503020204020204" charset="-122"/>
+              <a:ea typeface="微软雅黑" panose="020B0503020204020204" charset="-122"/>
+            </a:endParaRPr>
           </a:p>
         </p:txBody>
       </p:sp>
@@ -11717,6 +11980,11 @@
               </a:rPr>
               <a:t>执行器服务</a:t>
             </a:r>
+            <a:endParaRPr lang="zh-CN" altLang="en-US">
+              <a:solidFill>
+                <a:schemeClr val="tx1"/>
+              </a:solidFill>
+            </a:endParaRPr>
           </a:p>
           <a:p>
             <a:pPr algn="ctr"/>
@@ -11728,6 +11996,11 @@
               </a:rPr>
               <a:t>jetty</a:t>
             </a:r>
+            <a:endParaRPr lang="en-US" altLang="zh-CN" dirty="0">
+              <a:solidFill>
+                <a:schemeClr val="tx1"/>
+              </a:solidFill>
+            </a:endParaRPr>
           </a:p>
         </p:txBody>
       </p:sp>
@@ -11777,7 +12050,7 @@
           <p:nvPr/>
         </p:nvCxnSpPr>
         <p:spPr>
-          <a:xfrm flipH="1">
+          <a:xfrm flipH="true">
             <a:off x="5227320" y="3468370"/>
             <a:ext cx="1571625" cy="0"/>
           </a:xfrm>
@@ -11860,6 +12133,12 @@
               </a:rPr>
               <a:t>回调日志</a:t>
             </a:r>
+            <a:endParaRPr lang="zh-CN" altLang="en-US" dirty="0">
+              <a:solidFill>
+                <a:schemeClr val="tx1"/>
+              </a:solidFill>
+              <a:sym typeface="+mn-ea"/>
+            </a:endParaRPr>
           </a:p>
           <a:p>
             <a:pPr algn="ctr"/>
@@ -11871,6 +12150,11 @@
               </a:rPr>
               <a:t>queue</a:t>
             </a:r>
+            <a:endParaRPr lang="en-US" altLang="zh-CN" dirty="0">
+              <a:solidFill>
+                <a:schemeClr val="tx1"/>
+              </a:solidFill>
+            </a:endParaRPr>
           </a:p>
         </p:txBody>
       </p:sp>
@@ -12020,6 +12304,11 @@
               </a:rPr>
               <a:t>任务</a:t>
             </a:r>
+            <a:endParaRPr lang="zh-CN" altLang="en-US" dirty="0">
+              <a:solidFill>
+                <a:schemeClr val="tx1"/>
+              </a:solidFill>
+            </a:endParaRPr>
           </a:p>
         </p:txBody>
       </p:sp>
@@ -12030,7 +12319,7 @@
           <p:nvPr/>
         </p:nvCxnSpPr>
         <p:spPr>
-          <a:xfrm flipV="1">
+          <a:xfrm flipV="true">
             <a:off x="8712613" y="2431252"/>
             <a:ext cx="528955" cy="9525"/>
           </a:xfrm>
@@ -12069,7 +12358,7 @@
           <p:nvPr/>
         </p:nvCxnSpPr>
         <p:spPr>
-          <a:xfrm flipH="1">
+          <a:xfrm flipH="true">
             <a:off x="8699500" y="3952240"/>
             <a:ext cx="510540" cy="0"/>
           </a:xfrm>
@@ -12160,6 +12449,11 @@
               </a:rPr>
               <a:t>queue</a:t>
             </a:r>
+            <a:endParaRPr lang="en-US" altLang="zh-CN" dirty="0">
+              <a:solidFill>
+                <a:schemeClr val="tx1"/>
+              </a:solidFill>
+            </a:endParaRPr>
           </a:p>
         </p:txBody>
       </p:sp>
@@ -12213,6 +12507,11 @@
               </a:rPr>
               <a:t>执行线程</a:t>
             </a:r>
+            <a:endParaRPr lang="zh-CN" altLang="en-US" dirty="0">
+              <a:solidFill>
+                <a:schemeClr val="tx1"/>
+              </a:solidFill>
+            </a:endParaRPr>
           </a:p>
         </p:txBody>
       </p:sp>
@@ -12422,7 +12721,7 @@
           <p:nvPr/>
         </p:nvCxnSpPr>
         <p:spPr>
-          <a:xfrm flipH="1">
+          <a:xfrm flipH="true">
             <a:off x="5227319" y="1300623"/>
             <a:ext cx="1571625" cy="0"/>
           </a:xfrm>
@@ -12596,6 +12895,14 @@
               </a:rPr>
               <a:t>调度中心</a:t>
             </a:r>
+            <a:endParaRPr kumimoji="1" lang="zh-CN" altLang="en-US" sz="1600" b="1" dirty="0">
+              <a:solidFill>
+                <a:schemeClr val="tx1"/>
+              </a:solidFill>
+              <a:latin typeface="Heiti SC Light" charset="-122"/>
+              <a:ea typeface="Heiti SC Light" charset="-122"/>
+              <a:cs typeface="Heiti SC Light" charset="-122"/>
+            </a:endParaRPr>
           </a:p>
         </p:txBody>
       </p:sp>
@@ -12698,6 +13005,11 @@
               </a:rPr>
               <a:t>注册服务</a:t>
             </a:r>
+            <a:endParaRPr kumimoji="1" lang="zh-CN" altLang="en-US" sz="1400" dirty="0" smtClean="0">
+              <a:latin typeface="Heiti SC Light" charset="-122"/>
+              <a:ea typeface="Heiti SC Light" charset="-122"/>
+              <a:cs typeface="Heiti SC Light" charset="-122"/>
+            </a:endParaRPr>
           </a:p>
           <a:p>
             <a:pPr algn="ctr">
@@ -13382,6 +13694,11 @@
               </a:rPr>
               <a:t>调度器</a:t>
             </a:r>
+            <a:endParaRPr kumimoji="1" lang="zh-CN" altLang="en-US" sz="1400" dirty="0" smtClean="0">
+              <a:latin typeface="Heiti SC Light" charset="-122"/>
+              <a:ea typeface="Heiti SC Light" charset="-122"/>
+              <a:cs typeface="Heiti SC Light" charset="-122"/>
+            </a:endParaRPr>
           </a:p>
           <a:p>
             <a:pPr algn="ctr">
@@ -13458,6 +13775,11 @@
               </a:rPr>
               <a:t>服务</a:t>
             </a:r>
+            <a:endParaRPr kumimoji="1" lang="zh-CN" altLang="en-US" sz="1400" dirty="0" smtClean="0">
+              <a:latin typeface="Heiti SC Light" charset="-122"/>
+              <a:ea typeface="Heiti SC Light" charset="-122"/>
+              <a:cs typeface="Heiti SC Light" charset="-122"/>
+            </a:endParaRPr>
           </a:p>
           <a:p>
             <a:pPr algn="ctr">
@@ -13529,6 +13851,11 @@
               </a:rPr>
               <a:t>日志管理</a:t>
             </a:r>
+            <a:endParaRPr kumimoji="1" lang="zh-CN" altLang="en-US" sz="1400" b="1" dirty="0">
+              <a:latin typeface="Heiti SC Light" charset="-122"/>
+              <a:ea typeface="Heiti SC Light" charset="-122"/>
+              <a:cs typeface="Heiti SC Light" charset="-122"/>
+            </a:endParaRPr>
           </a:p>
         </p:txBody>
       </p:sp>
@@ -13579,6 +13906,11 @@
               </a:rPr>
               <a:t>调度日志</a:t>
             </a:r>
+            <a:endParaRPr kumimoji="1" lang="zh-CN" altLang="en-US" sz="1400" dirty="0">
+              <a:latin typeface="Heiti SC Light" charset="-122"/>
+              <a:ea typeface="Heiti SC Light" charset="-122"/>
+              <a:cs typeface="Heiti SC Light" charset="-122"/>
+            </a:endParaRPr>
           </a:p>
         </p:txBody>
       </p:sp>
@@ -13637,6 +13969,11 @@
               </a:rPr>
               <a:t>日志</a:t>
             </a:r>
+            <a:endParaRPr kumimoji="1" lang="zh-CN" altLang="en-US" sz="1400" dirty="0">
+              <a:latin typeface="Heiti SC Light" charset="-122"/>
+              <a:ea typeface="Heiti SC Light" charset="-122"/>
+              <a:cs typeface="Heiti SC Light" charset="-122"/>
+            </a:endParaRPr>
           </a:p>
         </p:txBody>
       </p:sp>
@@ -13695,6 +14032,11 @@
               </a:rPr>
               <a:t>版本日志</a:t>
             </a:r>
+            <a:endParaRPr kumimoji="1" lang="zh-CN" altLang="en-US" sz="1400" dirty="0">
+              <a:latin typeface="Heiti SC Light" charset="-122"/>
+              <a:ea typeface="Heiti SC Light" charset="-122"/>
+              <a:cs typeface="Heiti SC Light" charset="-122"/>
+            </a:endParaRPr>
           </a:p>
         </p:txBody>
       </p:sp>
@@ -14161,7 +14503,7 @@
           <p:nvPr/>
         </p:nvCxnSpPr>
         <p:spPr>
-          <a:xfrm flipV="1">
+          <a:xfrm flipV="true">
             <a:off x="5930468" y="1120818"/>
             <a:ext cx="902673" cy="5455"/>
           </a:xfrm>
@@ -14368,6 +14710,11 @@
               </a:rPr>
               <a:t>调度结果</a:t>
             </a:r>
+            <a:endParaRPr kumimoji="1" lang="zh-CN" altLang="en-US" sz="1400" dirty="0" smtClean="0">
+              <a:latin typeface="Heiti SC Light" charset="-122"/>
+              <a:ea typeface="Heiti SC Light" charset="-122"/>
+              <a:cs typeface="Heiti SC Light" charset="-122"/>
+            </a:endParaRPr>
           </a:p>
           <a:p>
             <a:pPr algn="ctr"/>
@@ -14394,7 +14741,7 @@
           <p:nvPr/>
         </p:nvCxnSpPr>
         <p:spPr>
-          <a:xfrm flipH="1">
+          <a:xfrm flipH="true">
             <a:off x="5940012" y="2356487"/>
             <a:ext cx="893129" cy="645"/>
           </a:xfrm>
@@ -14520,62 +14867,6 @@
               </a:rPr>
               <a:t>任务线程</a:t>
             </a:r>
-          </a:p>
-        </p:txBody>
-      </p:sp>
-      <p:sp>
-        <p:nvSpPr>
-          <p:cNvPr id="196" name="磁盘 195"/>
-          <p:cNvSpPr/>
-          <p:nvPr/>
-        </p:nvSpPr>
-        <p:spPr>
-          <a:xfrm>
-            <a:off x="9904842" y="1079536"/>
-            <a:ext cx="1295671" cy="663886"/>
-          </a:xfrm>
-          <a:prstGeom prst="flowChartMagneticDisk">
-            <a:avLst/>
-          </a:prstGeom>
-        </p:spPr>
-        <p:style>
-          <a:lnRef idx="1">
-            <a:schemeClr val="accent4"/>
-          </a:lnRef>
-          <a:fillRef idx="2">
-            <a:schemeClr val="accent4"/>
-          </a:fillRef>
-          <a:effectRef idx="1">
-            <a:schemeClr val="accent4"/>
-          </a:effectRef>
-          <a:fontRef idx="minor">
-            <a:schemeClr val="dk1"/>
-          </a:fontRef>
-        </p:style>
-        <p:txBody>
-          <a:bodyPr anchor="ctr"/>
-          <a:lstStyle/>
-          <a:p>
-            <a:pPr algn="ctr"/>
-            <a:r>
-              <a:rPr kumimoji="1" lang="zh-CN" altLang="en-US" sz="1400" dirty="0">
-                <a:latin typeface="Heiti SC Light" charset="-122"/>
-                <a:ea typeface="Heiti SC Light" charset="-122"/>
-                <a:cs typeface="Heiti SC Light" charset="-122"/>
-              </a:rPr>
-              <a:t>调度请求</a:t>
-            </a:r>
-          </a:p>
-          <a:p>
-            <a:pPr algn="ctr"/>
-            <a:r>
-              <a:rPr kumimoji="1" lang="en-US" altLang="zh-CN" sz="1400" dirty="0">
-                <a:latin typeface="Heiti SC Light" charset="-122"/>
-                <a:ea typeface="Heiti SC Light" charset="-122"/>
-                <a:cs typeface="Heiti SC Light" charset="-122"/>
-              </a:rPr>
-              <a:t>(queue)</a:t>
-            </a:r>
             <a:endParaRPr kumimoji="1" lang="zh-CN" altLang="en-US" sz="1400" dirty="0">
               <a:latin typeface="Heiti SC Light" charset="-122"/>
               <a:ea typeface="Heiti SC Light" charset="-122"/>
@@ -14584,6 +14875,72 @@
           </a:p>
         </p:txBody>
       </p:sp>
+      <p:sp>
+        <p:nvSpPr>
+          <p:cNvPr id="196" name="磁盘 195"/>
+          <p:cNvSpPr/>
+          <p:nvPr/>
+        </p:nvSpPr>
+        <p:spPr>
+          <a:xfrm>
+            <a:off x="9904842" y="1079536"/>
+            <a:ext cx="1295671" cy="663886"/>
+          </a:xfrm>
+          <a:prstGeom prst="flowChartMagneticDisk">
+            <a:avLst/>
+          </a:prstGeom>
+        </p:spPr>
+        <p:style>
+          <a:lnRef idx="1">
+            <a:schemeClr val="accent4"/>
+          </a:lnRef>
+          <a:fillRef idx="2">
+            <a:schemeClr val="accent4"/>
+          </a:fillRef>
+          <a:effectRef idx="1">
+            <a:schemeClr val="accent4"/>
+          </a:effectRef>
+          <a:fontRef idx="minor">
+            <a:schemeClr val="dk1"/>
+          </a:fontRef>
+        </p:style>
+        <p:txBody>
+          <a:bodyPr anchor="ctr"/>
+          <a:lstStyle/>
+          <a:p>
+            <a:pPr algn="ctr"/>
+            <a:r>
+              <a:rPr kumimoji="1" lang="zh-CN" altLang="en-US" sz="1400" dirty="0">
+                <a:latin typeface="Heiti SC Light" charset="-122"/>
+                <a:ea typeface="Heiti SC Light" charset="-122"/>
+                <a:cs typeface="Heiti SC Light" charset="-122"/>
+              </a:rPr>
+              <a:t>调度请求</a:t>
+            </a:r>
+            <a:endParaRPr kumimoji="1" lang="zh-CN" altLang="en-US" sz="1400" dirty="0">
+              <a:latin typeface="Heiti SC Light" charset="-122"/>
+              <a:ea typeface="Heiti SC Light" charset="-122"/>
+              <a:cs typeface="Heiti SC Light" charset="-122"/>
+            </a:endParaRPr>
+          </a:p>
+          <a:p>
+            <a:pPr algn="ctr"/>
+            <a:r>
+              <a:rPr kumimoji="1" lang="en-US" altLang="zh-CN" sz="1400" dirty="0">
+                <a:latin typeface="Heiti SC Light" charset="-122"/>
+                <a:ea typeface="Heiti SC Light" charset="-122"/>
+                <a:cs typeface="Heiti SC Light" charset="-122"/>
+              </a:rPr>
+              <a:t>(queue)</a:t>
+            </a:r>
+            <a:endParaRPr kumimoji="1" lang="zh-CN" altLang="en-US" sz="1400" dirty="0">
+              <a:latin typeface="Heiti SC Light" charset="-122"/>
+              <a:ea typeface="Heiti SC Light" charset="-122"/>
+              <a:cs typeface="Heiti SC Light" charset="-122"/>
+            </a:endParaRPr>
+          </a:p>
+        </p:txBody>
+      </p:sp>
       <p:cxnSp>
         <p:nvCxnSpPr>
           <p:cNvPr id="207" name="直线箭头连接符 206"/>
@@ -14591,7 +14948,7 @@
           <p:nvPr/>
         </p:nvCxnSpPr>
         <p:spPr>
-          <a:xfrm flipH="1" flipV="1">
+          <a:xfrm flipH="true" flipV="true">
             <a:off x="5938417" y="3627371"/>
             <a:ext cx="872707" cy="11641"/>
           </a:xfrm>
@@ -14689,7 +15046,7 @@
           <p:nvPr/>
         </p:nvCxnSpPr>
         <p:spPr>
-          <a:xfrm flipH="1" flipV="1">
+          <a:xfrm flipH="true" flipV="true">
             <a:off x="5943168" y="4896551"/>
             <a:ext cx="903294" cy="11119"/>
           </a:xfrm>
@@ -14813,41 +15170,46 @@
               </a:rPr>
               <a:t>执行日志</a:t>
             </a:r>
-          </a:p>
-          <a:p>
-            <a:pPr algn="ctr">
-              <a:defRPr/>
-            </a:pPr>
-            <a:r>
-              <a:rPr kumimoji="1" lang="en-US" altLang="zh-CN" sz="1400" dirty="0">
-                <a:latin typeface="Heiti SC Light" charset="-122"/>
-                <a:ea typeface="Heiti SC Light" charset="-122"/>
-                <a:cs typeface="Heiti SC Light" charset="-122"/>
-              </a:rPr>
-              <a:t>(Log</a:t>
-            </a:r>
-            <a:r>
-              <a:rPr kumimoji="1" lang="zh-CN" altLang="en-US" sz="1400" dirty="0">
-                <a:latin typeface="Heiti SC Light" charset="-122"/>
-                <a:ea typeface="Heiti SC Light" charset="-122"/>
-                <a:cs typeface="Heiti SC Light" charset="-122"/>
-              </a:rPr>
-              <a:t>文件</a:t>
-            </a:r>
-            <a:r>
-              <a:rPr kumimoji="1" lang="en-US" altLang="zh-CN" sz="1400" dirty="0">
-                <a:latin typeface="Heiti SC Light" charset="-122"/>
-                <a:ea typeface="Heiti SC Light" charset="-122"/>
-                <a:cs typeface="Heiti SC Light" charset="-122"/>
-              </a:rPr>
-              <a:t>)</a:t>
-            </a:r>
             <a:endParaRPr kumimoji="1" lang="zh-CN" altLang="en-US" sz="1400" dirty="0">
               <a:latin typeface="Heiti SC Light" charset="-122"/>
               <a:ea typeface="Heiti SC Light" charset="-122"/>
               <a:cs typeface="Heiti SC Light" charset="-122"/>
             </a:endParaRPr>
           </a:p>
+          <a:p>
+            <a:pPr algn="ctr">
+              <a:defRPr/>
+            </a:pPr>
+            <a:r>
+              <a:rPr kumimoji="1" lang="en-US" altLang="zh-CN" sz="1400" dirty="0">
+                <a:latin typeface="Heiti SC Light" charset="-122"/>
+                <a:ea typeface="Heiti SC Light" charset="-122"/>
+                <a:cs typeface="Heiti SC Light" charset="-122"/>
+              </a:rPr>
+              <a:t>(Log</a:t>
+            </a:r>
+            <a:r>
+              <a:rPr kumimoji="1" lang="zh-CN" altLang="en-US" sz="1400" dirty="0">
+                <a:latin typeface="Heiti SC Light" charset="-122"/>
+                <a:ea typeface="Heiti SC Light" charset="-122"/>
+                <a:cs typeface="Heiti SC Light" charset="-122"/>
+              </a:rPr>
+              <a:t>文件</a:t>
+            </a:r>
+            <a:r>
+              <a:rPr kumimoji="1" lang="en-US" altLang="zh-CN" sz="1400" dirty="0">
+                <a:latin typeface="Heiti SC Light" charset="-122"/>
+                <a:ea typeface="Heiti SC Light" charset="-122"/>
+                <a:cs typeface="Heiti SC Light" charset="-122"/>
+              </a:rPr>
+              <a:t>)</a:t>
+            </a:r>
+            <a:endParaRPr kumimoji="1" lang="zh-CN" altLang="en-US" sz="1400" dirty="0">
+              <a:latin typeface="Heiti SC Light" charset="-122"/>
+              <a:ea typeface="Heiti SC Light" charset="-122"/>
+              <a:cs typeface="Heiti SC Light" charset="-122"/>
+            </a:endParaRPr>
+          </a:p>
         </p:txBody>
       </p:sp>
       <p:sp>
@@ -14895,6 +15257,11 @@
               </a:rPr>
               <a:t>回调线程</a:t>
             </a:r>
+            <a:endParaRPr kumimoji="1" lang="zh-CN" altLang="en-US" sz="1400" dirty="0">
+              <a:latin typeface="Heiti SC Light" charset="-122"/>
+              <a:ea typeface="Heiti SC Light" charset="-122"/>
+              <a:cs typeface="Heiti SC Light" charset="-122"/>
+            </a:endParaRPr>
           </a:p>
         </p:txBody>
       </p:sp>
@@ -14905,7 +15272,7 @@
           <p:nvPr/>
         </p:nvCxnSpPr>
         <p:spPr>
-          <a:xfrm flipH="1">
+          <a:xfrm flipH="true">
             <a:off x="9337243" y="2378430"/>
             <a:ext cx="366394" cy="3349"/>
           </a:xfrm>
@@ -14940,7 +15307,7 @@
           <p:nvPr/>
         </p:nvCxnSpPr>
         <p:spPr>
-          <a:xfrm flipH="1">
+          <a:xfrm flipH="true">
             <a:off x="9337243" y="3661114"/>
             <a:ext cx="366394" cy="3349"/>
           </a:xfrm>
@@ -15023,41 +15390,46 @@
               </a:rPr>
               <a:t>日志</a:t>
             </a:r>
-          </a:p>
-          <a:p>
-            <a:pPr algn="ctr">
-              <a:defRPr/>
-            </a:pPr>
-            <a:r>
-              <a:rPr kumimoji="1" lang="en-US" altLang="zh-CN" sz="1400" dirty="0">
-                <a:latin typeface="Heiti SC Light" charset="-122"/>
-                <a:ea typeface="Heiti SC Light" charset="-122"/>
-                <a:cs typeface="Heiti SC Light" charset="-122"/>
-              </a:rPr>
-              <a:t>(</a:t>
-            </a:r>
-            <a:r>
-              <a:rPr kumimoji="1" lang="zh-CN" altLang="en-US" sz="1400" dirty="0">
-                <a:latin typeface="Heiti SC Light" charset="-122"/>
-                <a:ea typeface="Heiti SC Light" charset="-122"/>
-                <a:cs typeface="Heiti SC Light" charset="-122"/>
-              </a:rPr>
-              <a:t>实时</a:t>
-            </a:r>
-            <a:r>
-              <a:rPr kumimoji="1" lang="en-US" altLang="zh-CN" sz="1400" dirty="0">
-                <a:latin typeface="Heiti SC Light" charset="-122"/>
-                <a:ea typeface="Heiti SC Light" charset="-122"/>
-                <a:cs typeface="Heiti SC Light" charset="-122"/>
-              </a:rPr>
-              <a:t>)</a:t>
-            </a:r>
             <a:endParaRPr kumimoji="1" lang="zh-CN" altLang="en-US" sz="1400" dirty="0">
               <a:latin typeface="Heiti SC Light" charset="-122"/>
               <a:ea typeface="Heiti SC Light" charset="-122"/>
               <a:cs typeface="Heiti SC Light" charset="-122"/>
             </a:endParaRPr>
           </a:p>
+          <a:p>
+            <a:pPr algn="ctr">
+              <a:defRPr/>
+            </a:pPr>
+            <a:r>
+              <a:rPr kumimoji="1" lang="en-US" altLang="zh-CN" sz="1400" dirty="0">
+                <a:latin typeface="Heiti SC Light" charset="-122"/>
+                <a:ea typeface="Heiti SC Light" charset="-122"/>
+                <a:cs typeface="Heiti SC Light" charset="-122"/>
+              </a:rPr>
+              <a:t>(</a:t>
+            </a:r>
+            <a:r>
+              <a:rPr kumimoji="1" lang="zh-CN" altLang="en-US" sz="1400" dirty="0">
+                <a:latin typeface="Heiti SC Light" charset="-122"/>
+                <a:ea typeface="Heiti SC Light" charset="-122"/>
+                <a:cs typeface="Heiti SC Light" charset="-122"/>
+              </a:rPr>
+              <a:t>实时</a:t>
+            </a:r>
+            <a:r>
+              <a:rPr kumimoji="1" lang="en-US" altLang="zh-CN" sz="1400" dirty="0">
+                <a:latin typeface="Heiti SC Light" charset="-122"/>
+                <a:ea typeface="Heiti SC Light" charset="-122"/>
+                <a:cs typeface="Heiti SC Light" charset="-122"/>
+              </a:rPr>
+              <a:t>)</a:t>
+            </a:r>
+            <a:endParaRPr kumimoji="1" lang="zh-CN" altLang="en-US" sz="1400" dirty="0">
+              <a:latin typeface="Heiti SC Light" charset="-122"/>
+              <a:ea typeface="Heiti SC Light" charset="-122"/>
+              <a:cs typeface="Heiti SC Light" charset="-122"/>
+            </a:endParaRPr>
+          </a:p>
         </p:txBody>
       </p:sp>
       <p:sp>
@@ -15107,6 +15479,11 @@
               </a:rPr>
               <a:t>日志服务</a:t>
             </a:r>
+            <a:endParaRPr kumimoji="1" lang="zh-CN" altLang="en-US" sz="1400" dirty="0">
+              <a:latin typeface="Heiti SC Light" charset="-122"/>
+              <a:ea typeface="Heiti SC Light" charset="-122"/>
+              <a:cs typeface="Heiti SC Light" charset="-122"/>
+            </a:endParaRPr>
           </a:p>
           <a:p>
             <a:pPr algn="ctr">
@@ -15277,6 +15654,14 @@
               </a:rPr>
               <a:t>调度中心</a:t>
             </a:r>
+            <a:endParaRPr kumimoji="1" lang="zh-CN" altLang="en-US" sz="1600" b="1" dirty="0">
+              <a:solidFill>
+                <a:schemeClr val="tx1"/>
+              </a:solidFill>
+              <a:latin typeface="Heiti SC Light" charset="-122"/>
+              <a:ea typeface="Heiti SC Light" charset="-122"/>
+              <a:cs typeface="Heiti SC Light" charset="-122"/>
+            </a:endParaRPr>
           </a:p>
         </p:txBody>
       </p:sp>
@@ -15379,6 +15764,11 @@
               </a:rPr>
               <a:t>注册服务</a:t>
             </a:r>
+            <a:endParaRPr kumimoji="1" lang="zh-CN" altLang="en-US" sz="1400" dirty="0" smtClean="0">
+              <a:latin typeface="Heiti SC Light" charset="-122"/>
+              <a:ea typeface="Heiti SC Light" charset="-122"/>
+              <a:cs typeface="Heiti SC Light" charset="-122"/>
+            </a:endParaRPr>
           </a:p>
           <a:p>
             <a:pPr algn="ctr">
@@ -16063,6 +16453,11 @@
               </a:rPr>
               <a:t>调度器</a:t>
             </a:r>
+            <a:endParaRPr kumimoji="1" lang="zh-CN" altLang="en-US" sz="1400" dirty="0" smtClean="0">
+              <a:latin typeface="Heiti SC Light" charset="-122"/>
+              <a:ea typeface="Heiti SC Light" charset="-122"/>
+              <a:cs typeface="Heiti SC Light" charset="-122"/>
+            </a:endParaRPr>
           </a:p>
           <a:p>
             <a:pPr algn="ctr">
@@ -16139,6 +16534,11 @@
               </a:rPr>
               <a:t>服务</a:t>
             </a:r>
+            <a:endParaRPr kumimoji="1" lang="zh-CN" altLang="en-US" sz="1400" dirty="0" smtClean="0">
+              <a:latin typeface="Heiti SC Light" charset="-122"/>
+              <a:ea typeface="Heiti SC Light" charset="-122"/>
+              <a:cs typeface="Heiti SC Light" charset="-122"/>
+            </a:endParaRPr>
           </a:p>
           <a:p>
             <a:pPr algn="ctr">
@@ -16210,6 +16610,11 @@
               </a:rPr>
               <a:t>日志管理</a:t>
             </a:r>
+            <a:endParaRPr kumimoji="1" lang="zh-CN" altLang="en-US" sz="1400" b="1" dirty="0">
+              <a:latin typeface="Heiti SC Light" charset="-122"/>
+              <a:ea typeface="Heiti SC Light" charset="-122"/>
+              <a:cs typeface="Heiti SC Light" charset="-122"/>
+            </a:endParaRPr>
           </a:p>
         </p:txBody>
       </p:sp>
@@ -16260,6 +16665,11 @@
               </a:rPr>
               <a:t>调度日志</a:t>
             </a:r>
+            <a:endParaRPr kumimoji="1" lang="zh-CN" altLang="en-US" sz="1400" dirty="0">
+              <a:latin typeface="Heiti SC Light" charset="-122"/>
+              <a:ea typeface="Heiti SC Light" charset="-122"/>
+              <a:cs typeface="Heiti SC Light" charset="-122"/>
+            </a:endParaRPr>
           </a:p>
         </p:txBody>
       </p:sp>
@@ -16318,6 +16728,11 @@
               </a:rPr>
               <a:t>日志</a:t>
             </a:r>
+            <a:endParaRPr kumimoji="1" lang="zh-CN" altLang="en-US" sz="1400" dirty="0">
+              <a:latin typeface="Heiti SC Light" charset="-122"/>
+              <a:ea typeface="Heiti SC Light" charset="-122"/>
+              <a:cs typeface="Heiti SC Light" charset="-122"/>
+            </a:endParaRPr>
           </a:p>
         </p:txBody>
       </p:sp>
@@ -16376,6 +16791,11 @@
               </a:rPr>
               <a:t>版本日志</a:t>
             </a:r>
+            <a:endParaRPr kumimoji="1" lang="zh-CN" altLang="en-US" sz="1400" dirty="0">
+              <a:latin typeface="Heiti SC Light" charset="-122"/>
+              <a:ea typeface="Heiti SC Light" charset="-122"/>
+              <a:cs typeface="Heiti SC Light" charset="-122"/>
+            </a:endParaRPr>
           </a:p>
         </p:txBody>
       </p:sp>
@@ -16834,7 +17254,7 @@
           <p:nvPr/>
         </p:nvCxnSpPr>
         <p:spPr>
-          <a:xfrm flipV="1">
+          <a:xfrm flipV="true">
             <a:off x="5930468" y="1120818"/>
             <a:ext cx="902673" cy="5455"/>
           </a:xfrm>
@@ -17041,6 +17461,11 @@
               </a:rPr>
               <a:t>调度结果</a:t>
             </a:r>
+            <a:endParaRPr kumimoji="1" lang="zh-CN" altLang="en-US" sz="1400" dirty="0" smtClean="0">
+              <a:latin typeface="Heiti SC Light" charset="-122"/>
+              <a:ea typeface="Heiti SC Light" charset="-122"/>
+              <a:cs typeface="Heiti SC Light" charset="-122"/>
+            </a:endParaRPr>
           </a:p>
           <a:p>
             <a:pPr algn="ctr"/>
@@ -17067,7 +17492,7 @@
           <p:nvPr/>
         </p:nvCxnSpPr>
         <p:spPr>
-          <a:xfrm flipH="1">
+          <a:xfrm flipH="true">
             <a:off x="5940012" y="2356487"/>
             <a:ext cx="893129" cy="645"/>
           </a:xfrm>
@@ -17193,62 +17618,6 @@
               </a:rPr>
               <a:t>任务线程</a:t>
             </a:r>
-          </a:p>
-        </p:txBody>
-      </p:sp>
-      <p:sp>
-        <p:nvSpPr>
-          <p:cNvPr id="196" name="磁盘 195"/>
-          <p:cNvSpPr/>
-          <p:nvPr/>
-        </p:nvSpPr>
-        <p:spPr>
-          <a:xfrm>
-            <a:off x="9904842" y="1079536"/>
-            <a:ext cx="1295671" cy="663886"/>
-          </a:xfrm>
-          <a:prstGeom prst="flowChartMagneticDisk">
-            <a:avLst/>
-          </a:prstGeom>
-        </p:spPr>
-        <p:style>
-          <a:lnRef idx="1">
-            <a:schemeClr val="accent4"/>
-          </a:lnRef>
-          <a:fillRef idx="2">
-            <a:schemeClr val="accent4"/>
-          </a:fillRef>
-          <a:effectRef idx="1">
-            <a:schemeClr val="accent4"/>
-          </a:effectRef>
-          <a:fontRef idx="minor">
-            <a:schemeClr val="dk1"/>
-          </a:fontRef>
-        </p:style>
-        <p:txBody>
-          <a:bodyPr anchor="ctr"/>
-          <a:lstStyle/>
-          <a:p>
-            <a:pPr algn="ctr"/>
-            <a:r>
-              <a:rPr kumimoji="1" lang="zh-CN" altLang="en-US" sz="1400" dirty="0">
-                <a:latin typeface="Heiti SC Light" charset="-122"/>
-                <a:ea typeface="Heiti SC Light" charset="-122"/>
-                <a:cs typeface="Heiti SC Light" charset="-122"/>
-              </a:rPr>
-              <a:t>调度请求</a:t>
-            </a:r>
-          </a:p>
-          <a:p>
-            <a:pPr algn="ctr"/>
-            <a:r>
-              <a:rPr kumimoji="1" lang="en-US" altLang="zh-CN" sz="1400" dirty="0">
-                <a:latin typeface="Heiti SC Light" charset="-122"/>
-                <a:ea typeface="Heiti SC Light" charset="-122"/>
-                <a:cs typeface="Heiti SC Light" charset="-122"/>
-              </a:rPr>
-              <a:t>(queue)</a:t>
-            </a:r>
             <a:endParaRPr kumimoji="1" lang="zh-CN" altLang="en-US" sz="1400" dirty="0">
               <a:latin typeface="Heiti SC Light" charset="-122"/>
               <a:ea typeface="Heiti SC Light" charset="-122"/>
@@ -17257,6 +17626,72 @@
           </a:p>
         </p:txBody>
       </p:sp>
+      <p:sp>
+        <p:nvSpPr>
+          <p:cNvPr id="196" name="磁盘 195"/>
+          <p:cNvSpPr/>
+          <p:nvPr/>
+        </p:nvSpPr>
+        <p:spPr>
+          <a:xfrm>
+            <a:off x="9904842" y="1079536"/>
+            <a:ext cx="1295671" cy="663886"/>
+          </a:xfrm>
+          <a:prstGeom prst="flowChartMagneticDisk">
+            <a:avLst/>
+          </a:prstGeom>
+        </p:spPr>
+        <p:style>
+          <a:lnRef idx="1">
+            <a:schemeClr val="accent4"/>
+          </a:lnRef>
+          <a:fillRef idx="2">
+            <a:schemeClr val="accent4"/>
+          </a:fillRef>
+          <a:effectRef idx="1">
+            <a:schemeClr val="accent4"/>
+          </a:effectRef>
+          <a:fontRef idx="minor">
+            <a:schemeClr val="dk1"/>
+          </a:fontRef>
+        </p:style>
+        <p:txBody>
+          <a:bodyPr anchor="ctr"/>
+          <a:lstStyle/>
+          <a:p>
+            <a:pPr algn="ctr"/>
+            <a:r>
+              <a:rPr kumimoji="1" lang="zh-CN" altLang="en-US" sz="1400" dirty="0">
+                <a:latin typeface="Heiti SC Light" charset="-122"/>
+                <a:ea typeface="Heiti SC Light" charset="-122"/>
+                <a:cs typeface="Heiti SC Light" charset="-122"/>
+              </a:rPr>
+              <a:t>调度请求</a:t>
+            </a:r>
+            <a:endParaRPr kumimoji="1" lang="zh-CN" altLang="en-US" sz="1400" dirty="0">
+              <a:latin typeface="Heiti SC Light" charset="-122"/>
+              <a:ea typeface="Heiti SC Light" charset="-122"/>
+              <a:cs typeface="Heiti SC Light" charset="-122"/>
+            </a:endParaRPr>
+          </a:p>
+          <a:p>
+            <a:pPr algn="ctr"/>
+            <a:r>
+              <a:rPr kumimoji="1" lang="en-US" altLang="zh-CN" sz="1400" dirty="0">
+                <a:latin typeface="Heiti SC Light" charset="-122"/>
+                <a:ea typeface="Heiti SC Light" charset="-122"/>
+                <a:cs typeface="Heiti SC Light" charset="-122"/>
+              </a:rPr>
+              <a:t>(queue)</a:t>
+            </a:r>
+            <a:endParaRPr kumimoji="1" lang="zh-CN" altLang="en-US" sz="1400" dirty="0">
+              <a:latin typeface="Heiti SC Light" charset="-122"/>
+              <a:ea typeface="Heiti SC Light" charset="-122"/>
+              <a:cs typeface="Heiti SC Light" charset="-122"/>
+            </a:endParaRPr>
+          </a:p>
+        </p:txBody>
+      </p:sp>
       <p:cxnSp>
         <p:nvCxnSpPr>
           <p:cNvPr id="207" name="直线箭头连接符 206"/>
@@ -17264,7 +17699,7 @@
           <p:nvPr/>
         </p:nvCxnSpPr>
         <p:spPr>
-          <a:xfrm flipH="1" flipV="1">
+          <a:xfrm flipH="true" flipV="true">
             <a:off x="5938417" y="3627371"/>
             <a:ext cx="872707" cy="11641"/>
           </a:xfrm>
@@ -17362,7 +17797,7 @@
           <p:nvPr/>
         </p:nvCxnSpPr>
         <p:spPr>
-          <a:xfrm flipH="1" flipV="1">
+          <a:xfrm flipH="true" flipV="true">
             <a:off x="5943168" y="4896551"/>
             <a:ext cx="903294" cy="11119"/>
           </a:xfrm>
@@ -17486,41 +17921,46 @@
               </a:rPr>
               <a:t>执行日志</a:t>
             </a:r>
-          </a:p>
-          <a:p>
-            <a:pPr algn="ctr">
-              <a:defRPr/>
-            </a:pPr>
-            <a:r>
-              <a:rPr kumimoji="1" lang="en-US" altLang="zh-CN" sz="1400" dirty="0">
-                <a:latin typeface="Heiti SC Light" charset="-122"/>
-                <a:ea typeface="Heiti SC Light" charset="-122"/>
-                <a:cs typeface="Heiti SC Light" charset="-122"/>
-              </a:rPr>
-              <a:t>(Log</a:t>
-            </a:r>
-            <a:r>
-              <a:rPr kumimoji="1" lang="zh-CN" altLang="en-US" sz="1400" dirty="0">
-                <a:latin typeface="Heiti SC Light" charset="-122"/>
-                <a:ea typeface="Heiti SC Light" charset="-122"/>
-                <a:cs typeface="Heiti SC Light" charset="-122"/>
-              </a:rPr>
-              <a:t>文件</a:t>
-            </a:r>
-            <a:r>
-              <a:rPr kumimoji="1" lang="en-US" altLang="zh-CN" sz="1400" dirty="0">
-                <a:latin typeface="Heiti SC Light" charset="-122"/>
-                <a:ea typeface="Heiti SC Light" charset="-122"/>
-                <a:cs typeface="Heiti SC Light" charset="-122"/>
-              </a:rPr>
-              <a:t>)</a:t>
-            </a:r>
             <a:endParaRPr kumimoji="1" lang="zh-CN" altLang="en-US" sz="1400" dirty="0">
               <a:latin typeface="Heiti SC Light" charset="-122"/>
               <a:ea typeface="Heiti SC Light" charset="-122"/>
               <a:cs typeface="Heiti SC Light" charset="-122"/>
             </a:endParaRPr>
           </a:p>
+          <a:p>
+            <a:pPr algn="ctr">
+              <a:defRPr/>
+            </a:pPr>
+            <a:r>
+              <a:rPr kumimoji="1" lang="en-US" altLang="zh-CN" sz="1400" dirty="0">
+                <a:latin typeface="Heiti SC Light" charset="-122"/>
+                <a:ea typeface="Heiti SC Light" charset="-122"/>
+                <a:cs typeface="Heiti SC Light" charset="-122"/>
+              </a:rPr>
+              <a:t>(Log</a:t>
+            </a:r>
+            <a:r>
+              <a:rPr kumimoji="1" lang="zh-CN" altLang="en-US" sz="1400" dirty="0">
+                <a:latin typeface="Heiti SC Light" charset="-122"/>
+                <a:ea typeface="Heiti SC Light" charset="-122"/>
+                <a:cs typeface="Heiti SC Light" charset="-122"/>
+              </a:rPr>
+              <a:t>文件</a:t>
+            </a:r>
+            <a:r>
+              <a:rPr kumimoji="1" lang="en-US" altLang="zh-CN" sz="1400" dirty="0">
+                <a:latin typeface="Heiti SC Light" charset="-122"/>
+                <a:ea typeface="Heiti SC Light" charset="-122"/>
+                <a:cs typeface="Heiti SC Light" charset="-122"/>
+              </a:rPr>
+              <a:t>)</a:t>
+            </a:r>
+            <a:endParaRPr kumimoji="1" lang="zh-CN" altLang="en-US" sz="1400" dirty="0">
+              <a:latin typeface="Heiti SC Light" charset="-122"/>
+              <a:ea typeface="Heiti SC Light" charset="-122"/>
+              <a:cs typeface="Heiti SC Light" charset="-122"/>
+            </a:endParaRPr>
+          </a:p>
         </p:txBody>
       </p:sp>
       <p:sp>
@@ -17568,6 +18008,11 @@
               </a:rPr>
               <a:t>回调线程</a:t>
             </a:r>
+            <a:endParaRPr kumimoji="1" lang="zh-CN" altLang="en-US" sz="1400" dirty="0">
+              <a:latin typeface="Heiti SC Light" charset="-122"/>
+              <a:ea typeface="Heiti SC Light" charset="-122"/>
+              <a:cs typeface="Heiti SC Light" charset="-122"/>
+            </a:endParaRPr>
           </a:p>
         </p:txBody>
       </p:sp>
@@ -17578,7 +18023,7 @@
           <p:nvPr/>
         </p:nvCxnSpPr>
         <p:spPr>
-          <a:xfrm flipH="1">
+          <a:xfrm flipH="true">
             <a:off x="9337243" y="2378430"/>
             <a:ext cx="366394" cy="3349"/>
           </a:xfrm>
@@ -17613,7 +18058,7 @@
           <p:nvPr/>
         </p:nvCxnSpPr>
         <p:spPr>
-          <a:xfrm flipH="1">
+          <a:xfrm flipH="true">
             <a:off x="9337243" y="3661114"/>
             <a:ext cx="366394" cy="3349"/>
           </a:xfrm>
@@ -17696,41 +18141,46 @@
               </a:rPr>
               <a:t>日志</a:t>
             </a:r>
-          </a:p>
-          <a:p>
-            <a:pPr algn="ctr">
-              <a:defRPr/>
-            </a:pPr>
-            <a:r>
-              <a:rPr kumimoji="1" lang="en-US" altLang="zh-CN" sz="1400" dirty="0">
-                <a:latin typeface="Heiti SC Light" charset="-122"/>
-                <a:ea typeface="Heiti SC Light" charset="-122"/>
-                <a:cs typeface="Heiti SC Light" charset="-122"/>
-              </a:rPr>
-              <a:t>(</a:t>
-            </a:r>
-            <a:r>
-              <a:rPr kumimoji="1" lang="zh-CN" altLang="en-US" sz="1400" dirty="0">
-                <a:latin typeface="Heiti SC Light" charset="-122"/>
-                <a:ea typeface="Heiti SC Light" charset="-122"/>
-                <a:cs typeface="Heiti SC Light" charset="-122"/>
-              </a:rPr>
-              <a:t>实时</a:t>
-            </a:r>
-            <a:r>
-              <a:rPr kumimoji="1" lang="en-US" altLang="zh-CN" sz="1400" dirty="0">
-                <a:latin typeface="Heiti SC Light" charset="-122"/>
-                <a:ea typeface="Heiti SC Light" charset="-122"/>
-                <a:cs typeface="Heiti SC Light" charset="-122"/>
-              </a:rPr>
-              <a:t>)</a:t>
-            </a:r>
             <a:endParaRPr kumimoji="1" lang="zh-CN" altLang="en-US" sz="1400" dirty="0">
               <a:latin typeface="Heiti SC Light" charset="-122"/>
               <a:ea typeface="Heiti SC Light" charset="-122"/>
               <a:cs typeface="Heiti SC Light" charset="-122"/>
             </a:endParaRPr>
           </a:p>
+          <a:p>
+            <a:pPr algn="ctr">
+              <a:defRPr/>
+            </a:pPr>
+            <a:r>
+              <a:rPr kumimoji="1" lang="en-US" altLang="zh-CN" sz="1400" dirty="0">
+                <a:latin typeface="Heiti SC Light" charset="-122"/>
+                <a:ea typeface="Heiti SC Light" charset="-122"/>
+                <a:cs typeface="Heiti SC Light" charset="-122"/>
+              </a:rPr>
+              <a:t>(</a:t>
+            </a:r>
+            <a:r>
+              <a:rPr kumimoji="1" lang="zh-CN" altLang="en-US" sz="1400" dirty="0">
+                <a:latin typeface="Heiti SC Light" charset="-122"/>
+                <a:ea typeface="Heiti SC Light" charset="-122"/>
+                <a:cs typeface="Heiti SC Light" charset="-122"/>
+              </a:rPr>
+              <a:t>实时</a:t>
+            </a:r>
+            <a:r>
+              <a:rPr kumimoji="1" lang="en-US" altLang="zh-CN" sz="1400" dirty="0">
+                <a:latin typeface="Heiti SC Light" charset="-122"/>
+                <a:ea typeface="Heiti SC Light" charset="-122"/>
+                <a:cs typeface="Heiti SC Light" charset="-122"/>
+              </a:rPr>
+              <a:t>)</a:t>
+            </a:r>
+            <a:endParaRPr kumimoji="1" lang="zh-CN" altLang="en-US" sz="1400" dirty="0">
+              <a:latin typeface="Heiti SC Light" charset="-122"/>
+              <a:ea typeface="Heiti SC Light" charset="-122"/>
+              <a:cs typeface="Heiti SC Light" charset="-122"/>
+            </a:endParaRPr>
+          </a:p>
         </p:txBody>
       </p:sp>
       <p:sp>
@@ -17780,6 +18230,11 @@
               </a:rPr>
               <a:t>日志服务</a:t>
             </a:r>
+            <a:endParaRPr kumimoji="1" lang="zh-CN" altLang="en-US" sz="1400" dirty="0">
+              <a:latin typeface="Heiti SC Light" charset="-122"/>
+              <a:ea typeface="Heiti SC Light" charset="-122"/>
+              <a:cs typeface="Heiti SC Light" charset="-122"/>
+            </a:endParaRPr>
           </a:p>
           <a:p>
             <a:pPr algn="ctr">
@@ -17888,6 +18343,14 @@
               </a:rPr>
               <a:t>调度中心</a:t>
             </a:r>
+            <a:endParaRPr kumimoji="1" lang="zh-CN" altLang="en-US" sz="1600" b="1" dirty="0">
+              <a:solidFill>
+                <a:schemeClr val="tx1"/>
+              </a:solidFill>
+              <a:latin typeface="Heiti SC Light" charset="-122"/>
+              <a:ea typeface="Heiti SC Light" charset="-122"/>
+              <a:cs typeface="Heiti SC Light" charset="-122"/>
+            </a:endParaRPr>
           </a:p>
         </p:txBody>
       </p:sp>
@@ -17990,6 +18453,11 @@
               </a:rPr>
               <a:t>注册服务</a:t>
             </a:r>
+            <a:endParaRPr kumimoji="1" lang="zh-CN" altLang="en-US" sz="1400" dirty="0" smtClean="0">
+              <a:latin typeface="Heiti SC Light" charset="-122"/>
+              <a:ea typeface="Heiti SC Light" charset="-122"/>
+              <a:cs typeface="Heiti SC Light" charset="-122"/>
+            </a:endParaRPr>
           </a:p>
           <a:p>
             <a:pPr algn="ctr">
@@ -18674,6 +19142,11 @@
               </a:rPr>
               <a:t>调度器</a:t>
             </a:r>
+            <a:endParaRPr kumimoji="1" lang="zh-CN" altLang="en-US" sz="1400" dirty="0" smtClean="0">
+              <a:latin typeface="Heiti SC Light" charset="-122"/>
+              <a:ea typeface="Heiti SC Light" charset="-122"/>
+              <a:cs typeface="Heiti SC Light" charset="-122"/>
+            </a:endParaRPr>
           </a:p>
           <a:p>
             <a:pPr algn="ctr">
@@ -18750,6 +19223,11 @@
               </a:rPr>
               <a:t>服务</a:t>
             </a:r>
+            <a:endParaRPr kumimoji="1" lang="zh-CN" altLang="en-US" sz="1400" dirty="0" smtClean="0">
+              <a:latin typeface="Heiti SC Light" charset="-122"/>
+              <a:ea typeface="Heiti SC Light" charset="-122"/>
+              <a:cs typeface="Heiti SC Light" charset="-122"/>
+            </a:endParaRPr>
           </a:p>
           <a:p>
             <a:pPr algn="ctr">
@@ -18821,6 +19299,11 @@
               </a:rPr>
               <a:t>日志管理</a:t>
             </a:r>
+            <a:endParaRPr kumimoji="1" lang="zh-CN" altLang="en-US" sz="1400" b="1" dirty="0">
+              <a:latin typeface="Heiti SC Light" charset="-122"/>
+              <a:ea typeface="Heiti SC Light" charset="-122"/>
+              <a:cs typeface="Heiti SC Light" charset="-122"/>
+            </a:endParaRPr>
           </a:p>
         </p:txBody>
       </p:sp>
@@ -18871,6 +19354,11 @@
               </a:rPr>
               <a:t>调度日志</a:t>
             </a:r>
+            <a:endParaRPr kumimoji="1" lang="zh-CN" altLang="en-US" sz="1400" dirty="0">
+              <a:latin typeface="Heiti SC Light" charset="-122"/>
+              <a:ea typeface="Heiti SC Light" charset="-122"/>
+              <a:cs typeface="Heiti SC Light" charset="-122"/>
+            </a:endParaRPr>
           </a:p>
         </p:txBody>
       </p:sp>
@@ -18929,6 +19417,11 @@
               </a:rPr>
               <a:t>日志</a:t>
             </a:r>
+            <a:endParaRPr kumimoji="1" lang="zh-CN" altLang="en-US" sz="1400" dirty="0">
+              <a:latin typeface="Heiti SC Light" charset="-122"/>
+              <a:ea typeface="Heiti SC Light" charset="-122"/>
+              <a:cs typeface="Heiti SC Light" charset="-122"/>
+            </a:endParaRPr>
           </a:p>
         </p:txBody>
       </p:sp>
@@ -18987,6 +19480,11 @@
               </a:rPr>
               <a:t>版本日志</a:t>
             </a:r>
+            <a:endParaRPr kumimoji="1" lang="zh-CN" altLang="en-US" sz="1400" dirty="0">
+              <a:latin typeface="Heiti SC Light" charset="-122"/>
+              <a:ea typeface="Heiti SC Light" charset="-122"/>
+              <a:cs typeface="Heiti SC Light" charset="-122"/>
+            </a:endParaRPr>
           </a:p>
         </p:txBody>
       </p:sp>
@@ -19445,7 +19943,7 @@
           <p:nvPr/>
         </p:nvCxnSpPr>
         <p:spPr>
-          <a:xfrm flipV="1">
+          <a:xfrm flipV="true">
             <a:off x="5930468" y="1120818"/>
             <a:ext cx="902673" cy="5455"/>
           </a:xfrm>
@@ -19652,6 +20150,11 @@
               </a:rPr>
               <a:t>调度结果</a:t>
             </a:r>
+            <a:endParaRPr kumimoji="1" lang="zh-CN" altLang="en-US" sz="1400" dirty="0" smtClean="0">
+              <a:latin typeface="Heiti SC Light" charset="-122"/>
+              <a:ea typeface="Heiti SC Light" charset="-122"/>
+              <a:cs typeface="Heiti SC Light" charset="-122"/>
+            </a:endParaRPr>
           </a:p>
           <a:p>
             <a:pPr algn="ctr"/>
@@ -19678,7 +20181,7 @@
           <p:nvPr/>
         </p:nvCxnSpPr>
         <p:spPr>
-          <a:xfrm flipH="1">
+          <a:xfrm flipH="true">
             <a:off x="5940012" y="2356487"/>
             <a:ext cx="893129" cy="645"/>
           </a:xfrm>
@@ -19804,62 +20307,6 @@
               </a:rPr>
               <a:t>任务线程</a:t>
             </a:r>
-          </a:p>
-        </p:txBody>
-      </p:sp>
-      <p:sp>
-        <p:nvSpPr>
-          <p:cNvPr id="196" name="磁盘 195"/>
-          <p:cNvSpPr/>
-          <p:nvPr/>
-        </p:nvSpPr>
-        <p:spPr>
-          <a:xfrm>
-            <a:off x="9904842" y="1079536"/>
-            <a:ext cx="1295671" cy="663886"/>
-          </a:xfrm>
-          <a:prstGeom prst="flowChartMagneticDisk">
-            <a:avLst/>
-          </a:prstGeom>
-        </p:spPr>
-        <p:style>
-          <a:lnRef idx="1">
-            <a:schemeClr val="accent4"/>
-          </a:lnRef>
-          <a:fillRef idx="2">
-            <a:schemeClr val="accent4"/>
-          </a:fillRef>
-          <a:effectRef idx="1">
-            <a:schemeClr val="accent4"/>
-          </a:effectRef>
-          <a:fontRef idx="minor">
-            <a:schemeClr val="dk1"/>
-          </a:fontRef>
-        </p:style>
-        <p:txBody>
-          <a:bodyPr anchor="ctr"/>
-          <a:lstStyle/>
-          <a:p>
-            <a:pPr algn="ctr"/>
-            <a:r>
-              <a:rPr kumimoji="1" lang="zh-CN" altLang="en-US" sz="1400" dirty="0">
-                <a:latin typeface="Heiti SC Light" charset="-122"/>
-                <a:ea typeface="Heiti SC Light" charset="-122"/>
-                <a:cs typeface="Heiti SC Light" charset="-122"/>
-              </a:rPr>
-              <a:t>调度请求</a:t>
-            </a:r>
-          </a:p>
-          <a:p>
-            <a:pPr algn="ctr"/>
-            <a:r>
-              <a:rPr kumimoji="1" lang="en-US" altLang="zh-CN" sz="1400" dirty="0">
-                <a:latin typeface="Heiti SC Light" charset="-122"/>
-                <a:ea typeface="Heiti SC Light" charset="-122"/>
-                <a:cs typeface="Heiti SC Light" charset="-122"/>
-              </a:rPr>
-              <a:t>(queue)</a:t>
-            </a:r>
             <a:endParaRPr kumimoji="1" lang="zh-CN" altLang="en-US" sz="1400" dirty="0">
               <a:latin typeface="Heiti SC Light" charset="-122"/>
               <a:ea typeface="Heiti SC Light" charset="-122"/>
@@ -19868,6 +20315,72 @@
           </a:p>
         </p:txBody>
       </p:sp>
+      <p:sp>
+        <p:nvSpPr>
+          <p:cNvPr id="196" name="磁盘 195"/>
+          <p:cNvSpPr/>
+          <p:nvPr/>
+        </p:nvSpPr>
+        <p:spPr>
+          <a:xfrm>
+            <a:off x="9904842" y="1079536"/>
+            <a:ext cx="1295671" cy="663886"/>
+          </a:xfrm>
+          <a:prstGeom prst="flowChartMagneticDisk">
+            <a:avLst/>
+          </a:prstGeom>
+        </p:spPr>
+        <p:style>
+          <a:lnRef idx="1">
+            <a:schemeClr val="accent4"/>
+          </a:lnRef>
+          <a:fillRef idx="2">
+            <a:schemeClr val="accent4"/>
+          </a:fillRef>
+          <a:effectRef idx="1">
+            <a:schemeClr val="accent4"/>
+          </a:effectRef>
+          <a:fontRef idx="minor">
+            <a:schemeClr val="dk1"/>
+          </a:fontRef>
+        </p:style>
+        <p:txBody>
+          <a:bodyPr anchor="ctr"/>
+          <a:lstStyle/>
+          <a:p>
+            <a:pPr algn="ctr"/>
+            <a:r>
+              <a:rPr kumimoji="1" lang="zh-CN" altLang="en-US" sz="1400" dirty="0">
+                <a:latin typeface="Heiti SC Light" charset="-122"/>
+                <a:ea typeface="Heiti SC Light" charset="-122"/>
+                <a:cs typeface="Heiti SC Light" charset="-122"/>
+              </a:rPr>
+              <a:t>调度请求</a:t>
+            </a:r>
+            <a:endParaRPr kumimoji="1" lang="zh-CN" altLang="en-US" sz="1400" dirty="0">
+              <a:latin typeface="Heiti SC Light" charset="-122"/>
+              <a:ea typeface="Heiti SC Light" charset="-122"/>
+              <a:cs typeface="Heiti SC Light" charset="-122"/>
+            </a:endParaRPr>
+          </a:p>
+          <a:p>
+            <a:pPr algn="ctr"/>
+            <a:r>
+              <a:rPr kumimoji="1" lang="en-US" altLang="zh-CN" sz="1400" dirty="0">
+                <a:latin typeface="Heiti SC Light" charset="-122"/>
+                <a:ea typeface="Heiti SC Light" charset="-122"/>
+                <a:cs typeface="Heiti SC Light" charset="-122"/>
+              </a:rPr>
+              <a:t>(queue)</a:t>
+            </a:r>
+            <a:endParaRPr kumimoji="1" lang="zh-CN" altLang="en-US" sz="1400" dirty="0">
+              <a:latin typeface="Heiti SC Light" charset="-122"/>
+              <a:ea typeface="Heiti SC Light" charset="-122"/>
+              <a:cs typeface="Heiti SC Light" charset="-122"/>
+            </a:endParaRPr>
+          </a:p>
+        </p:txBody>
+      </p:sp>
       <p:cxnSp>
         <p:nvCxnSpPr>
           <p:cNvPr id="207" name="直线箭头连接符 206"/>
@@ -19875,7 +20388,7 @@
           <p:nvPr/>
         </p:nvCxnSpPr>
         <p:spPr>
-          <a:xfrm flipH="1" flipV="1">
+          <a:xfrm flipH="true" flipV="true">
             <a:off x="5938417" y="3627371"/>
             <a:ext cx="872707" cy="11641"/>
           </a:xfrm>
@@ -19973,7 +20486,7 @@
           <p:nvPr/>
         </p:nvCxnSpPr>
         <p:spPr>
-          <a:xfrm flipH="1" flipV="1">
+          <a:xfrm flipH="true" flipV="true">
             <a:off x="5943168" y="4896551"/>
             <a:ext cx="903294" cy="11119"/>
           </a:xfrm>
@@ -20097,41 +20610,46 @@
               </a:rPr>
               <a:t>执行日志</a:t>
             </a:r>
-          </a:p>
-          <a:p>
-            <a:pPr algn="ctr">
-              <a:defRPr/>
-            </a:pPr>
-            <a:r>
-              <a:rPr kumimoji="1" lang="en-US" altLang="zh-CN" sz="1400" dirty="0">
-                <a:latin typeface="Heiti SC Light" charset="-122"/>
-                <a:ea typeface="Heiti SC Light" charset="-122"/>
-                <a:cs typeface="Heiti SC Light" charset="-122"/>
-              </a:rPr>
-              <a:t>(Log</a:t>
-            </a:r>
-            <a:r>
-              <a:rPr kumimoji="1" lang="zh-CN" altLang="en-US" sz="1400" dirty="0">
-                <a:latin typeface="Heiti SC Light" charset="-122"/>
-                <a:ea typeface="Heiti SC Light" charset="-122"/>
-                <a:cs typeface="Heiti SC Light" charset="-122"/>
-              </a:rPr>
-              <a:t>文件</a:t>
-            </a:r>
-            <a:r>
-              <a:rPr kumimoji="1" lang="en-US" altLang="zh-CN" sz="1400" dirty="0">
-                <a:latin typeface="Heiti SC Light" charset="-122"/>
-                <a:ea typeface="Heiti SC Light" charset="-122"/>
-                <a:cs typeface="Heiti SC Light" charset="-122"/>
-              </a:rPr>
-              <a:t>)</a:t>
-            </a:r>
             <a:endParaRPr kumimoji="1" lang="zh-CN" altLang="en-US" sz="1400" dirty="0">
               <a:latin typeface="Heiti SC Light" charset="-122"/>
               <a:ea typeface="Heiti SC Light" charset="-122"/>
               <a:cs typeface="Heiti SC Light" charset="-122"/>
             </a:endParaRPr>
           </a:p>
+          <a:p>
+            <a:pPr algn="ctr">
+              <a:defRPr/>
+            </a:pPr>
+            <a:r>
+              <a:rPr kumimoji="1" lang="en-US" altLang="zh-CN" sz="1400" dirty="0">
+                <a:latin typeface="Heiti SC Light" charset="-122"/>
+                <a:ea typeface="Heiti SC Light" charset="-122"/>
+                <a:cs typeface="Heiti SC Light" charset="-122"/>
+              </a:rPr>
+              <a:t>(Log</a:t>
+            </a:r>
+            <a:r>
+              <a:rPr kumimoji="1" lang="zh-CN" altLang="en-US" sz="1400" dirty="0">
+                <a:latin typeface="Heiti SC Light" charset="-122"/>
+                <a:ea typeface="Heiti SC Light" charset="-122"/>
+                <a:cs typeface="Heiti SC Light" charset="-122"/>
+              </a:rPr>
+              <a:t>文件</a:t>
+            </a:r>
+            <a:r>
+              <a:rPr kumimoji="1" lang="en-US" altLang="zh-CN" sz="1400" dirty="0">
+                <a:latin typeface="Heiti SC Light" charset="-122"/>
+                <a:ea typeface="Heiti SC Light" charset="-122"/>
+                <a:cs typeface="Heiti SC Light" charset="-122"/>
+              </a:rPr>
+              <a:t>)</a:t>
+            </a:r>
+            <a:endParaRPr kumimoji="1" lang="zh-CN" altLang="en-US" sz="1400" dirty="0">
+              <a:latin typeface="Heiti SC Light" charset="-122"/>
+              <a:ea typeface="Heiti SC Light" charset="-122"/>
+              <a:cs typeface="Heiti SC Light" charset="-122"/>
+            </a:endParaRPr>
+          </a:p>
         </p:txBody>
       </p:sp>
       <p:sp>
@@ -20179,6 +20697,11 @@
               </a:rPr>
               <a:t>回调线程</a:t>
             </a:r>
+            <a:endParaRPr kumimoji="1" lang="zh-CN" altLang="en-US" sz="1400" dirty="0">
+              <a:latin typeface="Heiti SC Light" charset="-122"/>
+              <a:ea typeface="Heiti SC Light" charset="-122"/>
+              <a:cs typeface="Heiti SC Light" charset="-122"/>
+            </a:endParaRPr>
           </a:p>
         </p:txBody>
       </p:sp>
@@ -20189,7 +20712,7 @@
           <p:nvPr/>
         </p:nvCxnSpPr>
         <p:spPr>
-          <a:xfrm flipH="1">
+          <a:xfrm flipH="true">
             <a:off x="9337243" y="2378430"/>
             <a:ext cx="366394" cy="3349"/>
           </a:xfrm>
@@ -20224,7 +20747,7 @@
           <p:nvPr/>
         </p:nvCxnSpPr>
         <p:spPr>
-          <a:xfrm flipH="1">
+          <a:xfrm flipH="true">
             <a:off x="9337243" y="3661114"/>
             <a:ext cx="366394" cy="3349"/>
           </a:xfrm>
@@ -20307,102 +20830,39 @@
               </a:rPr>
               <a:t>日志</a:t>
             </a:r>
-          </a:p>
-          <a:p>
-            <a:pPr algn="ctr">
-              <a:defRPr/>
-            </a:pPr>
-            <a:r>
-              <a:rPr kumimoji="1" lang="en-US" altLang="zh-CN" sz="1400" dirty="0">
-                <a:latin typeface="Heiti SC Light" charset="-122"/>
-                <a:ea typeface="Heiti SC Light" charset="-122"/>
-                <a:cs typeface="Heiti SC Light" charset="-122"/>
-              </a:rPr>
-              <a:t>(</a:t>
-            </a:r>
-            <a:r>
-              <a:rPr kumimoji="1" lang="zh-CN" altLang="en-US" sz="1400" dirty="0">
-                <a:latin typeface="Heiti SC Light" charset="-122"/>
-                <a:ea typeface="Heiti SC Light" charset="-122"/>
-                <a:cs typeface="Heiti SC Light" charset="-122"/>
-              </a:rPr>
-              <a:t>实时</a:t>
-            </a:r>
-            <a:r>
-              <a:rPr kumimoji="1" lang="en-US" altLang="zh-CN" sz="1400" dirty="0">
-                <a:latin typeface="Heiti SC Light" charset="-122"/>
-                <a:ea typeface="Heiti SC Light" charset="-122"/>
-                <a:cs typeface="Heiti SC Light" charset="-122"/>
-              </a:rPr>
-              <a:t>)</a:t>
-            </a:r>
             <a:endParaRPr kumimoji="1" lang="zh-CN" altLang="en-US" sz="1400" dirty="0">
               <a:latin typeface="Heiti SC Light" charset="-122"/>
               <a:ea typeface="Heiti SC Light" charset="-122"/>
               <a:cs typeface="Heiti SC Light" charset="-122"/>
             </a:endParaRPr>
           </a:p>
-        </p:txBody>
-      </p:sp>
-      <p:sp>
-        <p:nvSpPr>
-          <p:cNvPr id="122" name="可选流程 121"/>
-          <p:cNvSpPr/>
-          <p:nvPr/>
-        </p:nvSpPr>
-        <p:spPr>
-          <a:xfrm>
-            <a:off x="6959118" y="2073918"/>
-            <a:ext cx="1074713" cy="580685"/>
-          </a:xfrm>
-          <a:prstGeom prst="flowChartAlternateProcess">
-            <a:avLst/>
-          </a:prstGeom>
-          <a:solidFill>
-            <a:srgbClr val="6095C9"/>
-          </a:solidFill>
-        </p:spPr>
-        <p:style>
-          <a:lnRef idx="0">
-            <a:schemeClr val="accent1"/>
-          </a:lnRef>
-          <a:fillRef idx="3">
-            <a:schemeClr val="accent1"/>
-          </a:fillRef>
-          <a:effectRef idx="3">
-            <a:schemeClr val="accent1"/>
-          </a:effectRef>
-          <a:fontRef idx="minor">
-            <a:schemeClr val="lt1"/>
-          </a:fontRef>
-        </p:style>
-        <p:txBody>
-          <a:bodyPr anchor="ctr"/>
-          <a:lstStyle/>
           <a:p>
             <a:pPr algn="ctr">
               <a:defRPr/>
             </a:pPr>
             <a:r>
+              <a:rPr kumimoji="1" lang="en-US" altLang="zh-CN" sz="1400" dirty="0">
+                <a:latin typeface="Heiti SC Light" charset="-122"/>
+                <a:ea typeface="Heiti SC Light" charset="-122"/>
+                <a:cs typeface="Heiti SC Light" charset="-122"/>
+              </a:rPr>
+              <a:t>(</a:t>
+            </a:r>
+            <a:r>
               <a:rPr kumimoji="1" lang="zh-CN" altLang="en-US" sz="1400" dirty="0">
                 <a:latin typeface="Heiti SC Light" charset="-122"/>
                 <a:ea typeface="Heiti SC Light" charset="-122"/>
                 <a:cs typeface="Heiti SC Light" charset="-122"/>
               </a:rPr>
-              <a:t>日志服务</a:t>
-            </a:r>
-          </a:p>
-          <a:p>
-            <a:pPr algn="ctr">
-              <a:defRPr/>
-            </a:pPr>
+              <a:t>实时</a:t>
+            </a:r>
             <a:r>
               <a:rPr kumimoji="1" lang="en-US" altLang="zh-CN" sz="1400" dirty="0">
                 <a:latin typeface="Heiti SC Light" charset="-122"/>
                 <a:ea typeface="Heiti SC Light" charset="-122"/>
                 <a:cs typeface="Heiti SC Light" charset="-122"/>
               </a:rPr>
-              <a:t>(jetty)</a:t>
+              <a:t>)</a:t>
             </a:r>
             <a:endParaRPr kumimoji="1" lang="zh-CN" altLang="en-US" sz="1400" dirty="0">
               <a:latin typeface="Heiti SC Light" charset="-122"/>
@@ -20414,6 +20874,79 @@
       </p:sp>
       <p:sp>
         <p:nvSpPr>
+          <p:cNvPr id="122" name="可选流程 121"/>
+          <p:cNvSpPr/>
+          <p:nvPr/>
+        </p:nvSpPr>
+        <p:spPr>
+          <a:xfrm>
+            <a:off x="6959118" y="2073918"/>
+            <a:ext cx="1074713" cy="580685"/>
+          </a:xfrm>
+          <a:prstGeom prst="flowChartAlternateProcess">
+            <a:avLst/>
+          </a:prstGeom>
+          <a:solidFill>
+            <a:srgbClr val="6095C9"/>
+          </a:solidFill>
+        </p:spPr>
+        <p:style>
+          <a:lnRef idx="0">
+            <a:schemeClr val="accent1"/>
+          </a:lnRef>
+          <a:fillRef idx="3">
+            <a:schemeClr val="accent1"/>
+          </a:fillRef>
+          <a:effectRef idx="3">
+            <a:schemeClr val="accent1"/>
+          </a:effectRef>
+          <a:fontRef idx="minor">
+            <a:schemeClr val="lt1"/>
+          </a:fontRef>
+        </p:style>
+        <p:txBody>
+          <a:bodyPr anchor="ctr"/>
+          <a:lstStyle/>
+          <a:p>
+            <a:pPr algn="ctr">
+              <a:defRPr/>
+            </a:pPr>
+            <a:r>
+              <a:rPr kumimoji="1" lang="zh-CN" altLang="en-US" sz="1400" dirty="0">
+                <a:latin typeface="Heiti SC Light" charset="-122"/>
+                <a:ea typeface="Heiti SC Light" charset="-122"/>
+                <a:cs typeface="Heiti SC Light" charset="-122"/>
+              </a:rPr>
+              <a:t>日志服务</a:t>
+            </a:r>
+            <a:endParaRPr kumimoji="1" lang="zh-CN" altLang="en-US" sz="1400" dirty="0">
+              <a:latin typeface="Heiti SC Light" charset="-122"/>
+              <a:ea typeface="Heiti SC Light" charset="-122"/>
+              <a:cs typeface="Heiti SC Light" charset="-122"/>
+            </a:endParaRPr>
+          </a:p>
+          <a:p>
+            <a:pPr algn="ctr">
+              <a:defRPr/>
+            </a:pPr>
+            <a:r>
+              <a:rPr kumimoji="1" lang="en-US" altLang="zh-CN" sz="1400" dirty="0">
+                <a:latin typeface="Heiti SC Light" charset="-122"/>
+                <a:ea typeface="Heiti SC Light" charset="-122"/>
+                <a:cs typeface="Heiti SC Light" charset="-122"/>
+              </a:rPr>
+              <a:t>(jetty)</a:t>
+            </a:r>
+            <a:endParaRPr kumimoji="1" lang="zh-CN" altLang="en-US" sz="1400" dirty="0">
+              <a:latin typeface="Heiti SC Light" charset="-122"/>
+              <a:ea typeface="Heiti SC Light" charset="-122"/>
+              <a:cs typeface="Heiti SC Light" charset="-122"/>
+            </a:endParaRPr>
+          </a:p>
+        </p:txBody>
+      </p:sp>
+      <p:sp>
+        <p:nvSpPr>
           <p:cNvPr id="2" name="矩形 1"/>
           <p:cNvSpPr/>
           <p:nvPr/>
@@ -20458,6 +20991,11 @@
               </a:rPr>
               <a:t>v1.9</a:t>
             </a:r>
+            <a:endParaRPr lang="en-US" altLang="zh-CN" sz="2800" b="1" dirty="0">
+              <a:latin typeface="Heiti SC Light" charset="-122"/>
+              <a:ea typeface="Heiti SC Light" charset="-122"/>
+              <a:cs typeface="Heiti SC Light" charset="-122"/>
+            </a:endParaRPr>
           </a:p>
         </p:txBody>
       </p:sp>
@@ -20548,6 +21086,14 @@
               </a:rPr>
               <a:t>调度中心</a:t>
             </a:r>
+            <a:endParaRPr kumimoji="1" lang="zh-CN" altLang="en-US" sz="1600" b="1" dirty="0">
+              <a:solidFill>
+                <a:schemeClr val="tx1"/>
+              </a:solidFill>
+              <a:latin typeface="Heiti SC Light" charset="-122"/>
+              <a:ea typeface="Heiti SC Light" charset="-122"/>
+              <a:cs typeface="Heiti SC Light" charset="-122"/>
+            </a:endParaRPr>
           </a:p>
         </p:txBody>
       </p:sp>
@@ -20650,6 +21196,11 @@
               </a:rPr>
               <a:t>注册服务</a:t>
             </a:r>
+            <a:endParaRPr kumimoji="1" lang="zh-CN" altLang="en-US" sz="1400" dirty="0" smtClean="0">
+              <a:latin typeface="Heiti SC Light" charset="-122"/>
+              <a:ea typeface="Heiti SC Light" charset="-122"/>
+              <a:cs typeface="Heiti SC Light" charset="-122"/>
+            </a:endParaRPr>
           </a:p>
           <a:p>
             <a:pPr algn="ctr">
@@ -20721,6 +21272,11 @@
               </a:rPr>
               <a:t>任务管理</a:t>
             </a:r>
+            <a:endParaRPr kumimoji="1" lang="zh-CN" altLang="en-US" sz="1400" b="1" dirty="0" smtClean="0">
+              <a:latin typeface="Heiti SC Light" charset="-122"/>
+              <a:ea typeface="Heiti SC Light" charset="-122"/>
+              <a:cs typeface="Heiti SC Light" charset="-122"/>
+            </a:endParaRPr>
           </a:p>
         </p:txBody>
       </p:sp>
@@ -21329,6 +21885,11 @@
               </a:rPr>
               <a:t>调度器</a:t>
             </a:r>
+            <a:endParaRPr kumimoji="1" lang="zh-CN" altLang="en-US" sz="1400" dirty="0" smtClean="0">
+              <a:latin typeface="Heiti SC Light" charset="-122"/>
+              <a:ea typeface="Heiti SC Light" charset="-122"/>
+              <a:cs typeface="Heiti SC Light" charset="-122"/>
+            </a:endParaRPr>
           </a:p>
           <a:p>
             <a:pPr algn="ctr">
@@ -21405,6 +21966,11 @@
               </a:rPr>
               <a:t>服务</a:t>
             </a:r>
+            <a:endParaRPr kumimoji="1" lang="zh-CN" altLang="en-US" sz="1400" dirty="0" smtClean="0">
+              <a:latin typeface="Heiti SC Light" charset="-122"/>
+              <a:ea typeface="Heiti SC Light" charset="-122"/>
+              <a:cs typeface="Heiti SC Light" charset="-122"/>
+            </a:endParaRPr>
           </a:p>
           <a:p>
             <a:pPr algn="ctr">
@@ -21476,6 +22042,11 @@
               </a:rPr>
               <a:t>日志管理</a:t>
             </a:r>
+            <a:endParaRPr kumimoji="1" lang="zh-CN" altLang="en-US" sz="1400" b="1" dirty="0">
+              <a:latin typeface="Heiti SC Light" charset="-122"/>
+              <a:ea typeface="Heiti SC Light" charset="-122"/>
+              <a:cs typeface="Heiti SC Light" charset="-122"/>
+            </a:endParaRPr>
           </a:p>
         </p:txBody>
       </p:sp>
@@ -21526,6 +22097,11 @@
               </a:rPr>
               <a:t>调度日志</a:t>
             </a:r>
+            <a:endParaRPr kumimoji="1" lang="zh-CN" altLang="en-US" sz="1400" dirty="0">
+              <a:latin typeface="Heiti SC Light" charset="-122"/>
+              <a:ea typeface="Heiti SC Light" charset="-122"/>
+              <a:cs typeface="Heiti SC Light" charset="-122"/>
+            </a:endParaRPr>
           </a:p>
         </p:txBody>
       </p:sp>
@@ -21584,6 +22160,11 @@
               </a:rPr>
               <a:t>日志</a:t>
             </a:r>
+            <a:endParaRPr kumimoji="1" lang="zh-CN" altLang="en-US" sz="1400" dirty="0">
+              <a:latin typeface="Heiti SC Light" charset="-122"/>
+              <a:ea typeface="Heiti SC Light" charset="-122"/>
+              <a:cs typeface="Heiti SC Light" charset="-122"/>
+            </a:endParaRPr>
           </a:p>
         </p:txBody>
       </p:sp>
@@ -21642,6 +22223,11 @@
               </a:rPr>
               <a:t>版本日志</a:t>
             </a:r>
+            <a:endParaRPr kumimoji="1" lang="zh-CN" altLang="en-US" sz="1400" dirty="0">
+              <a:latin typeface="Heiti SC Light" charset="-122"/>
+              <a:ea typeface="Heiti SC Light" charset="-122"/>
+              <a:cs typeface="Heiti SC Light" charset="-122"/>
+            </a:endParaRPr>
           </a:p>
         </p:txBody>
       </p:sp>
@@ -21750,6 +22336,11 @@
               </a:rPr>
               <a:t>其他</a:t>
             </a:r>
+            <a:endParaRPr kumimoji="1" lang="zh-CN" altLang="en-US" sz="1400" b="1" dirty="0" smtClean="0">
+              <a:latin typeface="Heiti SC Light" charset="-122"/>
+              <a:ea typeface="Heiti SC Light" charset="-122"/>
+              <a:cs typeface="Heiti SC Light" charset="-122"/>
+            </a:endParaRPr>
           </a:p>
         </p:txBody>
       </p:sp>
@@ -22095,7 +22686,7 @@
           <p:nvPr/>
         </p:nvCxnSpPr>
         <p:spPr>
-          <a:xfrm flipV="1">
+          <a:xfrm flipV="true">
             <a:off x="5930468" y="1120818"/>
             <a:ext cx="902673" cy="5455"/>
           </a:xfrm>
@@ -22302,6 +22893,11 @@
               </a:rPr>
               <a:t>调度结果</a:t>
             </a:r>
+            <a:endParaRPr kumimoji="1" lang="zh-CN" altLang="en-US" sz="1400" dirty="0" smtClean="0">
+              <a:latin typeface="Heiti SC Light" charset="-122"/>
+              <a:ea typeface="Heiti SC Light" charset="-122"/>
+              <a:cs typeface="Heiti SC Light" charset="-122"/>
+            </a:endParaRPr>
           </a:p>
           <a:p>
             <a:pPr algn="ctr"/>
@@ -22328,7 +22924,7 @@
           <p:nvPr/>
         </p:nvCxnSpPr>
         <p:spPr>
-          <a:xfrm flipH="1">
+          <a:xfrm flipH="true">
             <a:off x="5940012" y="2356487"/>
             <a:ext cx="893129" cy="645"/>
           </a:xfrm>
@@ -22454,62 +23050,6 @@
               </a:rPr>
               <a:t>任务线程</a:t>
             </a:r>
-          </a:p>
-        </p:txBody>
-      </p:sp>
-      <p:sp>
-        <p:nvSpPr>
-          <p:cNvPr id="196" name="磁盘 195"/>
-          <p:cNvSpPr/>
-          <p:nvPr/>
-        </p:nvSpPr>
-        <p:spPr>
-          <a:xfrm>
-            <a:off x="9904842" y="1079536"/>
-            <a:ext cx="1295671" cy="663886"/>
-          </a:xfrm>
-          <a:prstGeom prst="flowChartMagneticDisk">
-            <a:avLst/>
-          </a:prstGeom>
-        </p:spPr>
-        <p:style>
-          <a:lnRef idx="1">
-            <a:schemeClr val="accent4"/>
-          </a:lnRef>
-          <a:fillRef idx="2">
-            <a:schemeClr val="accent4"/>
-          </a:fillRef>
-          <a:effectRef idx="1">
-            <a:schemeClr val="accent4"/>
-          </a:effectRef>
-          <a:fontRef idx="minor">
-            <a:schemeClr val="dk1"/>
-          </a:fontRef>
-        </p:style>
-        <p:txBody>
-          <a:bodyPr anchor="ctr"/>
-          <a:lstStyle/>
-          <a:p>
-            <a:pPr algn="ctr"/>
-            <a:r>
-              <a:rPr kumimoji="1" lang="zh-CN" altLang="en-US" sz="1400" dirty="0">
-                <a:latin typeface="Heiti SC Light" charset="-122"/>
-                <a:ea typeface="Heiti SC Light" charset="-122"/>
-                <a:cs typeface="Heiti SC Light" charset="-122"/>
-              </a:rPr>
-              <a:t>调度请求</a:t>
-            </a:r>
-          </a:p>
-          <a:p>
-            <a:pPr algn="ctr"/>
-            <a:r>
-              <a:rPr kumimoji="1" lang="en-US" altLang="zh-CN" sz="1400" dirty="0">
-                <a:latin typeface="Heiti SC Light" charset="-122"/>
-                <a:ea typeface="Heiti SC Light" charset="-122"/>
-                <a:cs typeface="Heiti SC Light" charset="-122"/>
-              </a:rPr>
-              <a:t>(queue)</a:t>
-            </a:r>
             <a:endParaRPr kumimoji="1" lang="zh-CN" altLang="en-US" sz="1400" dirty="0">
               <a:latin typeface="Heiti SC Light" charset="-122"/>
               <a:ea typeface="Heiti SC Light" charset="-122"/>
@@ -22518,6 +23058,72 @@
           </a:p>
         </p:txBody>
       </p:sp>
+      <p:sp>
+        <p:nvSpPr>
+          <p:cNvPr id="196" name="磁盘 195"/>
+          <p:cNvSpPr/>
+          <p:nvPr/>
+        </p:nvSpPr>
+        <p:spPr>
+          <a:xfrm>
+            <a:off x="9904842" y="1079536"/>
+            <a:ext cx="1295671" cy="663886"/>
+          </a:xfrm>
+          <a:prstGeom prst="flowChartMagneticDisk">
+            <a:avLst/>
+          </a:prstGeom>
+        </p:spPr>
+        <p:style>
+          <a:lnRef idx="1">
+            <a:schemeClr val="accent4"/>
+          </a:lnRef>
+          <a:fillRef idx="2">
+            <a:schemeClr val="accent4"/>
+          </a:fillRef>
+          <a:effectRef idx="1">
+            <a:schemeClr val="accent4"/>
+          </a:effectRef>
+          <a:fontRef idx="minor">
+            <a:schemeClr val="dk1"/>
+          </a:fontRef>
+        </p:style>
+        <p:txBody>
+          <a:bodyPr anchor="ctr"/>
+          <a:lstStyle/>
+          <a:p>
+            <a:pPr algn="ctr"/>
+            <a:r>
+              <a:rPr kumimoji="1" lang="zh-CN" altLang="en-US" sz="1400" dirty="0">
+                <a:latin typeface="Heiti SC Light" charset="-122"/>
+                <a:ea typeface="Heiti SC Light" charset="-122"/>
+                <a:cs typeface="Heiti SC Light" charset="-122"/>
+              </a:rPr>
+              <a:t>调度请求</a:t>
+            </a:r>
+            <a:endParaRPr kumimoji="1" lang="zh-CN" altLang="en-US" sz="1400" dirty="0">
+              <a:latin typeface="Heiti SC Light" charset="-122"/>
+              <a:ea typeface="Heiti SC Light" charset="-122"/>
+              <a:cs typeface="Heiti SC Light" charset="-122"/>
+            </a:endParaRPr>
+          </a:p>
+          <a:p>
+            <a:pPr algn="ctr"/>
+            <a:r>
+              <a:rPr kumimoji="1" lang="en-US" altLang="zh-CN" sz="1400" dirty="0">
+                <a:latin typeface="Heiti SC Light" charset="-122"/>
+                <a:ea typeface="Heiti SC Light" charset="-122"/>
+                <a:cs typeface="Heiti SC Light" charset="-122"/>
+              </a:rPr>
+              <a:t>(queue)</a:t>
+            </a:r>
+            <a:endParaRPr kumimoji="1" lang="zh-CN" altLang="en-US" sz="1400" dirty="0">
+              <a:latin typeface="Heiti SC Light" charset="-122"/>
+              <a:ea typeface="Heiti SC Light" charset="-122"/>
+              <a:cs typeface="Heiti SC Light" charset="-122"/>
+            </a:endParaRPr>
+          </a:p>
+        </p:txBody>
+      </p:sp>
       <p:cxnSp>
         <p:nvCxnSpPr>
           <p:cNvPr id="207" name="直线箭头连接符 206"/>
@@ -22525,7 +23131,7 @@
           <p:nvPr/>
         </p:nvCxnSpPr>
         <p:spPr>
-          <a:xfrm flipH="1" flipV="1">
+          <a:xfrm flipH="true" flipV="true">
             <a:off x="5938417" y="3627371"/>
             <a:ext cx="872707" cy="11641"/>
           </a:xfrm>
@@ -22623,7 +23229,7 @@
           <p:nvPr/>
         </p:nvCxnSpPr>
         <p:spPr>
-          <a:xfrm flipH="1" flipV="1">
+          <a:xfrm flipH="true" flipV="true">
             <a:off x="5943168" y="4896551"/>
             <a:ext cx="903294" cy="11119"/>
           </a:xfrm>
@@ -22747,41 +23353,46 @@
               </a:rPr>
               <a:t>执行日志</a:t>
             </a:r>
-          </a:p>
-          <a:p>
-            <a:pPr algn="ctr">
-              <a:defRPr/>
-            </a:pPr>
-            <a:r>
-              <a:rPr kumimoji="1" lang="en-US" altLang="zh-CN" sz="1400" dirty="0">
-                <a:latin typeface="Heiti SC Light" charset="-122"/>
-                <a:ea typeface="Heiti SC Light" charset="-122"/>
-                <a:cs typeface="Heiti SC Light" charset="-122"/>
-              </a:rPr>
-              <a:t>(Log</a:t>
-            </a:r>
-            <a:r>
-              <a:rPr kumimoji="1" lang="zh-CN" altLang="en-US" sz="1400" dirty="0">
-                <a:latin typeface="Heiti SC Light" charset="-122"/>
-                <a:ea typeface="Heiti SC Light" charset="-122"/>
-                <a:cs typeface="Heiti SC Light" charset="-122"/>
-              </a:rPr>
-              <a:t>文件</a:t>
-            </a:r>
-            <a:r>
-              <a:rPr kumimoji="1" lang="en-US" altLang="zh-CN" sz="1400" dirty="0">
-                <a:latin typeface="Heiti SC Light" charset="-122"/>
-                <a:ea typeface="Heiti SC Light" charset="-122"/>
-                <a:cs typeface="Heiti SC Light" charset="-122"/>
-              </a:rPr>
-              <a:t>)</a:t>
-            </a:r>
             <a:endParaRPr kumimoji="1" lang="zh-CN" altLang="en-US" sz="1400" dirty="0">
               <a:latin typeface="Heiti SC Light" charset="-122"/>
               <a:ea typeface="Heiti SC Light" charset="-122"/>
               <a:cs typeface="Heiti SC Light" charset="-122"/>
             </a:endParaRPr>
           </a:p>
+          <a:p>
+            <a:pPr algn="ctr">
+              <a:defRPr/>
+            </a:pPr>
+            <a:r>
+              <a:rPr kumimoji="1" lang="en-US" altLang="zh-CN" sz="1400" dirty="0">
+                <a:latin typeface="Heiti SC Light" charset="-122"/>
+                <a:ea typeface="Heiti SC Light" charset="-122"/>
+                <a:cs typeface="Heiti SC Light" charset="-122"/>
+              </a:rPr>
+              <a:t>(Log</a:t>
+            </a:r>
+            <a:r>
+              <a:rPr kumimoji="1" lang="zh-CN" altLang="en-US" sz="1400" dirty="0">
+                <a:latin typeface="Heiti SC Light" charset="-122"/>
+                <a:ea typeface="Heiti SC Light" charset="-122"/>
+                <a:cs typeface="Heiti SC Light" charset="-122"/>
+              </a:rPr>
+              <a:t>文件</a:t>
+            </a:r>
+            <a:r>
+              <a:rPr kumimoji="1" lang="en-US" altLang="zh-CN" sz="1400" dirty="0">
+                <a:latin typeface="Heiti SC Light" charset="-122"/>
+                <a:ea typeface="Heiti SC Light" charset="-122"/>
+                <a:cs typeface="Heiti SC Light" charset="-122"/>
+              </a:rPr>
+              <a:t>)</a:t>
+            </a:r>
+            <a:endParaRPr kumimoji="1" lang="zh-CN" altLang="en-US" sz="1400" dirty="0">
+              <a:latin typeface="Heiti SC Light" charset="-122"/>
+              <a:ea typeface="Heiti SC Light" charset="-122"/>
+              <a:cs typeface="Heiti SC Light" charset="-122"/>
+            </a:endParaRPr>
+          </a:p>
         </p:txBody>
       </p:sp>
       <p:sp>
@@ -22829,6 +23440,11 @@
               </a:rPr>
               <a:t>回调线程</a:t>
             </a:r>
+            <a:endParaRPr kumimoji="1" lang="zh-CN" altLang="en-US" sz="1400" dirty="0">
+              <a:latin typeface="Heiti SC Light" charset="-122"/>
+              <a:ea typeface="Heiti SC Light" charset="-122"/>
+              <a:cs typeface="Heiti SC Light" charset="-122"/>
+            </a:endParaRPr>
           </a:p>
         </p:txBody>
       </p:sp>
@@ -22839,7 +23455,7 @@
           <p:nvPr/>
         </p:nvCxnSpPr>
         <p:spPr>
-          <a:xfrm flipH="1">
+          <a:xfrm flipH="true">
             <a:off x="9337243" y="2378430"/>
             <a:ext cx="366394" cy="3349"/>
           </a:xfrm>
@@ -22874,7 +23490,7 @@
           <p:nvPr/>
         </p:nvCxnSpPr>
         <p:spPr>
-          <a:xfrm flipH="1">
+          <a:xfrm flipH="true">
             <a:off x="9337243" y="3661114"/>
             <a:ext cx="366394" cy="3349"/>
           </a:xfrm>
@@ -22957,102 +23573,39 @@
               </a:rPr>
               <a:t>日志</a:t>
             </a:r>
-          </a:p>
-          <a:p>
-            <a:pPr algn="ctr">
-              <a:defRPr/>
-            </a:pPr>
-            <a:r>
-              <a:rPr kumimoji="1" lang="en-US" altLang="zh-CN" sz="1400" dirty="0">
-                <a:latin typeface="Heiti SC Light" charset="-122"/>
-                <a:ea typeface="Heiti SC Light" charset="-122"/>
-                <a:cs typeface="Heiti SC Light" charset="-122"/>
-              </a:rPr>
-              <a:t>(</a:t>
-            </a:r>
-            <a:r>
-              <a:rPr kumimoji="1" lang="zh-CN" altLang="en-US" sz="1400" dirty="0">
-                <a:latin typeface="Heiti SC Light" charset="-122"/>
-                <a:ea typeface="Heiti SC Light" charset="-122"/>
-                <a:cs typeface="Heiti SC Light" charset="-122"/>
-              </a:rPr>
-              <a:t>实时</a:t>
-            </a:r>
-            <a:r>
-              <a:rPr kumimoji="1" lang="en-US" altLang="zh-CN" sz="1400" dirty="0">
-                <a:latin typeface="Heiti SC Light" charset="-122"/>
-                <a:ea typeface="Heiti SC Light" charset="-122"/>
-                <a:cs typeface="Heiti SC Light" charset="-122"/>
-              </a:rPr>
-              <a:t>)</a:t>
-            </a:r>
             <a:endParaRPr kumimoji="1" lang="zh-CN" altLang="en-US" sz="1400" dirty="0">
               <a:latin typeface="Heiti SC Light" charset="-122"/>
               <a:ea typeface="Heiti SC Light" charset="-122"/>
               <a:cs typeface="Heiti SC Light" charset="-122"/>
             </a:endParaRPr>
           </a:p>
-        </p:txBody>
-      </p:sp>
-      <p:sp>
-        <p:nvSpPr>
-          <p:cNvPr id="122" name="可选流程 121"/>
-          <p:cNvSpPr/>
-          <p:nvPr/>
-        </p:nvSpPr>
-        <p:spPr>
-          <a:xfrm>
-            <a:off x="6959118" y="2073918"/>
-            <a:ext cx="1074713" cy="580685"/>
-          </a:xfrm>
-          <a:prstGeom prst="flowChartAlternateProcess">
-            <a:avLst/>
-          </a:prstGeom>
-          <a:solidFill>
-            <a:srgbClr val="6095C9"/>
-          </a:solidFill>
-        </p:spPr>
-        <p:style>
-          <a:lnRef idx="0">
-            <a:schemeClr val="accent1"/>
-          </a:lnRef>
-          <a:fillRef idx="3">
-            <a:schemeClr val="accent1"/>
-          </a:fillRef>
-          <a:effectRef idx="3">
-            <a:schemeClr val="accent1"/>
-          </a:effectRef>
-          <a:fontRef idx="minor">
-            <a:schemeClr val="lt1"/>
-          </a:fontRef>
-        </p:style>
-        <p:txBody>
-          <a:bodyPr anchor="ctr"/>
-          <a:lstStyle/>
           <a:p>
             <a:pPr algn="ctr">
               <a:defRPr/>
             </a:pPr>
             <a:r>
+              <a:rPr kumimoji="1" lang="en-US" altLang="zh-CN" sz="1400" dirty="0">
+                <a:latin typeface="Heiti SC Light" charset="-122"/>
+                <a:ea typeface="Heiti SC Light" charset="-122"/>
+                <a:cs typeface="Heiti SC Light" charset="-122"/>
+              </a:rPr>
+              <a:t>(</a:t>
+            </a:r>
+            <a:r>
               <a:rPr kumimoji="1" lang="zh-CN" altLang="en-US" sz="1400" dirty="0">
                 <a:latin typeface="Heiti SC Light" charset="-122"/>
                 <a:ea typeface="Heiti SC Light" charset="-122"/>
                 <a:cs typeface="Heiti SC Light" charset="-122"/>
               </a:rPr>
-              <a:t>日志服务</a:t>
-            </a:r>
-          </a:p>
-          <a:p>
-            <a:pPr algn="ctr">
-              <a:defRPr/>
-            </a:pPr>
+              <a:t>实时</a:t>
+            </a:r>
             <a:r>
               <a:rPr kumimoji="1" lang="en-US" altLang="zh-CN" sz="1400" dirty="0">
                 <a:latin typeface="Heiti SC Light" charset="-122"/>
                 <a:ea typeface="Heiti SC Light" charset="-122"/>
                 <a:cs typeface="Heiti SC Light" charset="-122"/>
               </a:rPr>
-              <a:t>(jetty)</a:t>
+              <a:t>)</a:t>
             </a:r>
             <a:endParaRPr kumimoji="1" lang="zh-CN" altLang="en-US" sz="1400" dirty="0">
               <a:latin typeface="Heiti SC Light" charset="-122"/>
@@ -23064,6 +23617,79 @@
       </p:sp>
       <p:sp>
         <p:nvSpPr>
+          <p:cNvPr id="122" name="可选流程 121"/>
+          <p:cNvSpPr/>
+          <p:nvPr/>
+        </p:nvSpPr>
+        <p:spPr>
+          <a:xfrm>
+            <a:off x="6959118" y="2073918"/>
+            <a:ext cx="1074713" cy="580685"/>
+          </a:xfrm>
+          <a:prstGeom prst="flowChartAlternateProcess">
+            <a:avLst/>
+          </a:prstGeom>
+          <a:solidFill>
+            <a:srgbClr val="6095C9"/>
+          </a:solidFill>
+        </p:spPr>
+        <p:style>
+          <a:lnRef idx="0">
+            <a:schemeClr val="accent1"/>
+          </a:lnRef>
+          <a:fillRef idx="3">
+            <a:schemeClr val="accent1"/>
+          </a:fillRef>
+          <a:effectRef idx="3">
+            <a:schemeClr val="accent1"/>
+          </a:effectRef>
+          <a:fontRef idx="minor">
+            <a:schemeClr val="lt1"/>
+          </a:fontRef>
+        </p:style>
+        <p:txBody>
+          <a:bodyPr anchor="ctr"/>
+          <a:lstStyle/>
+          <a:p>
+            <a:pPr algn="ctr">
+              <a:defRPr/>
+            </a:pPr>
+            <a:r>
+              <a:rPr kumimoji="1" lang="zh-CN" altLang="en-US" sz="1400" dirty="0">
+                <a:latin typeface="Heiti SC Light" charset="-122"/>
+                <a:ea typeface="Heiti SC Light" charset="-122"/>
+                <a:cs typeface="Heiti SC Light" charset="-122"/>
+              </a:rPr>
+              <a:t>日志服务</a:t>
+            </a:r>
+            <a:endParaRPr kumimoji="1" lang="zh-CN" altLang="en-US" sz="1400" dirty="0">
+              <a:latin typeface="Heiti SC Light" charset="-122"/>
+              <a:ea typeface="Heiti SC Light" charset="-122"/>
+              <a:cs typeface="Heiti SC Light" charset="-122"/>
+            </a:endParaRPr>
+          </a:p>
+          <a:p>
+            <a:pPr algn="ctr">
+              <a:defRPr/>
+            </a:pPr>
+            <a:r>
+              <a:rPr kumimoji="1" lang="en-US" altLang="zh-CN" sz="1400" dirty="0">
+                <a:latin typeface="Heiti SC Light" charset="-122"/>
+                <a:ea typeface="Heiti SC Light" charset="-122"/>
+                <a:cs typeface="Heiti SC Light" charset="-122"/>
+              </a:rPr>
+              <a:t>(jetty)</a:t>
+            </a:r>
+            <a:endParaRPr kumimoji="1" lang="zh-CN" altLang="en-US" sz="1400" dirty="0">
+              <a:latin typeface="Heiti SC Light" charset="-122"/>
+              <a:ea typeface="Heiti SC Light" charset="-122"/>
+              <a:cs typeface="Heiti SC Light" charset="-122"/>
+            </a:endParaRPr>
+          </a:p>
+        </p:txBody>
+      </p:sp>
+      <p:sp>
+        <p:nvSpPr>
           <p:cNvPr id="2" name="矩形 1"/>
           <p:cNvSpPr/>
           <p:nvPr/>
@@ -23108,6 +23734,11 @@
               </a:rPr>
               <a:t>v1.9.2</a:t>
             </a:r>
+            <a:endParaRPr lang="en-US" altLang="zh-CN" sz="2800" dirty="0">
+              <a:latin typeface="Heiti SC Light" charset="-122"/>
+              <a:ea typeface="Heiti SC Light" charset="-122"/>
+              <a:cs typeface="Heiti SC Light" charset="-122"/>
+            </a:endParaRPr>
           </a:p>
         </p:txBody>
       </p:sp>
@@ -23198,6 +23829,14 @@
               </a:rPr>
               <a:t>调度中心</a:t>
             </a:r>
+            <a:endParaRPr kumimoji="1" lang="zh-CN" altLang="en-US" sz="1600" b="1" dirty="0">
+              <a:solidFill>
+                <a:schemeClr val="tx1"/>
+              </a:solidFill>
+              <a:latin typeface="Heiti SC Light" charset="-122"/>
+              <a:ea typeface="Heiti SC Light" charset="-122"/>
+              <a:cs typeface="Heiti SC Light" charset="-122"/>
+            </a:endParaRPr>
           </a:p>
         </p:txBody>
       </p:sp>
@@ -23300,6 +23939,11 @@
               </a:rPr>
               <a:t>注册服务</a:t>
             </a:r>
+            <a:endParaRPr kumimoji="1" lang="zh-CN" altLang="en-US" sz="1400" dirty="0" smtClean="0">
+              <a:latin typeface="Heiti SC Light" charset="-122"/>
+              <a:ea typeface="Heiti SC Light" charset="-122"/>
+              <a:cs typeface="Heiti SC Light" charset="-122"/>
+            </a:endParaRPr>
           </a:p>
         </p:txBody>
       </p:sp>
@@ -23353,6 +23997,11 @@
               </a:rPr>
               <a:t>任务管理</a:t>
             </a:r>
+            <a:endParaRPr kumimoji="1" lang="zh-CN" altLang="en-US" sz="1400" b="1" dirty="0" smtClean="0">
+              <a:latin typeface="Heiti SC Light" charset="-122"/>
+              <a:ea typeface="Heiti SC Light" charset="-122"/>
+              <a:cs typeface="Heiti SC Light" charset="-122"/>
+            </a:endParaRPr>
           </a:p>
         </p:txBody>
       </p:sp>
@@ -23961,6 +24610,11 @@
               </a:rPr>
               <a:t>调度器</a:t>
             </a:r>
+            <a:endParaRPr kumimoji="1" lang="zh-CN" altLang="en-US" sz="1400" dirty="0" smtClean="0">
+              <a:latin typeface="Heiti SC Light" charset="-122"/>
+              <a:ea typeface="Heiti SC Light" charset="-122"/>
+              <a:cs typeface="Heiti SC Light" charset="-122"/>
+            </a:endParaRPr>
           </a:p>
           <a:p>
             <a:pPr algn="ctr">
@@ -24037,6 +24691,11 @@
               </a:rPr>
               <a:t>服务</a:t>
             </a:r>
+            <a:endParaRPr kumimoji="1" lang="zh-CN" altLang="en-US" sz="1400" dirty="0" smtClean="0">
+              <a:latin typeface="Heiti SC Light" charset="-122"/>
+              <a:ea typeface="Heiti SC Light" charset="-122"/>
+              <a:cs typeface="Heiti SC Light" charset="-122"/>
+            </a:endParaRPr>
           </a:p>
         </p:txBody>
       </p:sp>
@@ -24090,6 +24749,11 @@
               </a:rPr>
               <a:t>日志管理</a:t>
             </a:r>
+            <a:endParaRPr kumimoji="1" lang="zh-CN" altLang="en-US" sz="1400" b="1" dirty="0">
+              <a:latin typeface="Heiti SC Light" charset="-122"/>
+              <a:ea typeface="Heiti SC Light" charset="-122"/>
+              <a:cs typeface="Heiti SC Light" charset="-122"/>
+            </a:endParaRPr>
           </a:p>
         </p:txBody>
       </p:sp>
@@ -24140,6 +24804,11 @@
               </a:rPr>
               <a:t>调度日志</a:t>
             </a:r>
+            <a:endParaRPr kumimoji="1" lang="zh-CN" altLang="en-US" sz="1400" dirty="0">
+              <a:latin typeface="Heiti SC Light" charset="-122"/>
+              <a:ea typeface="Heiti SC Light" charset="-122"/>
+              <a:cs typeface="Heiti SC Light" charset="-122"/>
+            </a:endParaRPr>
           </a:p>
         </p:txBody>
       </p:sp>
@@ -24198,6 +24867,11 @@
               </a:rPr>
               <a:t>日志</a:t>
             </a:r>
+            <a:endParaRPr kumimoji="1" lang="zh-CN" altLang="en-US" sz="1400" dirty="0">
+              <a:latin typeface="Heiti SC Light" charset="-122"/>
+              <a:ea typeface="Heiti SC Light" charset="-122"/>
+              <a:cs typeface="Heiti SC Light" charset="-122"/>
+            </a:endParaRPr>
           </a:p>
         </p:txBody>
       </p:sp>
@@ -24256,6 +24930,11 @@
               </a:rPr>
               <a:t>版本日志</a:t>
             </a:r>
+            <a:endParaRPr kumimoji="1" lang="zh-CN" altLang="en-US" sz="1400" dirty="0">
+              <a:latin typeface="Heiti SC Light" charset="-122"/>
+              <a:ea typeface="Heiti SC Light" charset="-122"/>
+              <a:cs typeface="Heiti SC Light" charset="-122"/>
+            </a:endParaRPr>
           </a:p>
         </p:txBody>
       </p:sp>
@@ -24364,6 +25043,11 @@
               </a:rPr>
               <a:t>其他</a:t>
             </a:r>
+            <a:endParaRPr kumimoji="1" lang="zh-CN" altLang="en-US" sz="1400" b="1" dirty="0" smtClean="0">
+              <a:latin typeface="Heiti SC Light" charset="-122"/>
+              <a:ea typeface="Heiti SC Light" charset="-122"/>
+              <a:cs typeface="Heiti SC Light" charset="-122"/>
+            </a:endParaRPr>
           </a:p>
         </p:txBody>
       </p:sp>
@@ -24701,7 +25385,7 @@
           <p:nvPr/>
         </p:nvCxnSpPr>
         <p:spPr>
-          <a:xfrm flipV="1">
+          <a:xfrm flipV="true">
             <a:off x="5930468" y="1120818"/>
             <a:ext cx="902673" cy="5455"/>
           </a:xfrm>
@@ -24908,6 +25592,11 @@
               </a:rPr>
               <a:t>调度结果</a:t>
             </a:r>
+            <a:endParaRPr kumimoji="1" lang="zh-CN" altLang="en-US" sz="1400" dirty="0" smtClean="0">
+              <a:latin typeface="Heiti SC Light" charset="-122"/>
+              <a:ea typeface="Heiti SC Light" charset="-122"/>
+              <a:cs typeface="Heiti SC Light" charset="-122"/>
+            </a:endParaRPr>
           </a:p>
           <a:p>
             <a:pPr algn="ctr"/>
@@ -24934,7 +25623,7 @@
           <p:nvPr/>
         </p:nvCxnSpPr>
         <p:spPr>
-          <a:xfrm flipH="1">
+          <a:xfrm flipH="true">
             <a:off x="5940012" y="2356487"/>
             <a:ext cx="893129" cy="645"/>
           </a:xfrm>
@@ -25060,62 +25749,6 @@
               </a:rPr>
               <a:t>任务线程</a:t>
             </a:r>
-          </a:p>
-        </p:txBody>
-      </p:sp>
-      <p:sp>
-        <p:nvSpPr>
-          <p:cNvPr id="196" name="磁盘 195"/>
-          <p:cNvSpPr/>
-          <p:nvPr/>
-        </p:nvSpPr>
-        <p:spPr>
-          <a:xfrm>
-            <a:off x="9904842" y="1079536"/>
-            <a:ext cx="1295671" cy="663886"/>
-          </a:xfrm>
-          <a:prstGeom prst="flowChartMagneticDisk">
-            <a:avLst/>
-          </a:prstGeom>
-        </p:spPr>
-        <p:style>
-          <a:lnRef idx="1">
-            <a:schemeClr val="accent4"/>
-          </a:lnRef>
-          <a:fillRef idx="2">
-            <a:schemeClr val="accent4"/>
-          </a:fillRef>
-          <a:effectRef idx="1">
-            <a:schemeClr val="accent4"/>
-          </a:effectRef>
-          <a:fontRef idx="minor">
-            <a:schemeClr val="dk1"/>
-          </a:fontRef>
-        </p:style>
-        <p:txBody>
-          <a:bodyPr anchor="ctr"/>
-          <a:lstStyle/>
-          <a:p>
-            <a:pPr algn="ctr"/>
-            <a:r>
-              <a:rPr kumimoji="1" lang="zh-CN" altLang="en-US" sz="1400" dirty="0">
-                <a:latin typeface="Heiti SC Light" charset="-122"/>
-                <a:ea typeface="Heiti SC Light" charset="-122"/>
-                <a:cs typeface="Heiti SC Light" charset="-122"/>
-              </a:rPr>
-              <a:t>调度请求</a:t>
-            </a:r>
-          </a:p>
-          <a:p>
-            <a:pPr algn="ctr"/>
-            <a:r>
-              <a:rPr kumimoji="1" lang="en-US" altLang="zh-CN" sz="1400" dirty="0">
-                <a:latin typeface="Heiti SC Light" charset="-122"/>
-                <a:ea typeface="Heiti SC Light" charset="-122"/>
-                <a:cs typeface="Heiti SC Light" charset="-122"/>
-              </a:rPr>
-              <a:t>(queue)</a:t>
-            </a:r>
             <a:endParaRPr kumimoji="1" lang="zh-CN" altLang="en-US" sz="1400" dirty="0">
               <a:latin typeface="Heiti SC Light" charset="-122"/>
               <a:ea typeface="Heiti SC Light" charset="-122"/>
@@ -25124,6 +25757,72 @@
           </a:p>
         </p:txBody>
       </p:sp>
+      <p:sp>
+        <p:nvSpPr>
+          <p:cNvPr id="196" name="磁盘 195"/>
+          <p:cNvSpPr/>
+          <p:nvPr/>
+        </p:nvSpPr>
+        <p:spPr>
+          <a:xfrm>
+            <a:off x="9904842" y="1079536"/>
+            <a:ext cx="1295671" cy="663886"/>
+          </a:xfrm>
+          <a:prstGeom prst="flowChartMagneticDisk">
+            <a:avLst/>
+          </a:prstGeom>
+        </p:spPr>
+        <p:style>
+          <a:lnRef idx="1">
+            <a:schemeClr val="accent4"/>
+          </a:lnRef>
+          <a:fillRef idx="2">
+            <a:schemeClr val="accent4"/>
+          </a:fillRef>
+          <a:effectRef idx="1">
+            <a:schemeClr val="accent4"/>
+          </a:effectRef>
+          <a:fontRef idx="minor">
+            <a:schemeClr val="dk1"/>
+          </a:fontRef>
+        </p:style>
+        <p:txBody>
+          <a:bodyPr anchor="ctr"/>
+          <a:lstStyle/>
+          <a:p>
+            <a:pPr algn="ctr"/>
+            <a:r>
+              <a:rPr kumimoji="1" lang="zh-CN" altLang="en-US" sz="1400" dirty="0">
+                <a:latin typeface="Heiti SC Light" charset="-122"/>
+                <a:ea typeface="Heiti SC Light" charset="-122"/>
+                <a:cs typeface="Heiti SC Light" charset="-122"/>
+              </a:rPr>
+              <a:t>调度请求</a:t>
+            </a:r>
+            <a:endParaRPr kumimoji="1" lang="zh-CN" altLang="en-US" sz="1400" dirty="0">
+              <a:latin typeface="Heiti SC Light" charset="-122"/>
+              <a:ea typeface="Heiti SC Light" charset="-122"/>
+              <a:cs typeface="Heiti SC Light" charset="-122"/>
+            </a:endParaRPr>
+          </a:p>
+          <a:p>
+            <a:pPr algn="ctr"/>
+            <a:r>
+              <a:rPr kumimoji="1" lang="en-US" altLang="zh-CN" sz="1400" dirty="0">
+                <a:latin typeface="Heiti SC Light" charset="-122"/>
+                <a:ea typeface="Heiti SC Light" charset="-122"/>
+                <a:cs typeface="Heiti SC Light" charset="-122"/>
+              </a:rPr>
+              <a:t>(queue)</a:t>
+            </a:r>
+            <a:endParaRPr kumimoji="1" lang="zh-CN" altLang="en-US" sz="1400" dirty="0">
+              <a:latin typeface="Heiti SC Light" charset="-122"/>
+              <a:ea typeface="Heiti SC Light" charset="-122"/>
+              <a:cs typeface="Heiti SC Light" charset="-122"/>
+            </a:endParaRPr>
+          </a:p>
+        </p:txBody>
+      </p:sp>
       <p:cxnSp>
         <p:nvCxnSpPr>
           <p:cNvPr id="207" name="直线箭头连接符 206"/>
@@ -25131,7 +25830,7 @@
           <p:nvPr/>
         </p:nvCxnSpPr>
         <p:spPr>
-          <a:xfrm flipH="1" flipV="1">
+          <a:xfrm flipH="true" flipV="true">
             <a:off x="5938417" y="3627371"/>
             <a:ext cx="872707" cy="11641"/>
           </a:xfrm>
@@ -25238,6 +25937,11 @@
               </a:rPr>
               <a:t>）</a:t>
             </a:r>
+            <a:endParaRPr kumimoji="1" lang="zh-CN" altLang="en-US" sz="1400" dirty="0" smtClean="0">
+              <a:latin typeface="Heiti SC Light" charset="-122"/>
+              <a:ea typeface="Heiti SC Light" charset="-122"/>
+              <a:cs typeface="Heiti SC Light" charset="-122"/>
+            </a:endParaRPr>
           </a:p>
         </p:txBody>
       </p:sp>
@@ -25248,7 +25952,7 @@
           <p:nvPr/>
         </p:nvCxnSpPr>
         <p:spPr>
-          <a:xfrm flipH="1" flipV="1">
+          <a:xfrm flipH="true" flipV="true">
             <a:off x="5943168" y="4896551"/>
             <a:ext cx="903294" cy="11119"/>
           </a:xfrm>
@@ -25372,41 +26076,46 @@
               </a:rPr>
               <a:t>执行日志</a:t>
             </a:r>
-          </a:p>
-          <a:p>
-            <a:pPr algn="ctr">
-              <a:defRPr/>
-            </a:pPr>
-            <a:r>
-              <a:rPr kumimoji="1" lang="en-US" altLang="zh-CN" sz="1400" dirty="0">
-                <a:latin typeface="Heiti SC Light" charset="-122"/>
-                <a:ea typeface="Heiti SC Light" charset="-122"/>
-                <a:cs typeface="Heiti SC Light" charset="-122"/>
-              </a:rPr>
-              <a:t>(Log</a:t>
-            </a:r>
-            <a:r>
-              <a:rPr kumimoji="1" lang="zh-CN" altLang="en-US" sz="1400" dirty="0">
-                <a:latin typeface="Heiti SC Light" charset="-122"/>
-                <a:ea typeface="Heiti SC Light" charset="-122"/>
-                <a:cs typeface="Heiti SC Light" charset="-122"/>
-              </a:rPr>
-              <a:t>文件</a:t>
-            </a:r>
-            <a:r>
-              <a:rPr kumimoji="1" lang="en-US" altLang="zh-CN" sz="1400" dirty="0">
-                <a:latin typeface="Heiti SC Light" charset="-122"/>
-                <a:ea typeface="Heiti SC Light" charset="-122"/>
-                <a:cs typeface="Heiti SC Light" charset="-122"/>
-              </a:rPr>
-              <a:t>)</a:t>
-            </a:r>
             <a:endParaRPr kumimoji="1" lang="zh-CN" altLang="en-US" sz="1400" dirty="0">
               <a:latin typeface="Heiti SC Light" charset="-122"/>
               <a:ea typeface="Heiti SC Light" charset="-122"/>
               <a:cs typeface="Heiti SC Light" charset="-122"/>
             </a:endParaRPr>
           </a:p>
+          <a:p>
+            <a:pPr algn="ctr">
+              <a:defRPr/>
+            </a:pPr>
+            <a:r>
+              <a:rPr kumimoji="1" lang="en-US" altLang="zh-CN" sz="1400" dirty="0">
+                <a:latin typeface="Heiti SC Light" charset="-122"/>
+                <a:ea typeface="Heiti SC Light" charset="-122"/>
+                <a:cs typeface="Heiti SC Light" charset="-122"/>
+              </a:rPr>
+              <a:t>(Log</a:t>
+            </a:r>
+            <a:r>
+              <a:rPr kumimoji="1" lang="zh-CN" altLang="en-US" sz="1400" dirty="0">
+                <a:latin typeface="Heiti SC Light" charset="-122"/>
+                <a:ea typeface="Heiti SC Light" charset="-122"/>
+                <a:cs typeface="Heiti SC Light" charset="-122"/>
+              </a:rPr>
+              <a:t>文件</a:t>
+            </a:r>
+            <a:r>
+              <a:rPr kumimoji="1" lang="en-US" altLang="zh-CN" sz="1400" dirty="0">
+                <a:latin typeface="Heiti SC Light" charset="-122"/>
+                <a:ea typeface="Heiti SC Light" charset="-122"/>
+                <a:cs typeface="Heiti SC Light" charset="-122"/>
+              </a:rPr>
+              <a:t>)</a:t>
+            </a:r>
+            <a:endParaRPr kumimoji="1" lang="zh-CN" altLang="en-US" sz="1400" dirty="0">
+              <a:latin typeface="Heiti SC Light" charset="-122"/>
+              <a:ea typeface="Heiti SC Light" charset="-122"/>
+              <a:cs typeface="Heiti SC Light" charset="-122"/>
+            </a:endParaRPr>
+          </a:p>
         </p:txBody>
       </p:sp>
       <p:sp>
@@ -25454,6 +26163,11 @@
               </a:rPr>
               <a:t>回调线程</a:t>
             </a:r>
+            <a:endParaRPr kumimoji="1" lang="zh-CN" altLang="en-US" sz="1400" dirty="0">
+              <a:latin typeface="Heiti SC Light" charset="-122"/>
+              <a:ea typeface="Heiti SC Light" charset="-122"/>
+              <a:cs typeface="Heiti SC Light" charset="-122"/>
+            </a:endParaRPr>
           </a:p>
         </p:txBody>
       </p:sp>
@@ -25464,7 +26178,7 @@
           <p:nvPr/>
         </p:nvCxnSpPr>
         <p:spPr>
-          <a:xfrm flipH="1">
+          <a:xfrm flipH="true">
             <a:off x="9337243" y="2378430"/>
             <a:ext cx="366394" cy="3349"/>
           </a:xfrm>
@@ -25499,7 +26213,7 @@
           <p:nvPr/>
         </p:nvCxnSpPr>
         <p:spPr>
-          <a:xfrm flipH="1">
+          <a:xfrm flipH="true">
             <a:off x="9337243" y="3661114"/>
             <a:ext cx="366394" cy="3349"/>
           </a:xfrm>
@@ -25582,97 +26296,39 @@
               </a:rPr>
               <a:t>日志</a:t>
             </a:r>
-          </a:p>
-          <a:p>
-            <a:pPr algn="ctr">
-              <a:defRPr/>
-            </a:pPr>
-            <a:r>
-              <a:rPr kumimoji="1" lang="en-US" altLang="zh-CN" sz="1400" dirty="0">
-                <a:latin typeface="Heiti SC Light" charset="-122"/>
-                <a:ea typeface="Heiti SC Light" charset="-122"/>
-                <a:cs typeface="Heiti SC Light" charset="-122"/>
-              </a:rPr>
-              <a:t>(</a:t>
-            </a:r>
-            <a:r>
-              <a:rPr kumimoji="1" lang="zh-CN" altLang="en-US" sz="1400" dirty="0">
-                <a:latin typeface="Heiti SC Light" charset="-122"/>
-                <a:ea typeface="Heiti SC Light" charset="-122"/>
-                <a:cs typeface="Heiti SC Light" charset="-122"/>
-              </a:rPr>
-              <a:t>实时</a:t>
-            </a:r>
-            <a:r>
-              <a:rPr kumimoji="1" lang="en-US" altLang="zh-CN" sz="1400" dirty="0">
-                <a:latin typeface="Heiti SC Light" charset="-122"/>
-                <a:ea typeface="Heiti SC Light" charset="-122"/>
-                <a:cs typeface="Heiti SC Light" charset="-122"/>
-              </a:rPr>
-              <a:t>)</a:t>
-            </a:r>
             <a:endParaRPr kumimoji="1" lang="zh-CN" altLang="en-US" sz="1400" dirty="0">
               <a:latin typeface="Heiti SC Light" charset="-122"/>
               <a:ea typeface="Heiti SC Light" charset="-122"/>
               <a:cs typeface="Heiti SC Light" charset="-122"/>
             </a:endParaRPr>
           </a:p>
-        </p:txBody>
-      </p:sp>
-      <p:sp>
-        <p:nvSpPr>
-          <p:cNvPr id="122" name="可选流程 121"/>
-          <p:cNvSpPr/>
-          <p:nvPr/>
-        </p:nvSpPr>
-        <p:spPr>
-          <a:xfrm>
-            <a:off x="6959118" y="2073918"/>
-            <a:ext cx="1074713" cy="580685"/>
-          </a:xfrm>
-          <a:prstGeom prst="flowChartAlternateProcess">
-            <a:avLst/>
-          </a:prstGeom>
-          <a:solidFill>
-            <a:srgbClr val="6095C9"/>
-          </a:solidFill>
-        </p:spPr>
-        <p:style>
-          <a:lnRef idx="0">
-            <a:schemeClr val="accent1"/>
-          </a:lnRef>
-          <a:fillRef idx="3">
-            <a:schemeClr val="accent1"/>
-          </a:fillRef>
-          <a:effectRef idx="3">
-            <a:schemeClr val="accent1"/>
-          </a:effectRef>
-          <a:fontRef idx="minor">
-            <a:schemeClr val="lt1"/>
-          </a:fontRef>
-        </p:style>
-        <p:txBody>
-          <a:bodyPr anchor="ctr"/>
-          <a:lstStyle/>
           <a:p>
             <a:pPr algn="ctr">
               <a:defRPr/>
             </a:pPr>
             <a:r>
+              <a:rPr kumimoji="1" lang="en-US" altLang="zh-CN" sz="1400" dirty="0">
+                <a:latin typeface="Heiti SC Light" charset="-122"/>
+                <a:ea typeface="Heiti SC Light" charset="-122"/>
+                <a:cs typeface="Heiti SC Light" charset="-122"/>
+              </a:rPr>
+              <a:t>(</a:t>
+            </a:r>
+            <a:r>
               <a:rPr kumimoji="1" lang="zh-CN" altLang="en-US" sz="1400" dirty="0">
                 <a:latin typeface="Heiti SC Light" charset="-122"/>
                 <a:ea typeface="Heiti SC Light" charset="-122"/>
                 <a:cs typeface="Heiti SC Light" charset="-122"/>
               </a:rPr>
-              <a:t>日志</a:t>
-            </a:r>
-            <a:r>
-              <a:rPr kumimoji="1" lang="zh-CN" altLang="en-US" sz="1400" dirty="0" smtClean="0">
-                <a:latin typeface="Heiti SC Light" charset="-122"/>
-                <a:ea typeface="Heiti SC Light" charset="-122"/>
-                <a:cs typeface="Heiti SC Light" charset="-122"/>
-              </a:rPr>
-              <a:t>服务</a:t>
+              <a:t>实时</a:t>
+            </a:r>
+            <a:r>
+              <a:rPr kumimoji="1" lang="en-US" altLang="zh-CN" sz="1400" dirty="0">
+                <a:latin typeface="Heiti SC Light" charset="-122"/>
+                <a:ea typeface="Heiti SC Light" charset="-122"/>
+                <a:cs typeface="Heiti SC Light" charset="-122"/>
+              </a:rPr>
+              <a:t>)</a:t>
             </a:r>
             <a:endParaRPr kumimoji="1" lang="zh-CN" altLang="en-US" sz="1400" dirty="0">
               <a:latin typeface="Heiti SC Light" charset="-122"/>
@@ -25684,6 +26340,69 @@
       </p:sp>
       <p:sp>
         <p:nvSpPr>
+          <p:cNvPr id="122" name="可选流程 121"/>
+          <p:cNvSpPr/>
+          <p:nvPr/>
+        </p:nvSpPr>
+        <p:spPr>
+          <a:xfrm>
+            <a:off x="6959118" y="2073918"/>
+            <a:ext cx="1074713" cy="580685"/>
+          </a:xfrm>
+          <a:prstGeom prst="flowChartAlternateProcess">
+            <a:avLst/>
+          </a:prstGeom>
+          <a:solidFill>
+            <a:srgbClr val="6095C9"/>
+          </a:solidFill>
+        </p:spPr>
+        <p:style>
+          <a:lnRef idx="0">
+            <a:schemeClr val="accent1"/>
+          </a:lnRef>
+          <a:fillRef idx="3">
+            <a:schemeClr val="accent1"/>
+          </a:fillRef>
+          <a:effectRef idx="3">
+            <a:schemeClr val="accent1"/>
+          </a:effectRef>
+          <a:fontRef idx="minor">
+            <a:schemeClr val="lt1"/>
+          </a:fontRef>
+        </p:style>
+        <p:txBody>
+          <a:bodyPr anchor="ctr"/>
+          <a:lstStyle/>
+          <a:p>
+            <a:pPr algn="ctr">
+              <a:defRPr/>
+            </a:pPr>
+            <a:r>
+              <a:rPr kumimoji="1" lang="zh-CN" altLang="en-US" sz="1400" dirty="0">
+                <a:latin typeface="Heiti SC Light" charset="-122"/>
+                <a:ea typeface="Heiti SC Light" charset="-122"/>
+                <a:cs typeface="Heiti SC Light" charset="-122"/>
+              </a:rPr>
+              <a:t>日志</a:t>
+            </a:r>
+            <a:r>
+              <a:rPr kumimoji="1" lang="zh-CN" altLang="en-US" sz="1400" dirty="0" smtClean="0">
+                <a:latin typeface="Heiti SC Light" charset="-122"/>
+                <a:ea typeface="Heiti SC Light" charset="-122"/>
+                <a:cs typeface="Heiti SC Light" charset="-122"/>
+              </a:rPr>
+              <a:t>服务</a:t>
+            </a:r>
+            <a:endParaRPr kumimoji="1" lang="zh-CN" altLang="en-US" sz="1400" dirty="0">
+              <a:latin typeface="Heiti SC Light" charset="-122"/>
+              <a:ea typeface="Heiti SC Light" charset="-122"/>
+              <a:cs typeface="Heiti SC Light" charset="-122"/>
+            </a:endParaRPr>
+          </a:p>
+        </p:txBody>
+      </p:sp>
+      <p:sp>
+        <p:nvSpPr>
           <p:cNvPr id="2" name="矩形 1"/>
           <p:cNvSpPr/>
           <p:nvPr/>
@@ -25737,11 +26456,6 @@
         </p:txBody>
       </p:sp>
     </p:spTree>
-    <p:extLst>
-      <p:ext uri="{BB962C8B-B14F-4D97-AF65-F5344CB8AC3E}">
-        <p14:creationId xmlns:p14="http://schemas.microsoft.com/office/powerpoint/2010/main" val="1632737874"/>
-      </p:ext>
-    </p:extLst>
   </p:cSld>
   <p:clrMapOvr>
     <a:masterClrMapping/>
@@ -25833,7 +26547,7 @@
               <a:uLnTx/>
               <a:uFillTx/>
               <a:latin typeface="Calibri" panose="020F0502020204030204"/>
-              <a:ea typeface="宋体" panose="02010600030101010101" pitchFamily="2" charset="-122"/>
+              <a:ea typeface="SimSun" panose="02010600030101010101" pitchFamily="2" charset="-122"/>
             </a:endParaRPr>
           </a:p>
         </p:txBody>
@@ -25852,7 +26566,7 @@
           <a:prstGeom prst="can">
             <a:avLst/>
           </a:prstGeom>
-          <a:gradFill rotWithShape="1">
+          <a:gradFill rotWithShape="true">
             <a:gsLst>
               <a:gs pos="0">
                 <a:sysClr val="windowText" lastClr="000000">
@@ -25873,7 +26587,7 @@
                 </a:sysClr>
               </a:gs>
             </a:gsLst>
-            <a:lin ang="16200000" scaled="1"/>
+            <a:lin ang="16200000" scaled="true"/>
           </a:gradFill>
           <a:ln w="9525" cap="flat" cmpd="sng" algn="ctr">
             <a:solidFill>
@@ -25929,6 +26643,20 @@
               </a:rPr>
               <a:t>业务数据</a:t>
             </a:r>
+            <a:endParaRPr kumimoji="1" lang="zh-CN" altLang="en-US" sz="1100" b="0" i="0" u="none" strike="noStrike" kern="0" cap="none" spc="0" normalizeH="0" baseline="0" noProof="0" dirty="0" smtClean="0">
+              <a:ln>
+                <a:noFill/>
+              </a:ln>
+              <a:solidFill>
+                <a:prstClr val="black"/>
+              </a:solidFill>
+              <a:effectLst/>
+              <a:uLnTx/>
+              <a:uFillTx/>
+              <a:latin typeface="微软雅黑" panose="020B0503020204020204" charset="-122"/>
+              <a:ea typeface="微软雅黑" panose="020B0503020204020204" charset="-122"/>
+              <a:cs typeface="微软雅黑" panose="020B0503020204020204" charset="-122"/>
+            </a:endParaRPr>
           </a:p>
         </p:txBody>
       </p:sp>
@@ -25992,7 +26720,7 @@
               <a:uLnTx/>
               <a:uFillTx/>
               <a:latin typeface="Calibri" panose="020F0502020204030204"/>
-              <a:ea typeface="宋体" panose="02010600030101010101" pitchFamily="2" charset="-122"/>
+              <a:ea typeface="SimSun" panose="02010600030101010101" pitchFamily="2" charset="-122"/>
             </a:endParaRPr>
           </a:p>
         </p:txBody>
@@ -26057,7 +26785,7 @@
               <a:uLnTx/>
               <a:uFillTx/>
               <a:latin typeface="Calibri" panose="020F0502020204030204"/>
-              <a:ea typeface="宋体" panose="02010600030101010101" pitchFamily="2" charset="-122"/>
+              <a:ea typeface="SimSun" panose="02010600030101010101" pitchFamily="2" charset="-122"/>
             </a:endParaRPr>
           </a:p>
         </p:txBody>
@@ -26172,7 +26900,7 @@
           <a:prstGeom prst="ellipse">
             <a:avLst/>
           </a:prstGeom>
-          <a:gradFill rotWithShape="1">
+          <a:gradFill rotWithShape="true">
             <a:gsLst>
               <a:gs pos="0">
                 <a:srgbClr val="4F81BD">
@@ -26189,7 +26917,7 @@
                 </a:srgbClr>
               </a:gs>
             </a:gsLst>
-            <a:lin ang="16200000" scaled="0"/>
+            <a:lin ang="16200000" scaled="false"/>
           </a:gradFill>
           <a:ln w="9525" cap="flat" cmpd="sng" algn="ctr">
             <a:solidFill>
@@ -26293,7 +27021,7 @@
           <a:prstGeom prst="ellipse">
             <a:avLst/>
           </a:prstGeom>
-          <a:gradFill rotWithShape="1">
+          <a:gradFill rotWithShape="true">
             <a:gsLst>
               <a:gs pos="0">
                 <a:srgbClr val="4F81BD">
@@ -26310,7 +27038,7 @@
                 </a:srgbClr>
               </a:gs>
             </a:gsLst>
-            <a:lin ang="16200000" scaled="0"/>
+            <a:lin ang="16200000" scaled="false"/>
           </a:gradFill>
           <a:ln w="9525" cap="flat" cmpd="sng" algn="ctr">
             <a:solidFill>
@@ -26414,7 +27142,7 @@
           <a:prstGeom prst="ellipse">
             <a:avLst/>
           </a:prstGeom>
-          <a:gradFill rotWithShape="1">
+          <a:gradFill rotWithShape="true">
             <a:gsLst>
               <a:gs pos="0">
                 <a:srgbClr val="4F81BD">
@@ -26431,7 +27159,7 @@
                 </a:srgbClr>
               </a:gs>
             </a:gsLst>
-            <a:lin ang="16200000" scaled="0"/>
+            <a:lin ang="16200000" scaled="false"/>
           </a:gradFill>
           <a:ln w="9525" cap="flat" cmpd="sng" algn="ctr">
             <a:solidFill>
@@ -26525,7 +27253,7 @@
           <p:nvPr/>
         </p:nvCxnSpPr>
         <p:spPr>
-          <a:xfrm rot="16200000" flipV="1">
+          <a:xfrm rot="16200000" flipV="true">
             <a:off x="6173222" y="1981589"/>
             <a:ext cx="1515548" cy="1784835"/>
           </a:xfrm>
@@ -26560,7 +27288,7 @@
           <p:nvPr/>
         </p:nvCxnSpPr>
         <p:spPr>
-          <a:xfrm rot="16200000" flipV="1">
+          <a:xfrm rot="16200000" flipV="true">
             <a:off x="6154685" y="2412852"/>
             <a:ext cx="1102823" cy="1335036"/>
           </a:xfrm>
@@ -26592,7 +27320,7 @@
           <p:nvPr/>
         </p:nvCxnSpPr>
         <p:spPr>
-          <a:xfrm rot="16200000" flipV="1">
+          <a:xfrm rot="16200000" flipV="true">
             <a:off x="6136148" y="2844114"/>
             <a:ext cx="690098" cy="885237"/>
           </a:xfrm>
@@ -26694,7 +27422,7 @@
               <a:uLnTx/>
               <a:uFillTx/>
               <a:latin typeface="Calibri" panose="020F0502020204030204"/>
-              <a:ea typeface="宋体" panose="02010600030101010101" pitchFamily="2" charset="-122"/>
+              <a:ea typeface="SimSun" panose="02010600030101010101" pitchFamily="2" charset="-122"/>
             </a:endParaRPr>
           </a:p>
         </p:txBody>
@@ -26791,7 +27519,7 @@
               <a:uLnTx/>
               <a:uFillTx/>
               <a:latin typeface="Calibri" panose="020F0502020204030204"/>
-              <a:ea typeface="宋体" panose="02010600030101010101" pitchFamily="2" charset="-122"/>
+              <a:ea typeface="SimSun" panose="02010600030101010101" pitchFamily="2" charset="-122"/>
             </a:endParaRPr>
           </a:p>
         </p:txBody>
@@ -26799,7 +27527,7 @@
       <p:sp>
         <p:nvSpPr>
           <p:cNvPr id="52" name="文本框 51"/>
-          <p:cNvSpPr txBox="1"/>
+          <p:cNvSpPr txBox="true"/>
           <p:nvPr/>
         </p:nvSpPr>
         <p:spPr>
@@ -26880,7 +27608,7 @@
           <p:nvPr/>
         </p:nvCxnSpPr>
         <p:spPr>
-          <a:xfrm flipV="1">
+          <a:xfrm flipV="true">
             <a:off x="3724695" y="2941683"/>
             <a:ext cx="1393219" cy="0"/>
           </a:xfrm>
@@ -26965,7 +27693,7 @@
               <a:uLnTx/>
               <a:uFillTx/>
               <a:latin typeface="Calibri" panose="020F0502020204030204"/>
-              <a:ea typeface="宋体" panose="02010600030101010101" pitchFamily="2" charset="-122"/>
+              <a:ea typeface="SimSun" panose="02010600030101010101" pitchFamily="2" charset="-122"/>
             </a:endParaRPr>
           </a:p>
         </p:txBody>
@@ -26973,7 +27701,7 @@
       <p:sp>
         <p:nvSpPr>
           <p:cNvPr id="56" name="文本框 55"/>
-          <p:cNvSpPr txBox="1"/>
+          <p:cNvSpPr txBox="true"/>
           <p:nvPr/>
         </p:nvSpPr>
         <p:spPr>
@@ -27018,7 +27746,7 @@
       <p:sp>
         <p:nvSpPr>
           <p:cNvPr id="57" name="文本框 56"/>
-          <p:cNvSpPr txBox="1"/>
+          <p:cNvSpPr txBox="true"/>
           <p:nvPr/>
         </p:nvSpPr>
         <p:spPr>
@@ -27096,7 +27824,7 @@
       <p:sp>
         <p:nvSpPr>
           <p:cNvPr id="58" name="文本框 57"/>
-          <p:cNvSpPr txBox="1"/>
+          <p:cNvSpPr txBox="true"/>
           <p:nvPr/>
         </p:nvSpPr>
         <p:spPr>
@@ -27185,7 +27913,7 @@
       <p:sp>
         <p:nvSpPr>
           <p:cNvPr id="59" name="文本框 58"/>
-          <p:cNvSpPr txBox="1"/>
+          <p:cNvSpPr txBox="true"/>
           <p:nvPr/>
         </p:nvSpPr>
         <p:spPr>
@@ -27263,7 +27991,7 @@
       <p:sp>
         <p:nvSpPr>
           <p:cNvPr id="60" name="文本框 59"/>
-          <p:cNvSpPr txBox="1"/>
+          <p:cNvSpPr txBox="true"/>
           <p:nvPr/>
         </p:nvSpPr>
         <p:spPr>
@@ -27330,7 +28058,7 @@
       <p:sp>
         <p:nvSpPr>
           <p:cNvPr id="61" name="文本框 60"/>
-          <p:cNvSpPr txBox="1"/>
+          <p:cNvSpPr txBox="true"/>
           <p:nvPr/>
         </p:nvSpPr>
         <p:spPr>
@@ -27419,7 +28147,7 @@
       <p:sp>
         <p:nvSpPr>
           <p:cNvPr id="62" name="文本框 61"/>
-          <p:cNvSpPr txBox="1"/>
+          <p:cNvSpPr txBox="true"/>
           <p:nvPr/>
         </p:nvSpPr>
         <p:spPr>
@@ -27519,7 +28247,7 @@
       <p:sp>
         <p:nvSpPr>
           <p:cNvPr id="63" name="文本框 62"/>
-          <p:cNvSpPr txBox="1"/>
+          <p:cNvSpPr txBox="true"/>
           <p:nvPr/>
         </p:nvSpPr>
         <p:spPr>
@@ -27636,7 +28364,7 @@
           <a:effectLst/>
         </p:spPr>
         <p:txBody>
-          <a:bodyPr rot="0" spcFirstLastPara="0" vertOverflow="overflow" horzOverflow="overflow" vert="horz" wrap="square" lIns="91440" tIns="45720" rIns="91440" bIns="45720" numCol="1" spcCol="0" rtlCol="0" fromWordArt="0" anchor="t" anchorCtr="0" forceAA="0" compatLnSpc="1">
+          <a:bodyPr rot="0" spcFirstLastPara="0" vertOverflow="overflow" horzOverflow="overflow" vert="horz" wrap="square" lIns="91440" tIns="45720" rIns="91440" bIns="45720" numCol="1" spcCol="0" rtlCol="0" fromWordArt="false" anchor="t" anchorCtr="false" forceAA="false" compatLnSpc="true">
             <a:noAutofit/>
           </a:bodyPr>
           <a:lstStyle/>
@@ -27674,6 +28402,20 @@
               </a:rPr>
               <a:t>意义：</a:t>
             </a:r>
+            <a:endParaRPr kumimoji="1" lang="zh-CN" altLang="en-US" sz="1600" b="0" i="0" u="none" strike="noStrike" kern="0" cap="none" spc="0" normalizeH="0" baseline="0" noProof="0" dirty="0" smtClean="0">
+              <a:ln>
+                <a:noFill/>
+              </a:ln>
+              <a:solidFill>
+                <a:srgbClr val="FF0000"/>
+              </a:solidFill>
+              <a:effectLst/>
+              <a:uLnTx/>
+              <a:uFillTx/>
+              <a:latin typeface="微软雅黑" panose="020B0503020204020204" charset="-122"/>
+              <a:ea typeface="微软雅黑" panose="020B0503020204020204" charset="-122"/>
+              <a:cs typeface="微软雅黑" panose="020B0503020204020204" charset="-122"/>
+            </a:endParaRPr>
           </a:p>
           <a:p>
             <a:pPr marL="0" marR="0" lvl="0" indent="0" defTabSz="457200" eaLnBrk="1" fontAlgn="auto" latinLnBrk="0" hangingPunct="1">
@@ -27726,6 +28468,20 @@
               </a:rPr>
               <a:t>、协同处理大量数据</a:t>
             </a:r>
+            <a:endParaRPr kumimoji="1" lang="zh-CN" altLang="en-US" sz="1200" b="0" i="0" u="none" strike="noStrike" kern="0" cap="none" spc="0" normalizeH="0" baseline="0" noProof="0" dirty="0" smtClean="0">
+              <a:ln>
+                <a:noFill/>
+              </a:ln>
+              <a:solidFill>
+                <a:prstClr val="black"/>
+              </a:solidFill>
+              <a:effectLst/>
+              <a:uLnTx/>
+              <a:uFillTx/>
+              <a:latin typeface="微软雅黑" panose="020B0503020204020204" charset="-122"/>
+              <a:ea typeface="微软雅黑" panose="020B0503020204020204" charset="-122"/>
+              <a:cs typeface="微软雅黑" panose="020B0503020204020204" charset="-122"/>
+            </a:endParaRPr>
           </a:p>
           <a:p>
             <a:pPr marL="0" marR="0" lvl="0" indent="0" defTabSz="457200" eaLnBrk="1" fontAlgn="auto" latinLnBrk="0" hangingPunct="1">
@@ -27778,6 +28534,20 @@
               </a:rPr>
               <a:t>、动态扩容，动态分片</a:t>
             </a:r>
+            <a:endParaRPr kumimoji="1" lang="zh-CN" altLang="en-US" sz="1200" b="0" i="0" u="none" strike="noStrike" kern="0" cap="none" spc="0" normalizeH="0" baseline="0" noProof="0" dirty="0" smtClean="0">
+              <a:ln>
+                <a:noFill/>
+              </a:ln>
+              <a:solidFill>
+                <a:prstClr val="black"/>
+              </a:solidFill>
+              <a:effectLst/>
+              <a:uLnTx/>
+              <a:uFillTx/>
+              <a:latin typeface="微软雅黑" panose="020B0503020204020204" charset="-122"/>
+              <a:ea typeface="微软雅黑" panose="020B0503020204020204" charset="-122"/>
+              <a:cs typeface="微软雅黑" panose="020B0503020204020204" charset="-122"/>
+            </a:endParaRPr>
           </a:p>
         </p:txBody>
       </p:sp>
@@ -27858,7 +28628,7 @@
               <a:uLnTx/>
               <a:uFillTx/>
               <a:latin typeface="Calibri" panose="020F0502020204030204"/>
-              <a:ea typeface="宋体" panose="02010600030101010101" pitchFamily="2" charset="-122"/>
+              <a:ea typeface="SimSun" panose="02010600030101010101" pitchFamily="2" charset="-122"/>
             </a:endParaRPr>
           </a:p>
         </p:txBody>
@@ -27898,7 +28668,7 @@
       <p:sp>
         <p:nvSpPr>
           <p:cNvPr id="67" name="文本框 66"/>
-          <p:cNvSpPr txBox="1"/>
+          <p:cNvSpPr txBox="true"/>
           <p:nvPr/>
         </p:nvSpPr>
         <p:spPr>
@@ -28066,7 +28836,7 @@
         <a:solidFill>
           <a:schemeClr val="phClr"/>
         </a:solidFill>
-        <a:gradFill rotWithShape="1">
+        <a:gradFill rotWithShape="true">
           <a:gsLst>
             <a:gs pos="0">
               <a:schemeClr val="phClr">
@@ -28090,9 +28860,9 @@
               </a:schemeClr>
             </a:gs>
           </a:gsLst>
-          <a:lin ang="5400000" scaled="0"/>
+          <a:lin ang="5400000" scaled="false"/>
         </a:gradFill>
-        <a:gradFill rotWithShape="1">
+        <a:gradFill rotWithShape="true">
           <a:gsLst>
             <a:gs pos="0">
               <a:schemeClr val="phClr">
@@ -28116,7 +28886,7 @@
               </a:schemeClr>
             </a:gs>
           </a:gsLst>
-          <a:lin ang="5400000" scaled="0"/>
+          <a:lin ang="5400000" scaled="false"/>
         </a:gradFill>
       </a:fillStyleLst>
       <a:lnStyleLst>
@@ -28169,7 +28939,7 @@
             <a:satMod val="170000"/>
           </a:schemeClr>
         </a:solidFill>
-        <a:gradFill rotWithShape="1">
+        <a:gradFill rotWithShape="true">
           <a:gsLst>
             <a:gs pos="0">
               <a:schemeClr val="phClr">
@@ -28194,13 +28964,11 @@
               </a:schemeClr>
             </a:gs>
           </a:gsLst>
-          <a:lin ang="5400000" scaled="0"/>
+          <a:lin ang="5400000" scaled="false"/>
         </a:gradFill>
       </a:bgFillStyleLst>
     </a:fmtScheme>
   </a:themeElements>
-  <a:objectDefaults/>
-  <a:extraClrSchemeLst/>
   <a:extLst>
     <a:ext uri="{05A4C25C-085E-4340-85A3-A5531E510DB2}">
       <thm15:themeFamily xmlns:thm15="http://schemas.microsoft.com/office/thememl/2012/main" name="Office Theme" id="{62F939B6-93AF-4DB8-9C6B-D6C7DFDC589F}" vid="{4A3C46E8-61CC-4603-A589-7422A47A8E4A}"/>
@@ -28327,7 +29095,7 @@
         <a:solidFill>
           <a:schemeClr val="phClr"/>
         </a:solidFill>
-        <a:gradFill rotWithShape="1">
+        <a:gradFill rotWithShape="true">
           <a:gsLst>
             <a:gs pos="0">
               <a:schemeClr val="phClr">
@@ -28351,9 +29119,9 @@
               </a:schemeClr>
             </a:gs>
           </a:gsLst>
-          <a:lin ang="5400000" scaled="0"/>
+          <a:lin ang="5400000" scaled="false"/>
         </a:gradFill>
-        <a:gradFill rotWithShape="1">
+        <a:gradFill rotWithShape="true">
           <a:gsLst>
             <a:gs pos="0">
               <a:schemeClr val="phClr">
@@ -28377,7 +29145,7 @@
               </a:schemeClr>
             </a:gs>
           </a:gsLst>
-          <a:lin ang="5400000" scaled="0"/>
+          <a:lin ang="5400000" scaled="false"/>
         </a:gradFill>
       </a:fillStyleLst>
       <a:lnStyleLst>
@@ -28430,7 +29198,7 @@
             <a:satMod val="170000"/>
           </a:schemeClr>
         </a:solidFill>
-        <a:gradFill rotWithShape="1">
+        <a:gradFill rotWithShape="true">
           <a:gsLst>
             <a:gs pos="0">
               <a:schemeClr val="phClr">
@@ -28455,13 +29223,11 @@
               </a:schemeClr>
             </a:gs>
           </a:gsLst>
-          <a:lin ang="5400000" scaled="0"/>
+          <a:lin ang="5400000" scaled="false"/>
         </a:gradFill>
       </a:bgFillStyleLst>
     </a:fmtScheme>
   </a:themeElements>
-  <a:objectDefaults/>
-  <a:extraClrSchemeLst/>
   <a:extLst>
     <a:ext uri="{05A4C25C-085E-4340-85A3-A5531E510DB2}">
       <thm15:themeFamily xmlns:thm15="http://schemas.microsoft.com/office/thememl/2012/main" name="Office Theme" id="{62F939B6-93AF-4DB8-9C6B-D6C7DFDC589F}" vid="{4A3C46E8-61CC-4603-A589-7422A47A8E4A}"/>
